--- a/Projectboard/Projectboard/bin/Debug/requirements/templateboarddossier.pptx
+++ b/Projectboard/Projectboard/bin/Debug/requirements/templateboarddossier.pptx
@@ -5,13 +5,17 @@
     <p:sldMasterId id="2147483648" r:id="rId1"/>
   </p:sldMasterIdLst>
   <p:notesMasterIdLst>
-    <p:notesMasterId r:id="rId6"/>
+    <p:notesMasterId r:id="rId10"/>
   </p:notesMasterIdLst>
   <p:sldIdLst>
     <p:sldId id="272" r:id="rId2"/>
     <p:sldId id="269" r:id="rId3"/>
-    <p:sldId id="273" r:id="rId4"/>
-    <p:sldId id="265" r:id="rId5"/>
+    <p:sldId id="270" r:id="rId4"/>
+    <p:sldId id="271" r:id="rId5"/>
+    <p:sldId id="263" r:id="rId6"/>
+    <p:sldId id="266" r:id="rId7"/>
+    <p:sldId id="265" r:id="rId8"/>
+    <p:sldId id="267" r:id="rId9"/>
   </p:sldIdLst>
   <p:sldSz cx="13004800" cy="9753600"/>
   <p:notesSz cx="6858000" cy="9144000"/>
@@ -535,14 +539,719 @@
           <a:bodyPr/>
           <a:lstStyle/>
           <a:p>
-            <a:endParaRPr lang="de-DE" dirty="0"/>
+            <a:r>
+              <a:rPr lang="de-DE" sz="2400" dirty="0" smtClean="0"/>
+              <a:t>Portfolio-Name</a:t>
+            </a:r>
+          </a:p>
+          <a:p>
+            <a:r>
+              <a:rPr lang="de-DE" sz="2400" dirty="0" smtClean="0">
+                <a:solidFill>
+                  <a:schemeClr val="bg2"/>
+                </a:solidFill>
+              </a:rPr>
+              <a:t>Projekt-Tafel</a:t>
+            </a:r>
+          </a:p>
+          <a:p>
+            <a:r>
+              <a:rPr lang="de-DE" sz="2400" dirty="0" smtClean="0">
+                <a:solidFill>
+                  <a:schemeClr val="bg2"/>
+                </a:solidFill>
+              </a:rPr>
+              <a:t>Projekt-Tafel(Milestones R)</a:t>
+            </a:r>
+          </a:p>
+          <a:p>
+            <a:pPr marL="0" marR="0" indent="0" algn="l" defTabSz="457200" rtl="0" eaLnBrk="1" fontAlgn="base" latinLnBrk="0" hangingPunct="0">
+              <a:lnSpc>
+                <a:spcPts val="3500"/>
+              </a:lnSpc>
+              <a:spcBef>
+                <a:spcPct val="0"/>
+              </a:spcBef>
+              <a:spcAft>
+                <a:spcPct val="0"/>
+              </a:spcAft>
+              <a:buClrTx/>
+              <a:buSzTx/>
+              <a:buFontTx/>
+              <a:buNone/>
+              <a:tabLst/>
+              <a:defRPr/>
+            </a:pPr>
+            <a:r>
+              <a:rPr lang="de-DE" sz="2400" dirty="0" smtClean="0">
+                <a:solidFill>
+                  <a:schemeClr val="bg2"/>
+                </a:solidFill>
+              </a:rPr>
+              <a:t>Projekt-Tafel(Milestones GR)</a:t>
+            </a:r>
+          </a:p>
+          <a:p>
+            <a:endParaRPr lang="de-DE" sz="2400" dirty="0" smtClean="0"/>
+          </a:p>
+          <a:p>
+            <a:r>
+              <a:rPr lang="de-DE" sz="2400" kern="1200" dirty="0" smtClean="0">
+                <a:solidFill>
+                  <a:srgbClr val="572E2D"/>
+                </a:solidFill>
+                <a:latin typeface="Noteworthy Bold" charset="0"/>
+                <a:ea typeface="Noteworthy Bold" charset="0"/>
+                <a:cs typeface="Noteworthy Bold" charset="0"/>
+                <a:sym typeface="Noteworthy Bold" charset="0"/>
+              </a:rPr>
+              <a:t>Ergebnis</a:t>
+            </a:r>
+          </a:p>
+          <a:p>
+            <a:r>
+              <a:rPr lang="de-DE" sz="2400" dirty="0" smtClean="0">
+                <a:solidFill>
+                  <a:schemeClr val="bg2"/>
+                </a:solidFill>
+                <a:sym typeface="Noteworthy Bold" charset="0"/>
+              </a:rPr>
+              <a:t>Ergebnis Verbesserungspotential</a:t>
+            </a:r>
+          </a:p>
+          <a:p>
+            <a:r>
+              <a:rPr kumimoji="0" lang="de-DE" sz="2400" b="0" i="0" u="none" strike="noStrike" cap="none" normalizeH="0" baseline="0" dirty="0" smtClean="0">
+                <a:ln>
+                  <a:noFill/>
+                </a:ln>
+                <a:solidFill>
+                  <a:schemeClr val="bg2"/>
+                </a:solidFill>
+                <a:effectLst/>
+                <a:latin typeface="Gill Sans Light" charset="0"/>
+                <a:ea typeface="Gill Sans Light" charset="0"/>
+                <a:cs typeface="Gill Sans Light" charset="0"/>
+                <a:sym typeface="Gill Sans Light" charset="0"/>
+              </a:rPr>
+              <a:t>Strategie/Risiko/Marge</a:t>
+            </a:r>
+          </a:p>
+          <a:p>
+            <a:endParaRPr kumimoji="0" lang="de-DE" sz="2400" b="0" i="0" u="none" strike="noStrike" cap="none" normalizeH="0" baseline="0" dirty="0" smtClean="0">
+              <a:ln>
+                <a:noFill/>
+              </a:ln>
+              <a:solidFill>
+                <a:schemeClr val="bg2"/>
+              </a:solidFill>
+              <a:effectLst/>
+              <a:latin typeface="Gill Sans Light" charset="0"/>
+              <a:ea typeface="Gill Sans Light" charset="0"/>
+              <a:cs typeface="Gill Sans Light" charset="0"/>
+              <a:sym typeface="Gill Sans Light" charset="0"/>
+            </a:endParaRPr>
+          </a:p>
+          <a:p>
+            <a:r>
+              <a:rPr lang="de-DE" sz="2400" kern="1200" dirty="0" smtClean="0">
+                <a:solidFill>
+                  <a:srgbClr val="572E2D"/>
+                </a:solidFill>
+                <a:latin typeface="Noteworthy Bold" charset="0"/>
+                <a:ea typeface="Noteworthy Bold" charset="0"/>
+                <a:cs typeface="Noteworthy Bold" charset="0"/>
+                <a:sym typeface="Noteworthy Bold" charset="0"/>
+              </a:rPr>
+              <a:t>Übersicht Auslastung</a:t>
+            </a:r>
+          </a:p>
+          <a:p>
+            <a:r>
+              <a:rPr lang="de-DE" sz="2400" kern="1200" dirty="0" smtClean="0">
+                <a:solidFill>
+                  <a:srgbClr val="572E2D"/>
+                </a:solidFill>
+                <a:latin typeface="Noteworthy Bold" charset="0"/>
+                <a:ea typeface="Noteworthy Bold" charset="0"/>
+                <a:cs typeface="Noteworthy Bold" charset="0"/>
+                <a:sym typeface="Noteworthy Bold" charset="0"/>
+              </a:rPr>
+              <a:t>Details Unterauslastung</a:t>
+            </a:r>
+          </a:p>
+          <a:p>
+            <a:r>
+              <a:rPr lang="de-DE" sz="2400" kern="1200" dirty="0" smtClean="0">
+                <a:solidFill>
+                  <a:srgbClr val="572E2D"/>
+                </a:solidFill>
+                <a:latin typeface="Noteworthy Bold" charset="0"/>
+                <a:ea typeface="Noteworthy Bold" charset="0"/>
+                <a:cs typeface="Noteworthy Bold" charset="0"/>
+                <a:sym typeface="Noteworthy Bold" charset="0"/>
+              </a:rPr>
+              <a:t>Details Überauslastung</a:t>
+            </a:r>
+            <a:endParaRPr kumimoji="0" lang="de-DE" sz="2400" b="0" i="0" u="none" strike="noStrike" cap="none" normalizeH="0" baseline="0" dirty="0" smtClean="0">
+              <a:ln>
+                <a:noFill/>
+              </a:ln>
+              <a:solidFill>
+                <a:schemeClr val="bg2"/>
+              </a:solidFill>
+              <a:effectLst/>
+              <a:latin typeface="Gill Sans Light" charset="0"/>
+              <a:ea typeface="Gill Sans Light" charset="0"/>
+              <a:cs typeface="Gill Sans Light" charset="0"/>
+              <a:sym typeface="Gill Sans Light" charset="0"/>
+            </a:endParaRPr>
+          </a:p>
+          <a:p>
+            <a:endParaRPr kumimoji="0" lang="de-DE" sz="2400" b="0" i="0" u="none" strike="noStrike" cap="none" normalizeH="0" baseline="0" dirty="0" smtClean="0">
+              <a:ln>
+                <a:noFill/>
+              </a:ln>
+              <a:solidFill>
+                <a:schemeClr val="bg2"/>
+              </a:solidFill>
+              <a:effectLst/>
+              <a:latin typeface="Gill Sans Light" charset="0"/>
+              <a:ea typeface="Gill Sans Light" charset="0"/>
+              <a:cs typeface="Gill Sans Light" charset="0"/>
+              <a:sym typeface="Gill Sans Light" charset="0"/>
+            </a:endParaRPr>
+          </a:p>
+          <a:p>
+            <a:r>
+              <a:rPr lang="de-DE" sz="2400" kern="1200" dirty="0" smtClean="0">
+                <a:solidFill>
+                  <a:srgbClr val="572E2D"/>
+                </a:solidFill>
+                <a:latin typeface="Noteworthy Bold" charset="0"/>
+                <a:ea typeface="Noteworthy Bold" charset="0"/>
+                <a:cs typeface="Noteworthy Bold" charset="0"/>
+                <a:sym typeface="Noteworthy Bold" charset="0"/>
+              </a:rPr>
+              <a:t>Bisherige Zielerreichung</a:t>
+            </a:r>
+          </a:p>
+          <a:p>
+            <a:r>
+              <a:rPr lang="de-DE" sz="2400" kern="1200" dirty="0" smtClean="0">
+                <a:solidFill>
+                  <a:srgbClr val="572E2D"/>
+                </a:solidFill>
+                <a:latin typeface="Noteworthy Bold" charset="0"/>
+                <a:ea typeface="Noteworthy Bold" charset="0"/>
+                <a:cs typeface="Noteworthy Bold" charset="0"/>
+                <a:sym typeface="Noteworthy Bold" charset="0"/>
+              </a:rPr>
+              <a:t>Prognose Zielerreichung</a:t>
+            </a:r>
+            <a:endParaRPr kumimoji="0" lang="de-DE" sz="2400" b="0" i="0" u="none" strike="noStrike" cap="none" normalizeH="0" baseline="0" dirty="0" smtClean="0">
+              <a:ln>
+                <a:noFill/>
+              </a:ln>
+              <a:solidFill>
+                <a:schemeClr val="bg2"/>
+              </a:solidFill>
+              <a:effectLst/>
+              <a:latin typeface="Gill Sans Light" charset="0"/>
+              <a:ea typeface="Gill Sans Light" charset="0"/>
+              <a:cs typeface="Gill Sans Light" charset="0"/>
+              <a:sym typeface="Gill Sans Light" charset="0"/>
+            </a:endParaRPr>
+          </a:p>
+          <a:p>
+            <a:endParaRPr kumimoji="0" lang="de-DE" sz="2400" b="0" i="0" u="none" strike="noStrike" cap="none" normalizeH="0" baseline="0" dirty="0" smtClean="0">
+              <a:ln>
+                <a:noFill/>
+              </a:ln>
+              <a:solidFill>
+                <a:schemeClr val="bg2"/>
+              </a:solidFill>
+              <a:effectLst/>
+              <a:latin typeface="Gill Sans Light" charset="0"/>
+              <a:ea typeface="Gill Sans Light" charset="0"/>
+              <a:cs typeface="Gill Sans Light" charset="0"/>
+              <a:sym typeface="Gill Sans Light" charset="0"/>
+            </a:endParaRPr>
+          </a:p>
+          <a:p>
+            <a:r>
+              <a:rPr kumimoji="0" lang="de-DE" sz="2400" b="0" i="0" u="none" strike="noStrike" cap="none" normalizeH="0" baseline="0" dirty="0" smtClean="0">
+                <a:ln>
+                  <a:noFill/>
+                </a:ln>
+                <a:solidFill>
+                  <a:schemeClr val="bg2"/>
+                </a:solidFill>
+                <a:effectLst/>
+                <a:latin typeface="Gill Sans Light" charset="0"/>
+                <a:ea typeface="Gill Sans Light" charset="0"/>
+                <a:cs typeface="Gill Sans Light" charset="0"/>
+                <a:sym typeface="Gill Sans Light" charset="0"/>
+              </a:rPr>
+              <a:t>Fortschritt Personalkosten </a:t>
+            </a:r>
+          </a:p>
+          <a:p>
+            <a:pPr marL="0" marR="0" indent="0" algn="l" defTabSz="457200" rtl="0" eaLnBrk="1" fontAlgn="base" latinLnBrk="0" hangingPunct="0">
+              <a:lnSpc>
+                <a:spcPts val="3500"/>
+              </a:lnSpc>
+              <a:spcBef>
+                <a:spcPct val="0"/>
+              </a:spcBef>
+              <a:spcAft>
+                <a:spcPct val="0"/>
+              </a:spcAft>
+              <a:buClrTx/>
+              <a:buSzTx/>
+              <a:buFontTx/>
+              <a:buNone/>
+              <a:tabLst/>
+              <a:defRPr/>
+            </a:pPr>
+            <a:r>
+              <a:rPr kumimoji="0" lang="de-DE" sz="2400" b="0" i="0" u="none" strike="noStrike" cap="none" normalizeH="0" baseline="0" dirty="0" smtClean="0">
+                <a:ln>
+                  <a:noFill/>
+                </a:ln>
+                <a:solidFill>
+                  <a:schemeClr val="bg2"/>
+                </a:solidFill>
+                <a:effectLst/>
+                <a:latin typeface="Gill Sans Light" charset="0"/>
+                <a:ea typeface="Gill Sans Light" charset="0"/>
+                <a:cs typeface="Gill Sans Light" charset="0"/>
+                <a:sym typeface="Gill Sans Light" charset="0"/>
+              </a:rPr>
+              <a:t>Fortschritt Sonstige Kosten</a:t>
+            </a:r>
+          </a:p>
+          <a:p>
+            <a:pPr marL="0" marR="0" indent="0" algn="l" defTabSz="457200" rtl="0" eaLnBrk="1" fontAlgn="base" latinLnBrk="0" hangingPunct="0">
+              <a:lnSpc>
+                <a:spcPts val="3500"/>
+              </a:lnSpc>
+              <a:spcBef>
+                <a:spcPct val="0"/>
+              </a:spcBef>
+              <a:spcAft>
+                <a:spcPct val="0"/>
+              </a:spcAft>
+              <a:buClrTx/>
+              <a:buSzTx/>
+              <a:buFontTx/>
+              <a:buNone/>
+              <a:tabLst/>
+              <a:defRPr/>
+            </a:pPr>
+            <a:r>
+              <a:rPr kumimoji="0" lang="de-DE" sz="2400" b="0" i="0" u="none" strike="noStrike" cap="none" normalizeH="0" baseline="0" dirty="0" smtClean="0">
+                <a:ln>
+                  <a:noFill/>
+                </a:ln>
+                <a:solidFill>
+                  <a:schemeClr val="bg2"/>
+                </a:solidFill>
+                <a:effectLst/>
+                <a:latin typeface="Gill Sans Light" charset="0"/>
+                <a:ea typeface="Gill Sans Light" charset="0"/>
+                <a:cs typeface="Gill Sans Light" charset="0"/>
+                <a:sym typeface="Gill Sans Light" charset="0"/>
+              </a:rPr>
+              <a:t>Fortschritt Gesamtkosten</a:t>
+            </a:r>
+          </a:p>
+          <a:p>
+            <a:pPr marL="0" marR="0" indent="0" algn="l" defTabSz="457200" rtl="0" eaLnBrk="1" fontAlgn="base" latinLnBrk="0" hangingPunct="0">
+              <a:lnSpc>
+                <a:spcPts val="3500"/>
+              </a:lnSpc>
+              <a:spcBef>
+                <a:spcPct val="0"/>
+              </a:spcBef>
+              <a:spcAft>
+                <a:spcPct val="0"/>
+              </a:spcAft>
+              <a:buClrTx/>
+              <a:buSzTx/>
+              <a:buFontTx/>
+              <a:buNone/>
+              <a:tabLst/>
+              <a:defRPr/>
+            </a:pPr>
+            <a:r>
+              <a:rPr kumimoji="0" lang="de-DE" sz="2400" b="0" i="0" u="none" strike="noStrike" cap="none" normalizeH="0" baseline="0" dirty="0" smtClean="0">
+                <a:ln>
+                  <a:noFill/>
+                </a:ln>
+                <a:solidFill>
+                  <a:schemeClr val="bg2"/>
+                </a:solidFill>
+                <a:effectLst/>
+                <a:latin typeface="Gill Sans Light" charset="0"/>
+                <a:ea typeface="Gill Sans Light" charset="0"/>
+                <a:cs typeface="Gill Sans Light" charset="0"/>
+                <a:sym typeface="Gill Sans Light" charset="0"/>
+              </a:rPr>
+              <a:t>Fortschritt Rolle(…)</a:t>
+            </a:r>
+          </a:p>
+          <a:p>
+            <a:pPr marL="0" marR="0" indent="0" algn="l" defTabSz="457200" rtl="0" eaLnBrk="1" fontAlgn="base" latinLnBrk="0" hangingPunct="0">
+              <a:lnSpc>
+                <a:spcPts val="3500"/>
+              </a:lnSpc>
+              <a:spcBef>
+                <a:spcPct val="0"/>
+              </a:spcBef>
+              <a:spcAft>
+                <a:spcPct val="0"/>
+              </a:spcAft>
+              <a:buClrTx/>
+              <a:buSzTx/>
+              <a:buFontTx/>
+              <a:buNone/>
+              <a:tabLst/>
+              <a:defRPr/>
+            </a:pPr>
+            <a:r>
+              <a:rPr kumimoji="0" lang="de-DE" sz="2400" b="0" i="0" u="none" strike="noStrike" cap="none" normalizeH="0" baseline="0" dirty="0" smtClean="0">
+                <a:ln>
+                  <a:noFill/>
+                </a:ln>
+                <a:solidFill>
+                  <a:schemeClr val="bg2"/>
+                </a:solidFill>
+                <a:effectLst/>
+                <a:latin typeface="Gill Sans Light" charset="0"/>
+                <a:ea typeface="Gill Sans Light" charset="0"/>
+                <a:cs typeface="Gill Sans Light" charset="0"/>
+                <a:sym typeface="Gill Sans Light" charset="0"/>
+              </a:rPr>
+              <a:t>Fortschritt Kostenart(…) </a:t>
+            </a:r>
+          </a:p>
+          <a:p>
+            <a:endParaRPr lang="de-DE" sz="2400" kern="1200" dirty="0" smtClean="0">
+              <a:solidFill>
+                <a:srgbClr val="572E2D"/>
+              </a:solidFill>
+              <a:latin typeface="Noteworthy Bold" charset="0"/>
+              <a:ea typeface="Noteworthy Bold" charset="0"/>
+              <a:cs typeface="Noteworthy Bold" charset="0"/>
+              <a:sym typeface="Noteworthy Bold" charset="0"/>
+            </a:endParaRPr>
+          </a:p>
+          <a:p>
+            <a:r>
+              <a:rPr lang="de-DE" sz="2400" kern="1200" dirty="0" smtClean="0">
+                <a:solidFill>
+                  <a:srgbClr val="572E2D"/>
+                </a:solidFill>
+                <a:latin typeface="Noteworthy Bold" charset="0"/>
+                <a:ea typeface="Noteworthy Bold" charset="0"/>
+                <a:cs typeface="Noteworthy Bold" charset="0"/>
+                <a:sym typeface="Noteworthy Bold" charset="0"/>
+              </a:rPr>
+              <a:t>Stand:</a:t>
+            </a:r>
+          </a:p>
+          <a:p>
+            <a:r>
+              <a:rPr lang="de-DE" sz="2400" dirty="0" smtClean="0">
+                <a:solidFill>
+                  <a:schemeClr val="bg2"/>
+                </a:solidFill>
+              </a:rPr>
+              <a:t>Zeitraum</a:t>
+            </a:r>
+            <a:r>
+              <a:rPr lang="de-DE" sz="2400" kern="1200" dirty="0" smtClean="0">
+                <a:solidFill>
+                  <a:srgbClr val="572E2D"/>
+                </a:solidFill>
+                <a:latin typeface="Noteworthy Bold" charset="0"/>
+                <a:ea typeface="Noteworthy Bold" charset="0"/>
+                <a:cs typeface="Noteworthy Bold" charset="0"/>
+                <a:sym typeface="Noteworthy Bold" charset="0"/>
+              </a:rPr>
+              <a:t>:</a:t>
+            </a:r>
+          </a:p>
+          <a:p>
+            <a:pPr marL="0" marR="0" indent="0" algn="l" defTabSz="457200" rtl="0" eaLnBrk="1" fontAlgn="base" latinLnBrk="0" hangingPunct="0">
+              <a:lnSpc>
+                <a:spcPts val="3500"/>
+              </a:lnSpc>
+              <a:spcBef>
+                <a:spcPct val="0"/>
+              </a:spcBef>
+              <a:spcAft>
+                <a:spcPct val="0"/>
+              </a:spcAft>
+              <a:buClrTx/>
+              <a:buSzTx/>
+              <a:buFontTx/>
+              <a:buNone/>
+              <a:tabLst/>
+              <a:defRPr/>
+            </a:pPr>
+            <a:r>
+              <a:rPr lang="de-DE" sz="2400" dirty="0" smtClean="0">
+                <a:solidFill>
+                  <a:schemeClr val="bg2"/>
+                </a:solidFill>
+                <a:sym typeface="Noteworthy Bold" charset="0"/>
+              </a:rPr>
+              <a:t>Phase (…)</a:t>
+            </a:r>
+          </a:p>
+          <a:p>
+            <a:pPr marL="0" marR="0" indent="0" algn="l" defTabSz="457200" rtl="0" eaLnBrk="1" fontAlgn="base" latinLnBrk="0" hangingPunct="0">
+              <a:lnSpc>
+                <a:spcPts val="3500"/>
+              </a:lnSpc>
+              <a:spcBef>
+                <a:spcPct val="0"/>
+              </a:spcBef>
+              <a:spcAft>
+                <a:spcPct val="0"/>
+              </a:spcAft>
+              <a:buClrTx/>
+              <a:buSzTx/>
+              <a:buFontTx/>
+              <a:buNone/>
+              <a:tabLst/>
+              <a:defRPr/>
+            </a:pPr>
+            <a:r>
+              <a:rPr lang="de-DE" sz="2400" dirty="0" smtClean="0">
+                <a:solidFill>
+                  <a:schemeClr val="bg2"/>
+                </a:solidFill>
+                <a:sym typeface="Noteworthy Bold" charset="0"/>
+              </a:rPr>
+              <a:t>Rolle (…)</a:t>
+            </a:r>
+          </a:p>
+          <a:p>
+            <a:pPr marL="0" marR="0" indent="0" algn="l" defTabSz="457200" rtl="0" eaLnBrk="1" fontAlgn="base" latinLnBrk="0" hangingPunct="0">
+              <a:lnSpc>
+                <a:spcPts val="3500"/>
+              </a:lnSpc>
+              <a:spcBef>
+                <a:spcPct val="0"/>
+              </a:spcBef>
+              <a:spcAft>
+                <a:spcPct val="0"/>
+              </a:spcAft>
+              <a:buClrTx/>
+              <a:buSzTx/>
+              <a:buFontTx/>
+              <a:buNone/>
+              <a:tabLst/>
+              <a:defRPr/>
+            </a:pPr>
+            <a:r>
+              <a:rPr lang="de-DE" sz="2400" dirty="0" smtClean="0">
+                <a:solidFill>
+                  <a:schemeClr val="bg2"/>
+                </a:solidFill>
+                <a:sym typeface="Noteworthy Bold" charset="0"/>
+              </a:rPr>
+              <a:t>Kostenart (…)</a:t>
+            </a:r>
+          </a:p>
+          <a:p>
+            <a:pPr marL="0" marR="0" indent="0" algn="l" defTabSz="457200" rtl="0" eaLnBrk="1" fontAlgn="base" latinLnBrk="0" hangingPunct="0">
+              <a:lnSpc>
+                <a:spcPts val="3500"/>
+              </a:lnSpc>
+              <a:spcBef>
+                <a:spcPct val="0"/>
+              </a:spcBef>
+              <a:spcAft>
+                <a:spcPct val="0"/>
+              </a:spcAft>
+              <a:buClrTx/>
+              <a:buSzTx/>
+              <a:buFontTx/>
+              <a:buNone/>
+              <a:tabLst/>
+              <a:defRPr/>
+            </a:pPr>
+            <a:endParaRPr lang="de-DE" sz="2400" dirty="0" smtClean="0">
+              <a:solidFill>
+                <a:schemeClr val="bg2"/>
+              </a:solidFill>
+            </a:endParaRPr>
+          </a:p>
+          <a:p>
+            <a:pPr marL="0" marR="0" indent="0" algn="l" defTabSz="457200" rtl="0" eaLnBrk="1" fontAlgn="base" latinLnBrk="0" hangingPunct="0">
+              <a:lnSpc>
+                <a:spcPts val="3500"/>
+              </a:lnSpc>
+              <a:spcBef>
+                <a:spcPct val="0"/>
+              </a:spcBef>
+              <a:spcAft>
+                <a:spcPct val="0"/>
+              </a:spcAft>
+              <a:buClrTx/>
+              <a:buSzTx/>
+              <a:buFontTx/>
+              <a:buNone/>
+              <a:tabLst/>
+              <a:defRPr/>
+            </a:pPr>
+            <a:endParaRPr lang="de-DE" sz="2400" dirty="0" smtClean="0">
+              <a:solidFill>
+                <a:schemeClr val="bg2"/>
+              </a:solidFill>
+            </a:endParaRPr>
+          </a:p>
+          <a:p>
+            <a:pPr marL="0" marR="0" indent="0" algn="l" defTabSz="457200" rtl="0" eaLnBrk="1" fontAlgn="base" latinLnBrk="0" hangingPunct="0">
+              <a:lnSpc>
+                <a:spcPts val="3500"/>
+              </a:lnSpc>
+              <a:spcBef>
+                <a:spcPct val="0"/>
+              </a:spcBef>
+              <a:spcAft>
+                <a:spcPct val="0"/>
+              </a:spcAft>
+              <a:buClrTx/>
+              <a:buSzTx/>
+              <a:buFontTx/>
+              <a:buNone/>
+              <a:tabLst/>
+              <a:defRPr/>
+            </a:pPr>
+            <a:endParaRPr lang="de-DE" sz="2400" dirty="0" smtClean="0">
+              <a:solidFill>
+                <a:schemeClr val="bg2"/>
+              </a:solidFill>
+            </a:endParaRPr>
+          </a:p>
+          <a:p>
+            <a:pPr marL="0" marR="0" indent="0" algn="l" defTabSz="457200" rtl="0" eaLnBrk="1" fontAlgn="base" latinLnBrk="0" hangingPunct="0">
+              <a:lnSpc>
+                <a:spcPts val="3500"/>
+              </a:lnSpc>
+              <a:spcBef>
+                <a:spcPct val="0"/>
+              </a:spcBef>
+              <a:spcAft>
+                <a:spcPct val="0"/>
+              </a:spcAft>
+              <a:buClrTx/>
+              <a:buSzTx/>
+              <a:buFontTx/>
+              <a:buNone/>
+              <a:tabLst/>
+              <a:defRPr/>
+            </a:pPr>
+            <a:endParaRPr lang="de-DE" sz="2400" dirty="0" smtClean="0">
+              <a:solidFill>
+                <a:schemeClr val="bg2"/>
+              </a:solidFill>
+            </a:endParaRPr>
+          </a:p>
+          <a:p>
+            <a:pPr marL="0" marR="0" indent="0" algn="l" defTabSz="457200" rtl="0" eaLnBrk="1" fontAlgn="base" latinLnBrk="0" hangingPunct="0">
+              <a:lnSpc>
+                <a:spcPts val="3500"/>
+              </a:lnSpc>
+              <a:spcBef>
+                <a:spcPct val="0"/>
+              </a:spcBef>
+              <a:spcAft>
+                <a:spcPct val="0"/>
+              </a:spcAft>
+              <a:buClrTx/>
+              <a:buSzTx/>
+              <a:buFontTx/>
+              <a:buNone/>
+              <a:tabLst/>
+              <a:defRPr/>
+            </a:pPr>
+            <a:endParaRPr lang="de-DE" sz="2400" dirty="0" smtClean="0">
+              <a:solidFill>
+                <a:schemeClr val="bg2"/>
+              </a:solidFill>
+            </a:endParaRPr>
+          </a:p>
+          <a:p>
+            <a:pPr marL="0" marR="0" indent="0" algn="l" defTabSz="457200" rtl="0" eaLnBrk="1" fontAlgn="base" latinLnBrk="0" hangingPunct="0">
+              <a:lnSpc>
+                <a:spcPts val="3500"/>
+              </a:lnSpc>
+              <a:spcBef>
+                <a:spcPct val="0"/>
+              </a:spcBef>
+              <a:spcAft>
+                <a:spcPct val="0"/>
+              </a:spcAft>
+              <a:buClrTx/>
+              <a:buSzTx/>
+              <a:buFontTx/>
+              <a:buNone/>
+              <a:tabLst/>
+              <a:defRPr/>
+            </a:pPr>
+            <a:endParaRPr lang="de-DE" sz="2400" dirty="0" smtClean="0">
+              <a:solidFill>
+                <a:schemeClr val="bg2"/>
+              </a:solidFill>
+            </a:endParaRPr>
+          </a:p>
+          <a:p>
+            <a:pPr marL="0" marR="0" indent="0" algn="l" defTabSz="457200" rtl="0" eaLnBrk="1" fontAlgn="base" latinLnBrk="0" hangingPunct="0">
+              <a:lnSpc>
+                <a:spcPts val="3500"/>
+              </a:lnSpc>
+              <a:spcBef>
+                <a:spcPct val="0"/>
+              </a:spcBef>
+              <a:spcAft>
+                <a:spcPct val="0"/>
+              </a:spcAft>
+              <a:buClrTx/>
+              <a:buSzTx/>
+              <a:buFontTx/>
+              <a:buNone/>
+              <a:tabLst/>
+              <a:defRPr/>
+            </a:pPr>
+            <a:endParaRPr lang="de-DE" sz="2400" dirty="0" smtClean="0">
+              <a:solidFill>
+                <a:schemeClr val="bg2"/>
+              </a:solidFill>
+            </a:endParaRPr>
+          </a:p>
+          <a:p>
+            <a:endParaRPr lang="de-DE" sz="2400" kern="1200" dirty="0" smtClean="0">
+              <a:solidFill>
+                <a:srgbClr val="572E2D"/>
+              </a:solidFill>
+              <a:latin typeface="Noteworthy Bold" charset="0"/>
+              <a:ea typeface="Noteworthy Bold" charset="0"/>
+              <a:cs typeface="Noteworthy Bold" charset="0"/>
+              <a:sym typeface="Noteworthy Bold" charset="0"/>
+            </a:endParaRPr>
           </a:p>
         </p:txBody>
       </p:sp>
     </p:spTree>
     <p:extLst>
       <p:ext uri="{BB962C8B-B14F-4D97-AF65-F5344CB8AC3E}">
-        <p14:creationId xmlns:p14="http://schemas.microsoft.com/office/powerpoint/2010/main" val="2371290614"/>
+        <p14:creationId xmlns:p14="http://schemas.microsoft.com/office/powerpoint/2010/main" val="1822032258"/>
       </p:ext>
     </p:extLst>
   </p:cSld>
@@ -695,84 +1404,6 @@
             </a:r>
           </a:p>
           <a:p>
-            <a:pPr marL="0" marR="0" indent="0" algn="l" defTabSz="457200" rtl="0" eaLnBrk="1" fontAlgn="base" latinLnBrk="0" hangingPunct="0">
-              <a:lnSpc>
-                <a:spcPts val="3500"/>
-              </a:lnSpc>
-              <a:spcBef>
-                <a:spcPct val="0"/>
-              </a:spcBef>
-              <a:spcAft>
-                <a:spcPct val="0"/>
-              </a:spcAft>
-              <a:buClrTx/>
-              <a:buSzTx/>
-              <a:buFontTx/>
-              <a:buNone/>
-              <a:tabLst/>
-              <a:defRPr/>
-            </a:pPr>
-            <a:r>
-              <a:rPr kumimoji="0" lang="de-DE" sz="2400" b="0" i="0" u="none" strike="noStrike" cap="none" normalizeH="0" baseline="0" dirty="0" smtClean="0">
-                <a:ln>
-                  <a:noFill/>
-                </a:ln>
-                <a:solidFill>
-                  <a:schemeClr val="bg2"/>
-                </a:solidFill>
-                <a:effectLst/>
-                <a:latin typeface="Gill Sans Light" charset="0"/>
-                <a:ea typeface="Gill Sans Light" charset="0"/>
-                <a:cs typeface="Gill Sans Light" charset="0"/>
-                <a:sym typeface="Gill Sans Light" charset="0"/>
-              </a:rPr>
-              <a:t>Strategie/Risiko/Volumen</a:t>
-            </a:r>
-          </a:p>
-          <a:p>
-            <a:pPr marL="0" marR="0" indent="0" algn="l" defTabSz="457200" rtl="0" eaLnBrk="1" fontAlgn="base" latinLnBrk="0" hangingPunct="0">
-              <a:lnSpc>
-                <a:spcPts val="3500"/>
-              </a:lnSpc>
-              <a:spcBef>
-                <a:spcPct val="0"/>
-              </a:spcBef>
-              <a:spcAft>
-                <a:spcPct val="0"/>
-              </a:spcAft>
-              <a:buClrTx/>
-              <a:buSzTx/>
-              <a:buFontTx/>
-              <a:buNone/>
-              <a:tabLst/>
-              <a:defRPr/>
-            </a:pPr>
-            <a:r>
-              <a:rPr lang="de-DE" sz="2400" dirty="0" smtClean="0">
-                <a:solidFill>
-                  <a:schemeClr val="bg2"/>
-                </a:solidFill>
-              </a:rPr>
-              <a:t>Zeit</a:t>
-            </a:r>
-            <a:r>
-              <a:rPr kumimoji="0" lang="de-DE" sz="2400" b="0" i="0" u="none" strike="noStrike" cap="none" normalizeH="0" baseline="0" dirty="0" smtClean="0">
-                <a:ln>
-                  <a:noFill/>
-                </a:ln>
-                <a:solidFill>
-                  <a:schemeClr val="bg2"/>
-                </a:solidFill>
-                <a:effectLst/>
-                <a:latin typeface="Gill Sans Light" charset="0"/>
-                <a:ea typeface="Gill Sans Light" charset="0"/>
-                <a:cs typeface="Gill Sans Light" charset="0"/>
-                <a:sym typeface="Gill Sans Light" charset="0"/>
-              </a:rPr>
-              <a:t>/Risiko/Volumen</a:t>
-            </a:r>
-          </a:p>
-          <a:p>
             <a:endParaRPr kumimoji="0" lang="de-DE" sz="2400" b="0" i="0" u="none" strike="noStrike" cap="none" normalizeH="0" baseline="0" dirty="0" smtClean="0">
               <a:ln>
                 <a:noFill/>
@@ -788,6 +1419,46 @@
             </a:endParaRPr>
           </a:p>
           <a:p>
+            <a:r>
+              <a:rPr lang="de-DE" sz="2400" kern="1200" dirty="0" smtClean="0">
+                <a:solidFill>
+                  <a:srgbClr val="572E2D"/>
+                </a:solidFill>
+                <a:latin typeface="Noteworthy Bold" charset="0"/>
+                <a:ea typeface="Noteworthy Bold" charset="0"/>
+                <a:cs typeface="Noteworthy Bold" charset="0"/>
+                <a:sym typeface="Noteworthy Bold" charset="0"/>
+              </a:rPr>
+              <a:t>Übersicht Auslastung</a:t>
+            </a:r>
+          </a:p>
+          <a:p>
+            <a:r>
+              <a:rPr lang="de-DE" sz="2400" kern="1200" dirty="0" smtClean="0">
+                <a:solidFill>
+                  <a:srgbClr val="572E2D"/>
+                </a:solidFill>
+                <a:latin typeface="Noteworthy Bold" charset="0"/>
+                <a:ea typeface="Noteworthy Bold" charset="0"/>
+                <a:cs typeface="Noteworthy Bold" charset="0"/>
+                <a:sym typeface="Noteworthy Bold" charset="0"/>
+              </a:rPr>
+              <a:t>Details Unterauslastung</a:t>
+            </a:r>
+          </a:p>
+          <a:p>
+            <a:r>
+              <a:rPr lang="de-DE" sz="2400" kern="1200" dirty="0" smtClean="0">
+                <a:solidFill>
+                  <a:srgbClr val="572E2D"/>
+                </a:solidFill>
+                <a:latin typeface="Noteworthy Bold" charset="0"/>
+                <a:ea typeface="Noteworthy Bold" charset="0"/>
+                <a:cs typeface="Noteworthy Bold" charset="0"/>
+                <a:sym typeface="Noteworthy Bold" charset="0"/>
+              </a:rPr>
+              <a:t>Details Überauslastung</a:t>
+            </a:r>
             <a:endParaRPr kumimoji="0" lang="de-DE" sz="2400" b="0" i="0" u="none" strike="noStrike" cap="none" normalizeH="0" baseline="0" dirty="0" smtClean="0">
               <a:ln>
                 <a:noFill/>
@@ -803,46 +1474,6 @@
             </a:endParaRPr>
           </a:p>
           <a:p>
-            <a:r>
-              <a:rPr lang="de-DE" sz="2400" kern="1200" dirty="0" smtClean="0">
-                <a:solidFill>
-                  <a:srgbClr val="572E2D"/>
-                </a:solidFill>
-                <a:latin typeface="Noteworthy Bold" charset="0"/>
-                <a:ea typeface="Noteworthy Bold" charset="0"/>
-                <a:cs typeface="Noteworthy Bold" charset="0"/>
-                <a:sym typeface="Noteworthy Bold" charset="0"/>
-              </a:rPr>
-              <a:t>Übersicht Auslastung</a:t>
-            </a:r>
-          </a:p>
-          <a:p>
-            <a:r>
-              <a:rPr lang="de-DE" sz="2400" kern="1200" dirty="0" smtClean="0">
-                <a:solidFill>
-                  <a:srgbClr val="572E2D"/>
-                </a:solidFill>
-                <a:latin typeface="Noteworthy Bold" charset="0"/>
-                <a:ea typeface="Noteworthy Bold" charset="0"/>
-                <a:cs typeface="Noteworthy Bold" charset="0"/>
-                <a:sym typeface="Noteworthy Bold" charset="0"/>
-              </a:rPr>
-              <a:t>Details Unterauslastung</a:t>
-            </a:r>
-          </a:p>
-          <a:p>
-            <a:r>
-              <a:rPr lang="de-DE" sz="2400" kern="1200" dirty="0" smtClean="0">
-                <a:solidFill>
-                  <a:srgbClr val="572E2D"/>
-                </a:solidFill>
-                <a:latin typeface="Noteworthy Bold" charset="0"/>
-                <a:ea typeface="Noteworthy Bold" charset="0"/>
-                <a:cs typeface="Noteworthy Bold" charset="0"/>
-                <a:sym typeface="Noteworthy Bold" charset="0"/>
-              </a:rPr>
-              <a:t>Details Überauslastung</a:t>
-            </a:r>
             <a:endParaRPr kumimoji="0" lang="de-DE" sz="2400" b="0" i="0" u="none" strike="noStrike" cap="none" normalizeH="0" baseline="0" dirty="0" smtClean="0">
               <a:ln>
                 <a:noFill/>
@@ -858,6 +1489,32 @@
             </a:endParaRPr>
           </a:p>
           <a:p>
+            <a:r>
+              <a:rPr lang="de-DE" sz="2400" kern="1200" dirty="0" smtClean="0">
+                <a:solidFill>
+                  <a:srgbClr val="572E2D"/>
+                </a:solidFill>
+                <a:latin typeface="Noteworthy Bold" charset="0"/>
+                <a:ea typeface="Noteworthy Bold" charset="0"/>
+                <a:cs typeface="Noteworthy Bold" charset="0"/>
+                <a:sym typeface="Noteworthy Bold" charset="0"/>
+              </a:rPr>
+              <a:t>Bisherige Zielerreichung</a:t>
+            </a:r>
+          </a:p>
+          <a:p>
+            <a:r>
+              <a:rPr lang="de-DE" sz="2400" kern="1200" dirty="0" smtClean="0">
+                <a:solidFill>
+                  <a:srgbClr val="572E2D"/>
+                </a:solidFill>
+                <a:latin typeface="Noteworthy Bold" charset="0"/>
+                <a:ea typeface="Noteworthy Bold" charset="0"/>
+                <a:cs typeface="Noteworthy Bold" charset="0"/>
+                <a:sym typeface="Noteworthy Bold" charset="0"/>
+              </a:rPr>
+              <a:t>Prognose Zielerreichung</a:t>
+            </a:r>
             <a:endParaRPr kumimoji="0" lang="de-DE" sz="2400" b="0" i="0" u="none" strike="noStrike" cap="none" normalizeH="0" baseline="0" dirty="0" smtClean="0">
               <a:ln>
                 <a:noFill/>
@@ -873,32 +1530,6 @@
             </a:endParaRPr>
           </a:p>
           <a:p>
-            <a:r>
-              <a:rPr lang="de-DE" sz="2400" kern="1200" dirty="0" smtClean="0">
-                <a:solidFill>
-                  <a:srgbClr val="572E2D"/>
-                </a:solidFill>
-                <a:latin typeface="Noteworthy Bold" charset="0"/>
-                <a:ea typeface="Noteworthy Bold" charset="0"/>
-                <a:cs typeface="Noteworthy Bold" charset="0"/>
-                <a:sym typeface="Noteworthy Bold" charset="0"/>
-              </a:rPr>
-              <a:t>Bisherige Zielerreichung</a:t>
-            </a:r>
-          </a:p>
-          <a:p>
-            <a:r>
-              <a:rPr lang="de-DE" sz="2400" kern="1200" dirty="0" smtClean="0">
-                <a:solidFill>
-                  <a:srgbClr val="572E2D"/>
-                </a:solidFill>
-                <a:latin typeface="Noteworthy Bold" charset="0"/>
-                <a:ea typeface="Noteworthy Bold" charset="0"/>
-                <a:cs typeface="Noteworthy Bold" charset="0"/>
-                <a:sym typeface="Noteworthy Bold" charset="0"/>
-              </a:rPr>
-              <a:t>Prognose Zielerreichung</a:t>
-            </a:r>
             <a:endParaRPr kumimoji="0" lang="de-DE" sz="2400" b="0" i="0" u="none" strike="noStrike" cap="none" normalizeH="0" baseline="0" dirty="0" smtClean="0">
               <a:ln>
                 <a:noFill/>
@@ -914,21 +1545,6 @@
             </a:endParaRPr>
           </a:p>
           <a:p>
-            <a:endParaRPr kumimoji="0" lang="de-DE" sz="2400" b="0" i="0" u="none" strike="noStrike" cap="none" normalizeH="0" baseline="0" dirty="0" smtClean="0">
-              <a:ln>
-                <a:noFill/>
-              </a:ln>
-              <a:solidFill>
-                <a:schemeClr val="bg2"/>
-              </a:solidFill>
-              <a:effectLst/>
-              <a:latin typeface="Gill Sans Light" charset="0"/>
-              <a:ea typeface="Gill Sans Light" charset="0"/>
-              <a:cs typeface="Gill Sans Light" charset="0"/>
-              <a:sym typeface="Gill Sans Light" charset="0"/>
-            </a:endParaRPr>
-          </a:p>
-          <a:p>
             <a:r>
               <a:rPr kumimoji="0" lang="de-DE" sz="2400" b="0" i="0" u="none" strike="noStrike" cap="none" normalizeH="0" baseline="0" dirty="0" smtClean="0">
                 <a:ln>
@@ -1283,718 +1899,109 @@
               <a:tabLst/>
               <a:defRPr/>
             </a:pPr>
-            <a:r>
-              <a:rPr lang="de-DE" sz="2400" dirty="0" smtClean="0">
-                <a:solidFill>
-                  <a:schemeClr val="bg2"/>
-                </a:solidFill>
-              </a:rPr>
-              <a:t>Phasen: </a:t>
-            </a:r>
-          </a:p>
-          <a:p>
-            <a:r>
-              <a:rPr lang="de-DE" sz="2400" b="0" i="0" u="none" strike="noStrike" kern="1200" dirty="0" smtClean="0">
-                <a:solidFill>
-                  <a:srgbClr val="572E2D"/>
-                </a:solidFill>
-                <a:effectLst/>
-                <a:latin typeface="Noteworthy Bold" charset="0"/>
-                <a:ea typeface="Noteworthy Bold" charset="0"/>
-                <a:cs typeface="Noteworthy Bold" charset="0"/>
-                <a:sym typeface="Noteworthy Bold" charset="0"/>
-              </a:rPr>
-              <a:t>DTK</a:t>
-            </a:r>
-            <a:r>
-              <a:rPr lang="de-DE" dirty="0" smtClean="0"/>
-              <a:t> </a:t>
-            </a:r>
-          </a:p>
-          <a:p>
-            <a:r>
-              <a:rPr lang="de-DE" sz="2400" b="0" i="0" u="none" strike="noStrike" kern="1200" dirty="0" smtClean="0">
-                <a:solidFill>
-                  <a:srgbClr val="572E2D"/>
-                </a:solidFill>
-                <a:effectLst/>
-                <a:latin typeface="Noteworthy Bold" charset="0"/>
-                <a:ea typeface="Noteworthy Bold" charset="0"/>
-                <a:cs typeface="Noteworthy Bold" charset="0"/>
-                <a:sym typeface="Noteworthy Bold" charset="0"/>
-              </a:rPr>
-              <a:t>TK</a:t>
-            </a:r>
-            <a:r>
-              <a:rPr lang="de-DE" dirty="0" smtClean="0"/>
-              <a:t> </a:t>
-            </a:r>
-          </a:p>
-          <a:p>
-            <a:r>
-              <a:rPr lang="de-DE" sz="2400" b="0" i="0" u="none" strike="noStrike" kern="1200" dirty="0" smtClean="0">
-                <a:solidFill>
-                  <a:srgbClr val="572E2D"/>
-                </a:solidFill>
-                <a:effectLst/>
-                <a:latin typeface="Noteworthy Bold" charset="0"/>
-                <a:ea typeface="Noteworthy Bold" charset="0"/>
-                <a:cs typeface="Noteworthy Bold" charset="0"/>
-                <a:sym typeface="Noteworthy Bold" charset="0"/>
-              </a:rPr>
-              <a:t>SWZ</a:t>
-            </a:r>
-            <a:r>
-              <a:rPr lang="de-DE" dirty="0" smtClean="0"/>
-              <a:t> </a:t>
-            </a:r>
-          </a:p>
-          <a:p>
-            <a:r>
-              <a:rPr lang="de-DE" sz="2400" b="0" i="0" u="none" strike="noStrike" kern="1200" dirty="0" smtClean="0">
-                <a:solidFill>
-                  <a:srgbClr val="572E2D"/>
-                </a:solidFill>
-                <a:effectLst/>
-                <a:latin typeface="Noteworthy Bold" charset="0"/>
-                <a:ea typeface="Noteworthy Bold" charset="0"/>
-                <a:cs typeface="Noteworthy Bold" charset="0"/>
-                <a:sym typeface="Noteworthy Bold" charset="0"/>
-              </a:rPr>
-              <a:t>PPA</a:t>
-            </a:r>
-            <a:r>
-              <a:rPr lang="de-DE" dirty="0" smtClean="0"/>
-              <a:t> </a:t>
-            </a:r>
-          </a:p>
-          <a:p>
-            <a:r>
-              <a:rPr lang="de-DE" sz="2400" b="0" i="0" u="none" strike="noStrike" kern="1200" dirty="0" smtClean="0">
-                <a:solidFill>
-                  <a:srgbClr val="572E2D"/>
-                </a:solidFill>
-                <a:effectLst/>
-                <a:latin typeface="Noteworthy Bold" charset="0"/>
-                <a:ea typeface="Noteworthy Bold" charset="0"/>
-                <a:cs typeface="Noteworthy Bold" charset="0"/>
-                <a:sym typeface="Noteworthy Bold" charset="0"/>
-              </a:rPr>
-              <a:t>Simulation VBBG</a:t>
-            </a:r>
-            <a:r>
-              <a:rPr lang="de-DE" dirty="0" smtClean="0"/>
-              <a:t> </a:t>
-            </a:r>
-          </a:p>
-          <a:p>
-            <a:r>
-              <a:rPr lang="de-DE" sz="2400" b="0" i="0" u="none" strike="noStrike" kern="1200" dirty="0" smtClean="0">
-                <a:solidFill>
-                  <a:srgbClr val="572E2D"/>
-                </a:solidFill>
-                <a:effectLst/>
-                <a:latin typeface="Noteworthy Bold" charset="0"/>
-                <a:ea typeface="Noteworthy Bold" charset="0"/>
-                <a:cs typeface="Noteworthy Bold" charset="0"/>
-                <a:sym typeface="Noteworthy Bold" charset="0"/>
-              </a:rPr>
-              <a:t>VBBG</a:t>
-            </a:r>
-          </a:p>
-          <a:p>
-            <a:r>
-              <a:rPr lang="de-DE" sz="2400" b="0" i="0" u="none" strike="noStrike" kern="1200" dirty="0" smtClean="0">
-                <a:solidFill>
-                  <a:srgbClr val="572E2D"/>
-                </a:solidFill>
-                <a:effectLst/>
-                <a:latin typeface="Noteworthy Bold" charset="0"/>
-                <a:ea typeface="Noteworthy Bold" charset="0"/>
-                <a:cs typeface="Noteworthy Bold" charset="0"/>
-                <a:sym typeface="Noteworthy Bold" charset="0"/>
-              </a:rPr>
-              <a:t>BBG Karosseriebau FIZ</a:t>
-            </a:r>
-          </a:p>
-          <a:p>
-            <a:r>
-              <a:rPr lang="de-DE" sz="2400" b="0" i="0" u="none" strike="noStrike" kern="1200" dirty="0" smtClean="0">
-                <a:solidFill>
-                  <a:srgbClr val="572E2D"/>
-                </a:solidFill>
-                <a:effectLst/>
-                <a:latin typeface="Noteworthy Bold" charset="0"/>
-                <a:ea typeface="Noteworthy Bold" charset="0"/>
-                <a:cs typeface="Noteworthy Bold" charset="0"/>
-                <a:sym typeface="Noteworthy Bold" charset="0"/>
-              </a:rPr>
-              <a:t>BBG Montage FIZ</a:t>
-            </a:r>
-            <a:r>
-              <a:rPr lang="de-DE" dirty="0" smtClean="0"/>
-              <a:t> </a:t>
-            </a:r>
-          </a:p>
-          <a:p>
-            <a:r>
-              <a:rPr lang="de-DE" sz="2400" b="0" i="0" u="none" strike="noStrike" kern="1200" dirty="0" smtClean="0">
-                <a:solidFill>
-                  <a:srgbClr val="572E2D"/>
-                </a:solidFill>
-                <a:effectLst/>
-                <a:latin typeface="Noteworthy Bold" charset="0"/>
-                <a:ea typeface="Noteworthy Bold" charset="0"/>
-                <a:cs typeface="Noteworthy Bold" charset="0"/>
-                <a:sym typeface="Noteworthy Bold" charset="0"/>
-              </a:rPr>
-              <a:t>F2 </a:t>
-            </a:r>
-            <a:r>
-              <a:rPr lang="de-DE" sz="2400" b="0" i="0" u="none" strike="noStrike" kern="1200" dirty="0" err="1" smtClean="0">
-                <a:solidFill>
-                  <a:srgbClr val="572E2D"/>
-                </a:solidFill>
-                <a:effectLst/>
-                <a:latin typeface="Noteworthy Bold" charset="0"/>
-                <a:ea typeface="Noteworthy Bold" charset="0"/>
-                <a:cs typeface="Noteworthy Bold" charset="0"/>
-                <a:sym typeface="Noteworthy Bold" charset="0"/>
-              </a:rPr>
-              <a:t>Vorserie</a:t>
-            </a:r>
-            <a:r>
-              <a:rPr lang="de-DE" sz="2400" b="0" i="0" u="none" strike="noStrike" kern="1200" dirty="0" smtClean="0">
-                <a:solidFill>
-                  <a:srgbClr val="572E2D"/>
-                </a:solidFill>
-                <a:effectLst/>
-                <a:latin typeface="Noteworthy Bold" charset="0"/>
-                <a:ea typeface="Noteworthy Bold" charset="0"/>
-                <a:cs typeface="Noteworthy Bold" charset="0"/>
-                <a:sym typeface="Noteworthy Bold" charset="0"/>
-              </a:rPr>
-              <a:t> 0</a:t>
-            </a:r>
-            <a:r>
-              <a:rPr lang="de-DE" dirty="0" smtClean="0"/>
-              <a:t> </a:t>
-            </a:r>
-          </a:p>
-          <a:p>
-            <a:r>
-              <a:rPr lang="de-DE" sz="2400" b="0" i="0" u="none" strike="noStrike" kern="1200" dirty="0" smtClean="0">
-                <a:solidFill>
-                  <a:srgbClr val="572E2D"/>
-                </a:solidFill>
-                <a:effectLst/>
-                <a:latin typeface="Noteworthy Bold" charset="0"/>
-                <a:ea typeface="Noteworthy Bold" charset="0"/>
-                <a:cs typeface="Noteworthy Bold" charset="0"/>
-                <a:sym typeface="Noteworthy Bold" charset="0"/>
-              </a:rPr>
-              <a:t>F2 </a:t>
-            </a:r>
-            <a:r>
-              <a:rPr lang="de-DE" sz="2400" b="0" i="0" u="none" strike="noStrike" kern="1200" dirty="0" err="1" smtClean="0">
-                <a:solidFill>
-                  <a:srgbClr val="572E2D"/>
-                </a:solidFill>
-                <a:effectLst/>
-                <a:latin typeface="Noteworthy Bold" charset="0"/>
-                <a:ea typeface="Noteworthy Bold" charset="0"/>
-                <a:cs typeface="Noteworthy Bold" charset="0"/>
-                <a:sym typeface="Noteworthy Bold" charset="0"/>
-              </a:rPr>
-              <a:t>Vorserie</a:t>
-            </a:r>
-            <a:r>
-              <a:rPr lang="de-DE" sz="2400" b="0" i="0" u="none" strike="noStrike" kern="1200" dirty="0" smtClean="0">
-                <a:solidFill>
-                  <a:srgbClr val="572E2D"/>
-                </a:solidFill>
-                <a:effectLst/>
-                <a:latin typeface="Noteworthy Bold" charset="0"/>
-                <a:ea typeface="Noteworthy Bold" charset="0"/>
-                <a:cs typeface="Noteworthy Bold" charset="0"/>
-                <a:sym typeface="Noteworthy Bold" charset="0"/>
-              </a:rPr>
-              <a:t> 1</a:t>
-            </a:r>
-            <a:r>
-              <a:rPr lang="de-DE" dirty="0" smtClean="0"/>
-              <a:t> </a:t>
-            </a:r>
-          </a:p>
-          <a:p>
-            <a:r>
-              <a:rPr lang="de-DE" sz="2400" b="0" i="0" u="none" strike="noStrike" kern="1200" dirty="0" smtClean="0">
-                <a:solidFill>
-                  <a:srgbClr val="572E2D"/>
-                </a:solidFill>
-                <a:effectLst/>
-                <a:latin typeface="Noteworthy Bold" charset="0"/>
-                <a:ea typeface="Noteworthy Bold" charset="0"/>
-                <a:cs typeface="Noteworthy Bold" charset="0"/>
-                <a:sym typeface="Noteworthy Bold" charset="0"/>
-              </a:rPr>
-              <a:t>F2 </a:t>
-            </a:r>
-            <a:r>
-              <a:rPr lang="de-DE" sz="2400" b="0" i="0" u="none" strike="noStrike" kern="1200" dirty="0" err="1" smtClean="0">
-                <a:solidFill>
-                  <a:srgbClr val="572E2D"/>
-                </a:solidFill>
-                <a:effectLst/>
-                <a:latin typeface="Noteworthy Bold" charset="0"/>
-                <a:ea typeface="Noteworthy Bold" charset="0"/>
-                <a:cs typeface="Noteworthy Bold" charset="0"/>
-                <a:sym typeface="Noteworthy Bold" charset="0"/>
-              </a:rPr>
-              <a:t>Vorserie</a:t>
-            </a:r>
-            <a:r>
-              <a:rPr lang="de-DE" sz="2400" b="0" i="0" u="none" strike="noStrike" kern="1200" dirty="0" smtClean="0">
-                <a:solidFill>
-                  <a:srgbClr val="572E2D"/>
-                </a:solidFill>
-                <a:effectLst/>
-                <a:latin typeface="Noteworthy Bold" charset="0"/>
-                <a:ea typeface="Noteworthy Bold" charset="0"/>
-                <a:cs typeface="Noteworthy Bold" charset="0"/>
-                <a:sym typeface="Noteworthy Bold" charset="0"/>
-              </a:rPr>
-              <a:t> 2</a:t>
-            </a:r>
-            <a:r>
-              <a:rPr lang="de-DE" dirty="0" smtClean="0"/>
-              <a:t> </a:t>
-            </a:r>
-          </a:p>
-          <a:p>
-            <a:r>
-              <a:rPr lang="de-DE" sz="2400" b="0" i="0" u="none" strike="noStrike" kern="1200" dirty="0" smtClean="0">
-                <a:solidFill>
-                  <a:srgbClr val="572E2D"/>
-                </a:solidFill>
-                <a:effectLst/>
-                <a:latin typeface="Noteworthy Bold" charset="0"/>
-                <a:ea typeface="Noteworthy Bold" charset="0"/>
-                <a:cs typeface="Noteworthy Bold" charset="0"/>
-                <a:sym typeface="Noteworthy Bold" charset="0"/>
-              </a:rPr>
-              <a:t>F2 Anlaufproduktion</a:t>
-            </a:r>
-            <a:r>
-              <a:rPr lang="de-DE" dirty="0" smtClean="0"/>
-              <a:t> </a:t>
-            </a:r>
-          </a:p>
-          <a:p>
-            <a:r>
-              <a:rPr lang="de-DE" sz="2400" b="0" i="0" u="none" strike="noStrike" kern="1200" dirty="0" smtClean="0">
-                <a:solidFill>
-                  <a:srgbClr val="572E2D"/>
-                </a:solidFill>
-                <a:effectLst/>
-                <a:latin typeface="Noteworthy Bold" charset="0"/>
-                <a:ea typeface="Noteworthy Bold" charset="0"/>
-                <a:cs typeface="Noteworthy Bold" charset="0"/>
-                <a:sym typeface="Noteworthy Bold" charset="0"/>
-              </a:rPr>
-              <a:t>Wintererprobung mit BBG</a:t>
-            </a:r>
-            <a:r>
-              <a:rPr lang="de-DE" dirty="0" smtClean="0"/>
-              <a:t> </a:t>
-            </a:r>
-          </a:p>
-          <a:p>
-            <a:r>
-              <a:rPr lang="de-DE" sz="2400" b="0" i="0" u="none" strike="noStrike" kern="1200" dirty="0" smtClean="0">
-                <a:solidFill>
-                  <a:srgbClr val="572E2D"/>
-                </a:solidFill>
-                <a:effectLst/>
-                <a:latin typeface="Noteworthy Bold" charset="0"/>
-                <a:ea typeface="Noteworthy Bold" charset="0"/>
-                <a:cs typeface="Noteworthy Bold" charset="0"/>
-                <a:sym typeface="Noteworthy Bold" charset="0"/>
-              </a:rPr>
-              <a:t>Wintererprobung mit PVL</a:t>
-            </a:r>
-            <a:r>
-              <a:rPr lang="de-DE" dirty="0" smtClean="0"/>
-              <a:t> </a:t>
-            </a:r>
-          </a:p>
-          <a:p>
-            <a:r>
-              <a:rPr lang="de-DE" sz="2400" b="0" i="0" u="none" strike="noStrike" kern="1200" dirty="0" smtClean="0">
-                <a:solidFill>
-                  <a:srgbClr val="572E2D"/>
-                </a:solidFill>
-                <a:effectLst/>
-                <a:latin typeface="Noteworthy Bold" charset="0"/>
-                <a:ea typeface="Noteworthy Bold" charset="0"/>
-                <a:cs typeface="Noteworthy Bold" charset="0"/>
-                <a:sym typeface="Noteworthy Bold" charset="0"/>
-              </a:rPr>
-              <a:t>Projektphasen</a:t>
-            </a:r>
-            <a:r>
-              <a:rPr lang="de-DE" dirty="0" smtClean="0"/>
-              <a:t> </a:t>
-            </a:r>
-          </a:p>
-          <a:p>
-            <a:r>
-              <a:rPr lang="de-DE" sz="2400" b="0" i="0" u="none" strike="noStrike" kern="1200" dirty="0" smtClean="0">
-                <a:solidFill>
-                  <a:srgbClr val="572E2D"/>
-                </a:solidFill>
-                <a:effectLst/>
-                <a:latin typeface="Noteworthy Bold" charset="0"/>
-                <a:ea typeface="Noteworthy Bold" charset="0"/>
-                <a:cs typeface="Noteworthy Bold" charset="0"/>
-                <a:sym typeface="Noteworthy Bold" charset="0"/>
-              </a:rPr>
-              <a:t>Design</a:t>
-            </a:r>
-            <a:r>
-              <a:rPr lang="de-DE" dirty="0" smtClean="0"/>
-              <a:t> </a:t>
-            </a:r>
-          </a:p>
-          <a:p>
-            <a:r>
-              <a:rPr lang="de-DE" sz="2400" b="0" i="0" u="none" strike="noStrike" kern="1200" dirty="0" smtClean="0">
-                <a:solidFill>
-                  <a:srgbClr val="572E2D"/>
-                </a:solidFill>
-                <a:effectLst/>
-                <a:latin typeface="Noteworthy Bold" charset="0"/>
-                <a:ea typeface="Noteworthy Bold" charset="0"/>
-                <a:cs typeface="Noteworthy Bold" charset="0"/>
-                <a:sym typeface="Noteworthy Bold" charset="0"/>
-              </a:rPr>
-              <a:t>Bauphasen</a:t>
-            </a:r>
-            <a:r>
-              <a:rPr lang="de-DE" dirty="0" smtClean="0"/>
-              <a:t> </a:t>
-            </a:r>
-          </a:p>
-          <a:p>
-            <a:r>
-              <a:rPr lang="de-DE" sz="2400" b="0" i="0" u="none" strike="noStrike" kern="1200" dirty="0" smtClean="0">
-                <a:solidFill>
-                  <a:srgbClr val="572E2D"/>
-                </a:solidFill>
-                <a:effectLst/>
-                <a:latin typeface="Noteworthy Bold" charset="0"/>
-                <a:ea typeface="Noteworthy Bold" charset="0"/>
-                <a:cs typeface="Noteworthy Bold" charset="0"/>
-                <a:sym typeface="Noteworthy Bold" charset="0"/>
-              </a:rPr>
-              <a:t>Montage BBG</a:t>
-            </a:r>
-            <a:r>
-              <a:rPr lang="de-DE" dirty="0" smtClean="0"/>
-              <a:t> </a:t>
-            </a:r>
-          </a:p>
-          <a:p>
-            <a:r>
-              <a:rPr lang="de-DE" sz="2400" b="0" i="0" u="none" strike="noStrike" kern="1200" dirty="0" smtClean="0">
-                <a:solidFill>
-                  <a:srgbClr val="572E2D"/>
-                </a:solidFill>
-                <a:effectLst/>
-                <a:latin typeface="Noteworthy Bold" charset="0"/>
-                <a:ea typeface="Noteworthy Bold" charset="0"/>
-                <a:cs typeface="Noteworthy Bold" charset="0"/>
-                <a:sym typeface="Noteworthy Bold" charset="0"/>
-              </a:rPr>
-              <a:t>Montage VS</a:t>
-            </a:r>
-            <a:r>
-              <a:rPr lang="de-DE" dirty="0" smtClean="0"/>
-              <a:t> </a:t>
-            </a:r>
-          </a:p>
-          <a:p>
-            <a:r>
-              <a:rPr lang="de-DE" sz="2400" b="0" i="0" u="none" strike="noStrike" kern="1200" dirty="0" smtClean="0">
-                <a:solidFill>
-                  <a:srgbClr val="572E2D"/>
-                </a:solidFill>
-                <a:effectLst/>
-                <a:latin typeface="Noteworthy Bold" charset="0"/>
-                <a:ea typeface="Noteworthy Bold" charset="0"/>
-                <a:cs typeface="Noteworthy Bold" charset="0"/>
-                <a:sym typeface="Noteworthy Bold" charset="0"/>
-              </a:rPr>
-              <a:t>Montage KSP</a:t>
-            </a:r>
-            <a:r>
-              <a:rPr lang="de-DE" dirty="0" smtClean="0"/>
-              <a:t> </a:t>
-            </a:r>
-          </a:p>
-          <a:p>
-            <a:r>
-              <a:rPr lang="de-DE" sz="2400" b="0" i="0" u="none" strike="noStrike" kern="1200" dirty="0" smtClean="0">
-                <a:solidFill>
-                  <a:srgbClr val="572E2D"/>
-                </a:solidFill>
-                <a:effectLst/>
-                <a:latin typeface="Noteworthy Bold" charset="0"/>
-                <a:ea typeface="Noteworthy Bold" charset="0"/>
-                <a:cs typeface="Noteworthy Bold" charset="0"/>
-                <a:sym typeface="Noteworthy Bold" charset="0"/>
-              </a:rPr>
-              <a:t>Zusätzlicher Modulträger </a:t>
-            </a:r>
-          </a:p>
-          <a:p>
-            <a:r>
-              <a:rPr lang="de-DE" sz="2400" b="0" i="0" u="none" strike="noStrike" kern="1200" dirty="0" smtClean="0">
-                <a:solidFill>
-                  <a:srgbClr val="572E2D"/>
-                </a:solidFill>
-                <a:effectLst/>
-                <a:latin typeface="Noteworthy Bold" charset="0"/>
-                <a:ea typeface="Noteworthy Bold" charset="0"/>
-                <a:cs typeface="Noteworthy Bold" charset="0"/>
-                <a:sym typeface="Noteworthy Bold" charset="0"/>
-              </a:rPr>
-              <a:t>EA/EF</a:t>
-            </a:r>
-            <a:r>
-              <a:rPr lang="de-DE" dirty="0" smtClean="0"/>
-              <a:t> </a:t>
-            </a:r>
-            <a:r>
-              <a:rPr lang="de-DE" sz="2400" b="0" i="0" u="none" strike="noStrike" kern="1200" dirty="0" smtClean="0">
-                <a:solidFill>
-                  <a:srgbClr val="572E2D"/>
-                </a:solidFill>
-                <a:effectLst/>
-                <a:latin typeface="Noteworthy Bold" charset="0"/>
-                <a:ea typeface="Noteworthy Bold" charset="0"/>
-                <a:cs typeface="Noteworthy Bold" charset="0"/>
-                <a:sym typeface="Noteworthy Bold" charset="0"/>
-              </a:rPr>
-              <a:t>Rückläufer Modulträger</a:t>
-            </a:r>
-            <a:r>
-              <a:rPr lang="de-DE" dirty="0" smtClean="0"/>
-              <a:t> </a:t>
-            </a:r>
-          </a:p>
-          <a:p>
-            <a:r>
-              <a:rPr lang="de-DE" sz="2400" b="0" i="0" u="none" strike="noStrike" kern="1200" dirty="0" err="1" smtClean="0">
-                <a:solidFill>
-                  <a:srgbClr val="572E2D"/>
-                </a:solidFill>
-                <a:effectLst/>
-                <a:latin typeface="Noteworthy Bold" charset="0"/>
-                <a:ea typeface="Noteworthy Bold" charset="0"/>
-                <a:cs typeface="Noteworthy Bold" charset="0"/>
-                <a:sym typeface="Noteworthy Bold" charset="0"/>
-              </a:rPr>
-              <a:t>Strukturerprober</a:t>
-            </a:r>
-            <a:r>
-              <a:rPr lang="de-DE" sz="2400" b="0" i="0" u="none" strike="noStrike" kern="1200" dirty="0" smtClean="0">
-                <a:solidFill>
-                  <a:srgbClr val="572E2D"/>
-                </a:solidFill>
-                <a:effectLst/>
-                <a:latin typeface="Noteworthy Bold" charset="0"/>
-                <a:ea typeface="Noteworthy Bold" charset="0"/>
-                <a:cs typeface="Noteworthy Bold" charset="0"/>
-                <a:sym typeface="Noteworthy Bold" charset="0"/>
-              </a:rPr>
-              <a:t> auf Basis BBG F45</a:t>
-            </a:r>
-            <a:r>
-              <a:rPr lang="de-DE" dirty="0" smtClean="0"/>
-              <a:t> </a:t>
-            </a:r>
-          </a:p>
-          <a:p>
-            <a:r>
-              <a:rPr lang="de-DE" sz="2400" b="0" i="0" u="none" strike="noStrike" kern="1200" dirty="0" smtClean="0">
-                <a:solidFill>
-                  <a:srgbClr val="572E2D"/>
-                </a:solidFill>
-                <a:effectLst/>
-                <a:latin typeface="Noteworthy Bold" charset="0"/>
-                <a:ea typeface="Noteworthy Bold" charset="0"/>
-                <a:cs typeface="Noteworthy Bold" charset="0"/>
-                <a:sym typeface="Noteworthy Bold" charset="0"/>
-              </a:rPr>
-              <a:t>Montage Modulträger</a:t>
-            </a:r>
-            <a:r>
-              <a:rPr lang="de-DE" dirty="0" smtClean="0"/>
-              <a:t> </a:t>
-            </a:r>
-          </a:p>
-          <a:p>
-            <a:r>
-              <a:rPr lang="de-DE" sz="2400" b="0" i="0" u="none" strike="noStrike" kern="1200" dirty="0" smtClean="0">
-                <a:solidFill>
-                  <a:srgbClr val="572E2D"/>
-                </a:solidFill>
-                <a:effectLst/>
-                <a:latin typeface="Noteworthy Bold" charset="0"/>
-                <a:ea typeface="Noteworthy Bold" charset="0"/>
-                <a:cs typeface="Noteworthy Bold" charset="0"/>
-                <a:sym typeface="Noteworthy Bold" charset="0"/>
-              </a:rPr>
-              <a:t>Montage PVL FIZ</a:t>
-            </a:r>
-            <a:r>
-              <a:rPr lang="de-DE" dirty="0" smtClean="0"/>
-              <a:t> </a:t>
-            </a:r>
-          </a:p>
-          <a:p>
-            <a:r>
-              <a:rPr lang="de-DE" sz="2400" b="0" i="0" u="none" strike="noStrike" kern="1200" dirty="0" smtClean="0">
-                <a:solidFill>
-                  <a:srgbClr val="572E2D"/>
-                </a:solidFill>
-                <a:effectLst/>
-                <a:latin typeface="Noteworthy Bold" charset="0"/>
-                <a:ea typeface="Noteworthy Bold" charset="0"/>
-                <a:cs typeface="Noteworthy Bold" charset="0"/>
-                <a:sym typeface="Noteworthy Bold" charset="0"/>
-              </a:rPr>
-              <a:t>Montage VS CN</a:t>
-            </a:r>
-            <a:r>
-              <a:rPr lang="de-DE" dirty="0" smtClean="0"/>
-              <a:t> </a:t>
-            </a:r>
-          </a:p>
-          <a:p>
-            <a:r>
-              <a:rPr lang="de-DE" sz="2400" b="0" i="0" u="none" strike="noStrike" kern="1200" dirty="0" smtClean="0">
-                <a:solidFill>
-                  <a:srgbClr val="572E2D"/>
-                </a:solidFill>
-                <a:effectLst/>
-                <a:latin typeface="Noteworthy Bold" charset="0"/>
-                <a:ea typeface="Noteworthy Bold" charset="0"/>
-                <a:cs typeface="Noteworthy Bold" charset="0"/>
-                <a:sym typeface="Noteworthy Bold" charset="0"/>
-              </a:rPr>
-              <a:t>Prozessvorläufer VS0</a:t>
-            </a:r>
-            <a:r>
-              <a:rPr lang="de-DE" dirty="0" smtClean="0"/>
-              <a:t> </a:t>
-            </a:r>
-          </a:p>
-          <a:p>
-            <a:r>
-              <a:rPr lang="de-DE" sz="2400" b="0" i="0" u="none" strike="noStrike" kern="1200" dirty="0" smtClean="0">
-                <a:solidFill>
-                  <a:srgbClr val="572E2D"/>
-                </a:solidFill>
-                <a:effectLst/>
-                <a:latin typeface="Noteworthy Bold" charset="0"/>
-                <a:ea typeface="Noteworthy Bold" charset="0"/>
-                <a:cs typeface="Noteworthy Bold" charset="0"/>
-                <a:sym typeface="Noteworthy Bold" charset="0"/>
-              </a:rPr>
-              <a:t>KSP 1</a:t>
-            </a:r>
-            <a:r>
-              <a:rPr lang="de-DE" dirty="0" smtClean="0"/>
-              <a:t> </a:t>
-            </a:r>
-          </a:p>
-          <a:p>
-            <a:r>
-              <a:rPr lang="de-DE" sz="2400" b="0" i="0" u="none" strike="noStrike" kern="1200" dirty="0" smtClean="0">
-                <a:solidFill>
-                  <a:srgbClr val="572E2D"/>
-                </a:solidFill>
-                <a:effectLst/>
-                <a:latin typeface="Noteworthy Bold" charset="0"/>
-                <a:ea typeface="Noteworthy Bold" charset="0"/>
-                <a:cs typeface="Noteworthy Bold" charset="0"/>
-                <a:sym typeface="Noteworthy Bold" charset="0"/>
-              </a:rPr>
-              <a:t>KSP 2</a:t>
-            </a:r>
-            <a:r>
-              <a:rPr lang="de-DE" dirty="0" smtClean="0"/>
-              <a:t> </a:t>
-            </a:r>
-          </a:p>
-          <a:p>
-            <a:r>
-              <a:rPr lang="de-DE" sz="2400" b="0" i="0" u="none" strike="noStrike" kern="1200" dirty="0" smtClean="0">
-                <a:solidFill>
-                  <a:srgbClr val="572E2D"/>
-                </a:solidFill>
-                <a:effectLst/>
-                <a:latin typeface="Noteworthy Bold" charset="0"/>
-                <a:ea typeface="Noteworthy Bold" charset="0"/>
-                <a:cs typeface="Noteworthy Bold" charset="0"/>
-                <a:sym typeface="Noteworthy Bold" charset="0"/>
-              </a:rPr>
-              <a:t>KSP 3</a:t>
-            </a:r>
-            <a:r>
-              <a:rPr lang="de-DE" dirty="0" smtClean="0"/>
-              <a:t> </a:t>
-            </a:r>
-          </a:p>
-          <a:p>
-            <a:r>
-              <a:rPr lang="de-DE" sz="2400" b="0" i="0" u="none" strike="noStrike" kern="1200" dirty="0" smtClean="0">
-                <a:solidFill>
-                  <a:srgbClr val="572E2D"/>
-                </a:solidFill>
-                <a:effectLst/>
-                <a:latin typeface="Noteworthy Bold" charset="0"/>
-                <a:ea typeface="Noteworthy Bold" charset="0"/>
-                <a:cs typeface="Noteworthy Bold" charset="0"/>
-                <a:sym typeface="Noteworthy Bold" charset="0"/>
-              </a:rPr>
-              <a:t>Montage BBG Pulk 1</a:t>
-            </a:r>
-            <a:r>
-              <a:rPr lang="de-DE" dirty="0" smtClean="0"/>
-              <a:t> </a:t>
-            </a:r>
-          </a:p>
-          <a:p>
-            <a:r>
-              <a:rPr lang="de-DE" sz="2400" b="0" i="0" u="none" strike="noStrike" kern="1200" dirty="0" smtClean="0">
-                <a:solidFill>
-                  <a:srgbClr val="572E2D"/>
-                </a:solidFill>
-                <a:effectLst/>
-                <a:latin typeface="Noteworthy Bold" charset="0"/>
-                <a:ea typeface="Noteworthy Bold" charset="0"/>
-                <a:cs typeface="Noteworthy Bold" charset="0"/>
-                <a:sym typeface="Noteworthy Bold" charset="0"/>
-              </a:rPr>
-              <a:t>Montage BBG Pulk 2</a:t>
-            </a:r>
-            <a:r>
-              <a:rPr lang="de-DE" dirty="0" smtClean="0"/>
-              <a:t> </a:t>
-            </a:r>
+            <a:endParaRPr lang="de-DE" sz="2400" dirty="0" smtClean="0">
+              <a:solidFill>
+                <a:schemeClr val="bg2"/>
+              </a:solidFill>
+            </a:endParaRPr>
+          </a:p>
+          <a:p>
+            <a:pPr marL="0" marR="0" indent="0" algn="l" defTabSz="457200" rtl="0" eaLnBrk="1" fontAlgn="base" latinLnBrk="0" hangingPunct="0">
+              <a:lnSpc>
+                <a:spcPts val="3500"/>
+              </a:lnSpc>
+              <a:spcBef>
+                <a:spcPct val="0"/>
+              </a:spcBef>
+              <a:spcAft>
+                <a:spcPct val="0"/>
+              </a:spcAft>
+              <a:buClrTx/>
+              <a:buSzTx/>
+              <a:buFontTx/>
+              <a:buNone/>
+              <a:tabLst/>
+              <a:defRPr/>
+            </a:pPr>
+            <a:endParaRPr lang="de-DE" sz="2400" dirty="0" smtClean="0">
+              <a:solidFill>
+                <a:schemeClr val="bg2"/>
+              </a:solidFill>
+            </a:endParaRPr>
+          </a:p>
+          <a:p>
+            <a:pPr marL="0" marR="0" indent="0" algn="l" defTabSz="457200" rtl="0" eaLnBrk="1" fontAlgn="base" latinLnBrk="0" hangingPunct="0">
+              <a:lnSpc>
+                <a:spcPts val="3500"/>
+              </a:lnSpc>
+              <a:spcBef>
+                <a:spcPct val="0"/>
+              </a:spcBef>
+              <a:spcAft>
+                <a:spcPct val="0"/>
+              </a:spcAft>
+              <a:buClrTx/>
+              <a:buSzTx/>
+              <a:buFontTx/>
+              <a:buNone/>
+              <a:tabLst/>
+              <a:defRPr/>
+            </a:pPr>
+            <a:endParaRPr lang="de-DE" sz="2400" dirty="0" smtClean="0">
+              <a:solidFill>
+                <a:schemeClr val="bg2"/>
+              </a:solidFill>
+            </a:endParaRPr>
+          </a:p>
+          <a:p>
+            <a:pPr marL="0" marR="0" indent="0" algn="l" defTabSz="457200" rtl="0" eaLnBrk="1" fontAlgn="base" latinLnBrk="0" hangingPunct="0">
+              <a:lnSpc>
+                <a:spcPts val="3500"/>
+              </a:lnSpc>
+              <a:spcBef>
+                <a:spcPct val="0"/>
+              </a:spcBef>
+              <a:spcAft>
+                <a:spcPct val="0"/>
+              </a:spcAft>
+              <a:buClrTx/>
+              <a:buSzTx/>
+              <a:buFontTx/>
+              <a:buNone/>
+              <a:tabLst/>
+              <a:defRPr/>
+            </a:pPr>
+            <a:endParaRPr lang="de-DE" sz="2400" dirty="0" smtClean="0">
+              <a:solidFill>
+                <a:schemeClr val="bg2"/>
+              </a:solidFill>
+            </a:endParaRPr>
+          </a:p>
+          <a:p>
+            <a:pPr marL="0" marR="0" indent="0" algn="l" defTabSz="457200" rtl="0" eaLnBrk="1" fontAlgn="base" latinLnBrk="0" hangingPunct="0">
+              <a:lnSpc>
+                <a:spcPts val="3500"/>
+              </a:lnSpc>
+              <a:spcBef>
+                <a:spcPct val="0"/>
+              </a:spcBef>
+              <a:spcAft>
+                <a:spcPct val="0"/>
+              </a:spcAft>
+              <a:buClrTx/>
+              <a:buSzTx/>
+              <a:buFontTx/>
+              <a:buNone/>
+              <a:tabLst/>
+              <a:defRPr/>
+            </a:pPr>
+            <a:endParaRPr lang="de-DE" sz="2400" dirty="0" smtClean="0">
+              <a:solidFill>
+                <a:schemeClr val="bg2"/>
+              </a:solidFill>
+            </a:endParaRPr>
+          </a:p>
+          <a:p>
             <a:endParaRPr lang="de-DE" sz="2400" kern="1200" dirty="0" smtClean="0">
               <a:solidFill>
                 <a:srgbClr val="572E2D"/>
@@ -2117,9 +2124,6 @@
             </a:r>
           </a:p>
           <a:p>
-            <a:endParaRPr lang="de-DE" sz="2400" dirty="0" smtClean="0"/>
-          </a:p>
-          <a:p>
             <a:r>
               <a:rPr lang="de-DE" sz="2400" kern="1200" dirty="0" smtClean="0">
                 <a:solidFill>
@@ -2160,84 +2164,6 @@
                 <a:sym typeface="Gill Sans Light" charset="0"/>
               </a:rPr>
               <a:t>Strategie/Risiko/Marge</a:t>
-            </a:r>
-          </a:p>
-          <a:p>
-            <a:pPr marL="0" marR="0" indent="0" algn="l" defTabSz="457200" rtl="0" eaLnBrk="1" fontAlgn="base" latinLnBrk="0" hangingPunct="0">
-              <a:lnSpc>
-                <a:spcPts val="3500"/>
-              </a:lnSpc>
-              <a:spcBef>
-                <a:spcPct val="0"/>
-              </a:spcBef>
-              <a:spcAft>
-                <a:spcPct val="0"/>
-              </a:spcAft>
-              <a:buClrTx/>
-              <a:buSzTx/>
-              <a:buFontTx/>
-              <a:buNone/>
-              <a:tabLst/>
-              <a:defRPr/>
-            </a:pPr>
-            <a:r>
-              <a:rPr kumimoji="0" lang="de-DE" sz="2400" b="0" i="0" u="none" strike="noStrike" cap="none" normalizeH="0" baseline="0" dirty="0" smtClean="0">
-                <a:ln>
-                  <a:noFill/>
-                </a:ln>
-                <a:solidFill>
-                  <a:schemeClr val="bg2"/>
-                </a:solidFill>
-                <a:effectLst/>
-                <a:latin typeface="Gill Sans Light" charset="0"/>
-                <a:ea typeface="Gill Sans Light" charset="0"/>
-                <a:cs typeface="Gill Sans Light" charset="0"/>
-                <a:sym typeface="Gill Sans Light" charset="0"/>
-              </a:rPr>
-              <a:t>Strategie/Risiko/Volumen</a:t>
-            </a:r>
-          </a:p>
-          <a:p>
-            <a:pPr marL="0" marR="0" indent="0" algn="l" defTabSz="457200" rtl="0" eaLnBrk="1" fontAlgn="base" latinLnBrk="0" hangingPunct="0">
-              <a:lnSpc>
-                <a:spcPts val="3500"/>
-              </a:lnSpc>
-              <a:spcBef>
-                <a:spcPct val="0"/>
-              </a:spcBef>
-              <a:spcAft>
-                <a:spcPct val="0"/>
-              </a:spcAft>
-              <a:buClrTx/>
-              <a:buSzTx/>
-              <a:buFontTx/>
-              <a:buNone/>
-              <a:tabLst/>
-              <a:defRPr/>
-            </a:pPr>
-            <a:r>
-              <a:rPr lang="de-DE" sz="2400" dirty="0" smtClean="0">
-                <a:solidFill>
-                  <a:schemeClr val="bg2"/>
-                </a:solidFill>
-              </a:rPr>
-              <a:t>Komplexität</a:t>
-            </a:r>
-            <a:r>
-              <a:rPr kumimoji="0" lang="de-DE" sz="2400" b="0" i="0" u="none" strike="noStrike" cap="none" normalizeH="0" baseline="0" dirty="0" smtClean="0">
-                <a:ln>
-                  <a:noFill/>
-                </a:ln>
-                <a:solidFill>
-                  <a:schemeClr val="bg2"/>
-                </a:solidFill>
-                <a:effectLst/>
-                <a:latin typeface="Gill Sans Light" charset="0"/>
-                <a:ea typeface="Gill Sans Light" charset="0"/>
-                <a:cs typeface="Gill Sans Light" charset="0"/>
-                <a:sym typeface="Gill Sans Light" charset="0"/>
-              </a:rPr>
-              <a:t>/Risiko/Volumen</a:t>
             </a:r>
           </a:p>
           <a:p>
@@ -2256,6 +2182,46 @@
             </a:endParaRPr>
           </a:p>
           <a:p>
+            <a:r>
+              <a:rPr lang="de-DE" sz="2400" kern="1200" dirty="0" smtClean="0">
+                <a:solidFill>
+                  <a:srgbClr val="572E2D"/>
+                </a:solidFill>
+                <a:latin typeface="Noteworthy Bold" charset="0"/>
+                <a:ea typeface="Noteworthy Bold" charset="0"/>
+                <a:cs typeface="Noteworthy Bold" charset="0"/>
+                <a:sym typeface="Noteworthy Bold" charset="0"/>
+              </a:rPr>
+              <a:t>Übersicht Auslastung</a:t>
+            </a:r>
+          </a:p>
+          <a:p>
+            <a:r>
+              <a:rPr lang="de-DE" sz="2400" kern="1200" dirty="0" smtClean="0">
+                <a:solidFill>
+                  <a:srgbClr val="572E2D"/>
+                </a:solidFill>
+                <a:latin typeface="Noteworthy Bold" charset="0"/>
+                <a:ea typeface="Noteworthy Bold" charset="0"/>
+                <a:cs typeface="Noteworthy Bold" charset="0"/>
+                <a:sym typeface="Noteworthy Bold" charset="0"/>
+              </a:rPr>
+              <a:t>Details Unterauslastung</a:t>
+            </a:r>
+          </a:p>
+          <a:p>
+            <a:r>
+              <a:rPr lang="de-DE" sz="2400" kern="1200" dirty="0" smtClean="0">
+                <a:solidFill>
+                  <a:srgbClr val="572E2D"/>
+                </a:solidFill>
+                <a:latin typeface="Noteworthy Bold" charset="0"/>
+                <a:ea typeface="Noteworthy Bold" charset="0"/>
+                <a:cs typeface="Noteworthy Bold" charset="0"/>
+                <a:sym typeface="Noteworthy Bold" charset="0"/>
+              </a:rPr>
+              <a:t>Details Überauslastung</a:t>
+            </a:r>
             <a:endParaRPr kumimoji="0" lang="de-DE" sz="2400" b="0" i="0" u="none" strike="noStrike" cap="none" normalizeH="0" baseline="0" dirty="0" smtClean="0">
               <a:ln>
                 <a:noFill/>
@@ -2271,46 +2237,6 @@
             </a:endParaRPr>
           </a:p>
           <a:p>
-            <a:r>
-              <a:rPr lang="de-DE" sz="2400" kern="1200" dirty="0" smtClean="0">
-                <a:solidFill>
-                  <a:srgbClr val="572E2D"/>
-                </a:solidFill>
-                <a:latin typeface="Noteworthy Bold" charset="0"/>
-                <a:ea typeface="Noteworthy Bold" charset="0"/>
-                <a:cs typeface="Noteworthy Bold" charset="0"/>
-                <a:sym typeface="Noteworthy Bold" charset="0"/>
-              </a:rPr>
-              <a:t>Übersicht Auslastung</a:t>
-            </a:r>
-          </a:p>
-          <a:p>
-            <a:r>
-              <a:rPr lang="de-DE" sz="2400" kern="1200" dirty="0" smtClean="0">
-                <a:solidFill>
-                  <a:srgbClr val="572E2D"/>
-                </a:solidFill>
-                <a:latin typeface="Noteworthy Bold" charset="0"/>
-                <a:ea typeface="Noteworthy Bold" charset="0"/>
-                <a:cs typeface="Noteworthy Bold" charset="0"/>
-                <a:sym typeface="Noteworthy Bold" charset="0"/>
-              </a:rPr>
-              <a:t>Details Unterauslastung</a:t>
-            </a:r>
-          </a:p>
-          <a:p>
-            <a:r>
-              <a:rPr lang="de-DE" sz="2400" kern="1200" dirty="0" smtClean="0">
-                <a:solidFill>
-                  <a:srgbClr val="572E2D"/>
-                </a:solidFill>
-                <a:latin typeface="Noteworthy Bold" charset="0"/>
-                <a:ea typeface="Noteworthy Bold" charset="0"/>
-                <a:cs typeface="Noteworthy Bold" charset="0"/>
-                <a:sym typeface="Noteworthy Bold" charset="0"/>
-              </a:rPr>
-              <a:t>Details Überauslastung</a:t>
-            </a:r>
             <a:endParaRPr kumimoji="0" lang="de-DE" sz="2400" b="0" i="0" u="none" strike="noStrike" cap="none" normalizeH="0" baseline="0" dirty="0" smtClean="0">
               <a:ln>
                 <a:noFill/>
@@ -2326,6 +2252,32 @@
             </a:endParaRPr>
           </a:p>
           <a:p>
+            <a:r>
+              <a:rPr lang="de-DE" sz="2400" kern="1200" dirty="0" smtClean="0">
+                <a:solidFill>
+                  <a:srgbClr val="572E2D"/>
+                </a:solidFill>
+                <a:latin typeface="Noteworthy Bold" charset="0"/>
+                <a:ea typeface="Noteworthy Bold" charset="0"/>
+                <a:cs typeface="Noteworthy Bold" charset="0"/>
+                <a:sym typeface="Noteworthy Bold" charset="0"/>
+              </a:rPr>
+              <a:t>Bisherige Zielerreichung</a:t>
+            </a:r>
+          </a:p>
+          <a:p>
+            <a:r>
+              <a:rPr lang="de-DE" sz="2400" kern="1200" dirty="0" smtClean="0">
+                <a:solidFill>
+                  <a:srgbClr val="572E2D"/>
+                </a:solidFill>
+                <a:latin typeface="Noteworthy Bold" charset="0"/>
+                <a:ea typeface="Noteworthy Bold" charset="0"/>
+                <a:cs typeface="Noteworthy Bold" charset="0"/>
+                <a:sym typeface="Noteworthy Bold" charset="0"/>
+              </a:rPr>
+              <a:t>Prognose Zielerreichung</a:t>
+            </a:r>
             <a:endParaRPr kumimoji="0" lang="de-DE" sz="2400" b="0" i="0" u="none" strike="noStrike" cap="none" normalizeH="0" baseline="0" dirty="0" smtClean="0">
               <a:ln>
                 <a:noFill/>
@@ -2341,32 +2293,6 @@
             </a:endParaRPr>
           </a:p>
           <a:p>
-            <a:r>
-              <a:rPr lang="de-DE" sz="2400" kern="1200" dirty="0" smtClean="0">
-                <a:solidFill>
-                  <a:srgbClr val="572E2D"/>
-                </a:solidFill>
-                <a:latin typeface="Noteworthy Bold" charset="0"/>
-                <a:ea typeface="Noteworthy Bold" charset="0"/>
-                <a:cs typeface="Noteworthy Bold" charset="0"/>
-                <a:sym typeface="Noteworthy Bold" charset="0"/>
-              </a:rPr>
-              <a:t>Bisherige Zielerreichung</a:t>
-            </a:r>
-          </a:p>
-          <a:p>
-            <a:r>
-              <a:rPr lang="de-DE" sz="2400" kern="1200" dirty="0" smtClean="0">
-                <a:solidFill>
-                  <a:srgbClr val="572E2D"/>
-                </a:solidFill>
-                <a:latin typeface="Noteworthy Bold" charset="0"/>
-                <a:ea typeface="Noteworthy Bold" charset="0"/>
-                <a:cs typeface="Noteworthy Bold" charset="0"/>
-                <a:sym typeface="Noteworthy Bold" charset="0"/>
-              </a:rPr>
-              <a:t>Prognose Zielerreichung</a:t>
-            </a:r>
             <a:endParaRPr kumimoji="0" lang="de-DE" sz="2400" b="0" i="0" u="none" strike="noStrike" cap="none" normalizeH="0" baseline="0" dirty="0" smtClean="0">
               <a:ln>
                 <a:noFill/>
@@ -2382,21 +2308,6 @@
             </a:endParaRPr>
           </a:p>
           <a:p>
-            <a:endParaRPr kumimoji="0" lang="de-DE" sz="2400" b="0" i="0" u="none" strike="noStrike" cap="none" normalizeH="0" baseline="0" dirty="0" smtClean="0">
-              <a:ln>
-                <a:noFill/>
-              </a:ln>
-              <a:solidFill>
-                <a:schemeClr val="bg2"/>
-              </a:solidFill>
-              <a:effectLst/>
-              <a:latin typeface="Gill Sans Light" charset="0"/>
-              <a:ea typeface="Gill Sans Light" charset="0"/>
-              <a:cs typeface="Gill Sans Light" charset="0"/>
-              <a:sym typeface="Gill Sans Light" charset="0"/>
-            </a:endParaRPr>
-          </a:p>
-          <a:p>
             <a:r>
               <a:rPr kumimoji="0" lang="de-DE" sz="2400" b="0" i="0" u="none" strike="noStrike" cap="none" normalizeH="0" baseline="0" dirty="0" smtClean="0">
                 <a:ln>
@@ -2683,349 +2594,6 @@
                 <a:sym typeface="Noteworthy Bold" charset="0"/>
               </a:rPr>
               <a:t>Kostenart (…)</a:t>
-            </a:r>
-          </a:p>
-          <a:p>
-            <a:pPr marL="0" marR="0" indent="0" algn="l" defTabSz="457200" rtl="0" eaLnBrk="1" fontAlgn="base" latinLnBrk="0" hangingPunct="0">
-              <a:lnSpc>
-                <a:spcPts val="3500"/>
-              </a:lnSpc>
-              <a:spcBef>
-                <a:spcPct val="0"/>
-              </a:spcBef>
-              <a:spcAft>
-                <a:spcPct val="0"/>
-              </a:spcAft>
-              <a:buClrTx/>
-              <a:buSzTx/>
-              <a:buFontTx/>
-              <a:buNone/>
-              <a:tabLst/>
-              <a:defRPr/>
-            </a:pPr>
-            <a:endParaRPr lang="de-DE" sz="2400" dirty="0" smtClean="0">
-              <a:solidFill>
-                <a:schemeClr val="bg2"/>
-              </a:solidFill>
-            </a:endParaRPr>
-          </a:p>
-          <a:p>
-            <a:pPr marL="0" marR="0" indent="0" algn="l" defTabSz="457200" rtl="0" eaLnBrk="1" fontAlgn="base" latinLnBrk="0" hangingPunct="0">
-              <a:lnSpc>
-                <a:spcPts val="3500"/>
-              </a:lnSpc>
-              <a:spcBef>
-                <a:spcPct val="0"/>
-              </a:spcBef>
-              <a:spcAft>
-                <a:spcPct val="0"/>
-              </a:spcAft>
-              <a:buClrTx/>
-              <a:buSzTx/>
-              <a:buFontTx/>
-              <a:buNone/>
-              <a:tabLst/>
-              <a:defRPr/>
-            </a:pPr>
-            <a:endParaRPr lang="de-DE" sz="2400" dirty="0" smtClean="0">
-              <a:solidFill>
-                <a:schemeClr val="bg2"/>
-              </a:solidFill>
-            </a:endParaRPr>
-          </a:p>
-          <a:p>
-            <a:pPr marL="0" marR="0" indent="0" algn="l" defTabSz="457200" rtl="0" eaLnBrk="1" fontAlgn="base" latinLnBrk="0" hangingPunct="0">
-              <a:lnSpc>
-                <a:spcPts val="3500"/>
-              </a:lnSpc>
-              <a:spcBef>
-                <a:spcPct val="0"/>
-              </a:spcBef>
-              <a:spcAft>
-                <a:spcPct val="0"/>
-              </a:spcAft>
-              <a:buClrTx/>
-              <a:buSzTx/>
-              <a:buFontTx/>
-              <a:buNone/>
-              <a:tabLst/>
-              <a:defRPr/>
-            </a:pPr>
-            <a:r>
-              <a:rPr lang="de-DE" sz="2400" dirty="0" smtClean="0">
-                <a:solidFill>
-                  <a:schemeClr val="bg2"/>
-                </a:solidFill>
-              </a:rPr>
-              <a:t>Phasen: </a:t>
-            </a:r>
-          </a:p>
-          <a:p>
-            <a:r>
-              <a:rPr lang="de-DE" sz="2400" b="0" i="0" u="none" strike="noStrike" kern="1200" baseline="0" dirty="0" smtClean="0">
-                <a:solidFill>
-                  <a:srgbClr val="572E2D"/>
-                </a:solidFill>
-                <a:latin typeface="Noteworthy Bold" charset="0"/>
-                <a:ea typeface="Noteworthy Bold" charset="0"/>
-                <a:cs typeface="Noteworthy Bold" charset="0"/>
-                <a:sym typeface="Noteworthy Bold" charset="0"/>
-              </a:rPr>
-              <a:t>DTK	</a:t>
-            </a:r>
-          </a:p>
-          <a:p>
-            <a:r>
-              <a:rPr lang="de-DE" sz="2400" b="0" i="0" u="none" strike="noStrike" kern="1200" baseline="0" dirty="0" smtClean="0">
-                <a:solidFill>
-                  <a:srgbClr val="572E2D"/>
-                </a:solidFill>
-                <a:latin typeface="Noteworthy Bold" charset="0"/>
-                <a:ea typeface="Noteworthy Bold" charset="0"/>
-                <a:cs typeface="Noteworthy Bold" charset="0"/>
-                <a:sym typeface="Noteworthy Bold" charset="0"/>
-              </a:rPr>
-              <a:t>TK	</a:t>
-            </a:r>
-          </a:p>
-          <a:p>
-            <a:r>
-              <a:rPr lang="de-DE" sz="2400" b="0" i="0" u="none" strike="noStrike" kern="1200" baseline="0" dirty="0" smtClean="0">
-                <a:solidFill>
-                  <a:srgbClr val="572E2D"/>
-                </a:solidFill>
-                <a:latin typeface="Noteworthy Bold" charset="0"/>
-                <a:ea typeface="Noteworthy Bold" charset="0"/>
-                <a:cs typeface="Noteworthy Bold" charset="0"/>
-                <a:sym typeface="Noteworthy Bold" charset="0"/>
-              </a:rPr>
-              <a:t>SWZ	</a:t>
-            </a:r>
-          </a:p>
-          <a:p>
-            <a:r>
-              <a:rPr lang="de-DE" sz="2400" b="0" i="0" u="none" strike="noStrike" kern="1200" baseline="0" dirty="0" smtClean="0">
-                <a:solidFill>
-                  <a:srgbClr val="572E2D"/>
-                </a:solidFill>
-                <a:latin typeface="Noteworthy Bold" charset="0"/>
-                <a:ea typeface="Noteworthy Bold" charset="0"/>
-                <a:cs typeface="Noteworthy Bold" charset="0"/>
-                <a:sym typeface="Noteworthy Bold" charset="0"/>
-              </a:rPr>
-              <a:t>PPA	</a:t>
-            </a:r>
-          </a:p>
-          <a:p>
-            <a:r>
-              <a:rPr lang="de-DE" sz="2400" b="0" i="0" u="none" strike="noStrike" kern="1200" baseline="0" dirty="0" smtClean="0">
-                <a:solidFill>
-                  <a:srgbClr val="572E2D"/>
-                </a:solidFill>
-                <a:latin typeface="Noteworthy Bold" charset="0"/>
-                <a:ea typeface="Noteworthy Bold" charset="0"/>
-                <a:cs typeface="Noteworthy Bold" charset="0"/>
-                <a:sym typeface="Noteworthy Bold" charset="0"/>
-              </a:rPr>
-              <a:t>Simulation VBBG	</a:t>
-            </a:r>
-          </a:p>
-          <a:p>
-            <a:r>
-              <a:rPr lang="de-DE" sz="2400" b="0" i="0" u="none" strike="noStrike" kern="1200" baseline="0" dirty="0" smtClean="0">
-                <a:solidFill>
-                  <a:srgbClr val="572E2D"/>
-                </a:solidFill>
-                <a:latin typeface="Noteworthy Bold" charset="0"/>
-                <a:ea typeface="Noteworthy Bold" charset="0"/>
-                <a:cs typeface="Noteworthy Bold" charset="0"/>
-                <a:sym typeface="Noteworthy Bold" charset="0"/>
-              </a:rPr>
-              <a:t>VBBG	</a:t>
-            </a:r>
-          </a:p>
-          <a:p>
-            <a:r>
-              <a:rPr lang="de-DE" sz="2400" b="0" i="0" u="none" strike="noStrike" kern="1200" baseline="0" dirty="0" smtClean="0">
-                <a:solidFill>
-                  <a:srgbClr val="572E2D"/>
-                </a:solidFill>
-                <a:latin typeface="Noteworthy Bold" charset="0"/>
-                <a:ea typeface="Noteworthy Bold" charset="0"/>
-                <a:cs typeface="Noteworthy Bold" charset="0"/>
-                <a:sym typeface="Noteworthy Bold" charset="0"/>
-              </a:rPr>
-              <a:t>BBG Karosseriebau FIZ	</a:t>
-            </a:r>
-          </a:p>
-          <a:p>
-            <a:r>
-              <a:rPr lang="de-DE" sz="2400" b="0" i="0" u="none" strike="noStrike" kern="1200" baseline="0" dirty="0" smtClean="0">
-                <a:solidFill>
-                  <a:srgbClr val="572E2D"/>
-                </a:solidFill>
-                <a:latin typeface="Noteworthy Bold" charset="0"/>
-                <a:ea typeface="Noteworthy Bold" charset="0"/>
-                <a:cs typeface="Noteworthy Bold" charset="0"/>
-                <a:sym typeface="Noteworthy Bold" charset="0"/>
-              </a:rPr>
-              <a:t>BBG Montage FIZ	</a:t>
-            </a:r>
-          </a:p>
-          <a:p>
-            <a:r>
-              <a:rPr lang="de-DE" sz="2400" b="0" i="0" u="none" strike="noStrike" kern="1200" baseline="0" dirty="0" smtClean="0">
-                <a:solidFill>
-                  <a:srgbClr val="572E2D"/>
-                </a:solidFill>
-                <a:latin typeface="Noteworthy Bold" charset="0"/>
-                <a:ea typeface="Noteworthy Bold" charset="0"/>
-                <a:cs typeface="Noteworthy Bold" charset="0"/>
-                <a:sym typeface="Noteworthy Bold" charset="0"/>
-              </a:rPr>
-              <a:t>F2 </a:t>
-            </a:r>
-            <a:r>
-              <a:rPr lang="de-DE" sz="2400" b="0" i="0" u="none" strike="noStrike" kern="1200" baseline="0" dirty="0" err="1" smtClean="0">
-                <a:solidFill>
-                  <a:srgbClr val="572E2D"/>
-                </a:solidFill>
-                <a:latin typeface="Noteworthy Bold" charset="0"/>
-                <a:ea typeface="Noteworthy Bold" charset="0"/>
-                <a:cs typeface="Noteworthy Bold" charset="0"/>
-                <a:sym typeface="Noteworthy Bold" charset="0"/>
-              </a:rPr>
-              <a:t>Vorserie</a:t>
-            </a:r>
-            <a:r>
-              <a:rPr lang="de-DE" sz="2400" b="0" i="0" u="none" strike="noStrike" kern="1200" baseline="0" dirty="0" smtClean="0">
-                <a:solidFill>
-                  <a:srgbClr val="572E2D"/>
-                </a:solidFill>
-                <a:latin typeface="Noteworthy Bold" charset="0"/>
-                <a:ea typeface="Noteworthy Bold" charset="0"/>
-                <a:cs typeface="Noteworthy Bold" charset="0"/>
-                <a:sym typeface="Noteworthy Bold" charset="0"/>
-              </a:rPr>
-              <a:t> 0	</a:t>
-            </a:r>
-          </a:p>
-          <a:p>
-            <a:r>
-              <a:rPr lang="de-DE" sz="2400" b="0" i="0" u="none" strike="noStrike" kern="1200" baseline="0" dirty="0" smtClean="0">
-                <a:solidFill>
-                  <a:srgbClr val="572E2D"/>
-                </a:solidFill>
-                <a:latin typeface="Noteworthy Bold" charset="0"/>
-                <a:ea typeface="Noteworthy Bold" charset="0"/>
-                <a:cs typeface="Noteworthy Bold" charset="0"/>
-                <a:sym typeface="Noteworthy Bold" charset="0"/>
-              </a:rPr>
-              <a:t>F2 </a:t>
-            </a:r>
-            <a:r>
-              <a:rPr lang="de-DE" sz="2400" b="0" i="0" u="none" strike="noStrike" kern="1200" baseline="0" dirty="0" err="1" smtClean="0">
-                <a:solidFill>
-                  <a:srgbClr val="572E2D"/>
-                </a:solidFill>
-                <a:latin typeface="Noteworthy Bold" charset="0"/>
-                <a:ea typeface="Noteworthy Bold" charset="0"/>
-                <a:cs typeface="Noteworthy Bold" charset="0"/>
-                <a:sym typeface="Noteworthy Bold" charset="0"/>
-              </a:rPr>
-              <a:t>Vorserie</a:t>
-            </a:r>
-            <a:r>
-              <a:rPr lang="de-DE" sz="2400" b="0" i="0" u="none" strike="noStrike" kern="1200" baseline="0" dirty="0" smtClean="0">
-                <a:solidFill>
-                  <a:srgbClr val="572E2D"/>
-                </a:solidFill>
-                <a:latin typeface="Noteworthy Bold" charset="0"/>
-                <a:ea typeface="Noteworthy Bold" charset="0"/>
-                <a:cs typeface="Noteworthy Bold" charset="0"/>
-                <a:sym typeface="Noteworthy Bold" charset="0"/>
-              </a:rPr>
-              <a:t> 1	</a:t>
-            </a:r>
-          </a:p>
-          <a:p>
-            <a:r>
-              <a:rPr lang="de-DE" sz="2400" b="0" i="0" u="none" strike="noStrike" kern="1200" baseline="0" dirty="0" smtClean="0">
-                <a:solidFill>
-                  <a:srgbClr val="572E2D"/>
-                </a:solidFill>
-                <a:latin typeface="Noteworthy Bold" charset="0"/>
-                <a:ea typeface="Noteworthy Bold" charset="0"/>
-                <a:cs typeface="Noteworthy Bold" charset="0"/>
-                <a:sym typeface="Noteworthy Bold" charset="0"/>
-              </a:rPr>
-              <a:t>F2 </a:t>
-            </a:r>
-            <a:r>
-              <a:rPr lang="de-DE" sz="2400" b="0" i="0" u="none" strike="noStrike" kern="1200" baseline="0" dirty="0" err="1" smtClean="0">
-                <a:solidFill>
-                  <a:srgbClr val="572E2D"/>
-                </a:solidFill>
-                <a:latin typeface="Noteworthy Bold" charset="0"/>
-                <a:ea typeface="Noteworthy Bold" charset="0"/>
-                <a:cs typeface="Noteworthy Bold" charset="0"/>
-                <a:sym typeface="Noteworthy Bold" charset="0"/>
-              </a:rPr>
-              <a:t>Vorserie</a:t>
-            </a:r>
-            <a:r>
-              <a:rPr lang="de-DE" sz="2400" b="0" i="0" u="none" strike="noStrike" kern="1200" baseline="0" dirty="0" smtClean="0">
-                <a:solidFill>
-                  <a:srgbClr val="572E2D"/>
-                </a:solidFill>
-                <a:latin typeface="Noteworthy Bold" charset="0"/>
-                <a:ea typeface="Noteworthy Bold" charset="0"/>
-                <a:cs typeface="Noteworthy Bold" charset="0"/>
-                <a:sym typeface="Noteworthy Bold" charset="0"/>
-              </a:rPr>
-              <a:t> 2	</a:t>
-            </a:r>
-          </a:p>
-          <a:p>
-            <a:r>
-              <a:rPr lang="de-DE" sz="2400" b="0" i="0" u="none" strike="noStrike" kern="1200" baseline="0" dirty="0" smtClean="0">
-                <a:solidFill>
-                  <a:srgbClr val="572E2D"/>
-                </a:solidFill>
-                <a:latin typeface="Noteworthy Bold" charset="0"/>
-                <a:ea typeface="Noteworthy Bold" charset="0"/>
-                <a:cs typeface="Noteworthy Bold" charset="0"/>
-                <a:sym typeface="Noteworthy Bold" charset="0"/>
-              </a:rPr>
-              <a:t>F2 Anlaufproduktion	</a:t>
-            </a:r>
-          </a:p>
-          <a:p>
-            <a:r>
-              <a:rPr lang="de-DE" sz="2400" b="0" i="0" u="none" strike="noStrike" kern="1200" baseline="0" dirty="0" smtClean="0">
-                <a:solidFill>
-                  <a:srgbClr val="572E2D"/>
-                </a:solidFill>
-                <a:latin typeface="Noteworthy Bold" charset="0"/>
-                <a:ea typeface="Noteworthy Bold" charset="0"/>
-                <a:cs typeface="Noteworthy Bold" charset="0"/>
-                <a:sym typeface="Noteworthy Bold" charset="0"/>
-              </a:rPr>
-              <a:t>Wintererprobung mit BBG	</a:t>
-            </a:r>
-          </a:p>
-          <a:p>
-            <a:r>
-              <a:rPr lang="de-DE" sz="2400" b="0" i="0" u="none" strike="noStrike" kern="1200" baseline="0" dirty="0" smtClean="0">
-                <a:solidFill>
-                  <a:srgbClr val="572E2D"/>
-                </a:solidFill>
-                <a:latin typeface="Noteworthy Bold" charset="0"/>
-                <a:ea typeface="Noteworthy Bold" charset="0"/>
-                <a:cs typeface="Noteworthy Bold" charset="0"/>
-                <a:sym typeface="Noteworthy Bold" charset="0"/>
-              </a:rPr>
-              <a:t>Wintererprobung mit PVL	</a:t>
             </a:r>
           </a:p>
           <a:p>
@@ -3280,6 +2848,7 @@
               </a:rPr>
               <a:t>Projekt-Tafel</a:t>
             </a:r>
+            <a:endParaRPr lang="de-DE" sz="2400" dirty="0" smtClean="0"/>
           </a:p>
           <a:p>
             <a:r>
@@ -3319,23 +2888,6 @@
             </a:r>
           </a:p>
           <a:p>
-            <a:endParaRPr lang="de-DE" sz="2400" dirty="0" smtClean="0"/>
-          </a:p>
-          <a:p>
-            <a:r>
-              <a:rPr lang="de-DE" sz="2400" kern="1200" dirty="0" smtClean="0">
-                <a:solidFill>
-                  <a:srgbClr val="572E2D"/>
-                </a:solidFill>
-                <a:latin typeface="Noteworthy Bold" charset="0"/>
-                <a:ea typeface="Noteworthy Bold" charset="0"/>
-                <a:cs typeface="Noteworthy Bold" charset="0"/>
-                <a:sym typeface="Noteworthy Bold" charset="0"/>
-              </a:rPr>
-              <a:t>Ergebnis</a:t>
-            </a:r>
-          </a:p>
-          <a:p>
             <a:r>
               <a:rPr lang="de-DE" sz="2400" dirty="0" smtClean="0">
                 <a:solidFill>
@@ -3362,84 +2914,6 @@
                 <a:sym typeface="Gill Sans Light" charset="0"/>
               </a:rPr>
               <a:t>Strategie/Risiko/Marge</a:t>
-            </a:r>
-          </a:p>
-          <a:p>
-            <a:pPr marL="0" marR="0" indent="0" algn="l" defTabSz="457200" rtl="0" eaLnBrk="1" fontAlgn="base" latinLnBrk="0" hangingPunct="0">
-              <a:lnSpc>
-                <a:spcPts val="3500"/>
-              </a:lnSpc>
-              <a:spcBef>
-                <a:spcPct val="0"/>
-              </a:spcBef>
-              <a:spcAft>
-                <a:spcPct val="0"/>
-              </a:spcAft>
-              <a:buClrTx/>
-              <a:buSzTx/>
-              <a:buFontTx/>
-              <a:buNone/>
-              <a:tabLst/>
-              <a:defRPr/>
-            </a:pPr>
-            <a:r>
-              <a:rPr kumimoji="0" lang="de-DE" sz="2400" b="0" i="0" u="none" strike="noStrike" cap="none" normalizeH="0" baseline="0" dirty="0" smtClean="0">
-                <a:ln>
-                  <a:noFill/>
-                </a:ln>
-                <a:solidFill>
-                  <a:schemeClr val="bg2"/>
-                </a:solidFill>
-                <a:effectLst/>
-                <a:latin typeface="Gill Sans Light" charset="0"/>
-                <a:ea typeface="Gill Sans Light" charset="0"/>
-                <a:cs typeface="Gill Sans Light" charset="0"/>
-                <a:sym typeface="Gill Sans Light" charset="0"/>
-              </a:rPr>
-              <a:t>Strategie/Risiko/Volumen</a:t>
-            </a:r>
-          </a:p>
-          <a:p>
-            <a:pPr marL="0" marR="0" indent="0" algn="l" defTabSz="457200" rtl="0" eaLnBrk="1" fontAlgn="base" latinLnBrk="0" hangingPunct="0">
-              <a:lnSpc>
-                <a:spcPts val="3500"/>
-              </a:lnSpc>
-              <a:spcBef>
-                <a:spcPct val="0"/>
-              </a:spcBef>
-              <a:spcAft>
-                <a:spcPct val="0"/>
-              </a:spcAft>
-              <a:buClrTx/>
-              <a:buSzTx/>
-              <a:buFontTx/>
-              <a:buNone/>
-              <a:tabLst/>
-              <a:defRPr/>
-            </a:pPr>
-            <a:r>
-              <a:rPr lang="de-DE" sz="2400" dirty="0" smtClean="0">
-                <a:solidFill>
-                  <a:schemeClr val="bg2"/>
-                </a:solidFill>
-              </a:rPr>
-              <a:t>Komplexität</a:t>
-            </a:r>
-            <a:r>
-              <a:rPr kumimoji="0" lang="de-DE" sz="2400" b="0" i="0" u="none" strike="noStrike" cap="none" normalizeH="0" baseline="0" dirty="0" smtClean="0">
-                <a:ln>
-                  <a:noFill/>
-                </a:ln>
-                <a:solidFill>
-                  <a:schemeClr val="bg2"/>
-                </a:solidFill>
-                <a:effectLst/>
-                <a:latin typeface="Gill Sans Light" charset="0"/>
-                <a:ea typeface="Gill Sans Light" charset="0"/>
-                <a:cs typeface="Gill Sans Light" charset="0"/>
-                <a:sym typeface="Gill Sans Light" charset="0"/>
-              </a:rPr>
-              <a:t>/Risiko/Volumen</a:t>
             </a:r>
           </a:p>
           <a:p>
@@ -3458,6 +2932,46 @@
             </a:endParaRPr>
           </a:p>
           <a:p>
+            <a:r>
+              <a:rPr lang="de-DE" sz="2400" kern="1200" dirty="0" smtClean="0">
+                <a:solidFill>
+                  <a:srgbClr val="572E2D"/>
+                </a:solidFill>
+                <a:latin typeface="Noteworthy Bold" charset="0"/>
+                <a:ea typeface="Noteworthy Bold" charset="0"/>
+                <a:cs typeface="Noteworthy Bold" charset="0"/>
+                <a:sym typeface="Noteworthy Bold" charset="0"/>
+              </a:rPr>
+              <a:t>Übersicht Auslastung</a:t>
+            </a:r>
+          </a:p>
+          <a:p>
+            <a:r>
+              <a:rPr lang="de-DE" sz="2400" kern="1200" dirty="0" smtClean="0">
+                <a:solidFill>
+                  <a:srgbClr val="572E2D"/>
+                </a:solidFill>
+                <a:latin typeface="Noteworthy Bold" charset="0"/>
+                <a:ea typeface="Noteworthy Bold" charset="0"/>
+                <a:cs typeface="Noteworthy Bold" charset="0"/>
+                <a:sym typeface="Noteworthy Bold" charset="0"/>
+              </a:rPr>
+              <a:t>Details Unterauslastung</a:t>
+            </a:r>
+          </a:p>
+          <a:p>
+            <a:r>
+              <a:rPr lang="de-DE" sz="2400" kern="1200" dirty="0" smtClean="0">
+                <a:solidFill>
+                  <a:srgbClr val="572E2D"/>
+                </a:solidFill>
+                <a:latin typeface="Noteworthy Bold" charset="0"/>
+                <a:ea typeface="Noteworthy Bold" charset="0"/>
+                <a:cs typeface="Noteworthy Bold" charset="0"/>
+                <a:sym typeface="Noteworthy Bold" charset="0"/>
+              </a:rPr>
+              <a:t>Details Überauslastung</a:t>
+            </a:r>
             <a:endParaRPr kumimoji="0" lang="de-DE" sz="2400" b="0" i="0" u="none" strike="noStrike" cap="none" normalizeH="0" baseline="0" dirty="0" smtClean="0">
               <a:ln>
                 <a:noFill/>
@@ -3473,46 +2987,6 @@
             </a:endParaRPr>
           </a:p>
           <a:p>
-            <a:r>
-              <a:rPr lang="de-DE" sz="2400" kern="1200" dirty="0" smtClean="0">
-                <a:solidFill>
-                  <a:srgbClr val="572E2D"/>
-                </a:solidFill>
-                <a:latin typeface="Noteworthy Bold" charset="0"/>
-                <a:ea typeface="Noteworthy Bold" charset="0"/>
-                <a:cs typeface="Noteworthy Bold" charset="0"/>
-                <a:sym typeface="Noteworthy Bold" charset="0"/>
-              </a:rPr>
-              <a:t>Übersicht Auslastung</a:t>
-            </a:r>
-          </a:p>
-          <a:p>
-            <a:r>
-              <a:rPr lang="de-DE" sz="2400" kern="1200" dirty="0" smtClean="0">
-                <a:solidFill>
-                  <a:srgbClr val="572E2D"/>
-                </a:solidFill>
-                <a:latin typeface="Noteworthy Bold" charset="0"/>
-                <a:ea typeface="Noteworthy Bold" charset="0"/>
-                <a:cs typeface="Noteworthy Bold" charset="0"/>
-                <a:sym typeface="Noteworthy Bold" charset="0"/>
-              </a:rPr>
-              <a:t>Details Unterauslastung</a:t>
-            </a:r>
-          </a:p>
-          <a:p>
-            <a:r>
-              <a:rPr lang="de-DE" sz="2400" kern="1200" dirty="0" smtClean="0">
-                <a:solidFill>
-                  <a:srgbClr val="572E2D"/>
-                </a:solidFill>
-                <a:latin typeface="Noteworthy Bold" charset="0"/>
-                <a:ea typeface="Noteworthy Bold" charset="0"/>
-                <a:cs typeface="Noteworthy Bold" charset="0"/>
-                <a:sym typeface="Noteworthy Bold" charset="0"/>
-              </a:rPr>
-              <a:t>Details Überauslastung</a:t>
-            </a:r>
             <a:endParaRPr kumimoji="0" lang="de-DE" sz="2400" b="0" i="0" u="none" strike="noStrike" cap="none" normalizeH="0" baseline="0" dirty="0" smtClean="0">
               <a:ln>
                 <a:noFill/>
@@ -3544,6 +3018,175 @@
           </a:p>
           <a:p>
             <a:r>
+              <a:rPr kumimoji="0" lang="de-DE" sz="2400" b="0" i="0" u="none" strike="noStrike" cap="none" normalizeH="0" baseline="0" dirty="0" smtClean="0">
+                <a:ln>
+                  <a:noFill/>
+                </a:ln>
+                <a:solidFill>
+                  <a:schemeClr val="bg2"/>
+                </a:solidFill>
+                <a:effectLst/>
+                <a:latin typeface="Gill Sans Light" charset="0"/>
+                <a:ea typeface="Gill Sans Light" charset="0"/>
+                <a:cs typeface="Gill Sans Light" charset="0"/>
+                <a:sym typeface="Gill Sans Light" charset="0"/>
+              </a:rPr>
+              <a:t>Fortschritt Personalkosten </a:t>
+            </a:r>
+          </a:p>
+          <a:p>
+            <a:pPr marL="0" marR="0" indent="0" algn="l" defTabSz="457200" rtl="0" eaLnBrk="1" fontAlgn="base" latinLnBrk="0" hangingPunct="0">
+              <a:lnSpc>
+                <a:spcPts val="3500"/>
+              </a:lnSpc>
+              <a:spcBef>
+                <a:spcPct val="0"/>
+              </a:spcBef>
+              <a:spcAft>
+                <a:spcPct val="0"/>
+              </a:spcAft>
+              <a:buClrTx/>
+              <a:buSzTx/>
+              <a:buFontTx/>
+              <a:buNone/>
+              <a:tabLst/>
+              <a:defRPr/>
+            </a:pPr>
+            <a:r>
+              <a:rPr kumimoji="0" lang="de-DE" sz="2400" b="0" i="0" u="none" strike="noStrike" cap="none" normalizeH="0" baseline="0" dirty="0" smtClean="0">
+                <a:ln>
+                  <a:noFill/>
+                </a:ln>
+                <a:solidFill>
+                  <a:schemeClr val="bg2"/>
+                </a:solidFill>
+                <a:effectLst/>
+                <a:latin typeface="Gill Sans Light" charset="0"/>
+                <a:ea typeface="Gill Sans Light" charset="0"/>
+                <a:cs typeface="Gill Sans Light" charset="0"/>
+                <a:sym typeface="Gill Sans Light" charset="0"/>
+              </a:rPr>
+              <a:t>Fortschritt Sonstige Kosten</a:t>
+            </a:r>
+          </a:p>
+          <a:p>
+            <a:pPr marL="0" marR="0" indent="0" algn="l" defTabSz="457200" rtl="0" eaLnBrk="1" fontAlgn="base" latinLnBrk="0" hangingPunct="0">
+              <a:lnSpc>
+                <a:spcPts val="3500"/>
+              </a:lnSpc>
+              <a:spcBef>
+                <a:spcPct val="0"/>
+              </a:spcBef>
+              <a:spcAft>
+                <a:spcPct val="0"/>
+              </a:spcAft>
+              <a:buClrTx/>
+              <a:buSzTx/>
+              <a:buFontTx/>
+              <a:buNone/>
+              <a:tabLst/>
+              <a:defRPr/>
+            </a:pPr>
+            <a:r>
+              <a:rPr kumimoji="0" lang="de-DE" sz="2400" b="0" i="0" u="none" strike="noStrike" cap="none" normalizeH="0" baseline="0" dirty="0" smtClean="0">
+                <a:ln>
+                  <a:noFill/>
+                </a:ln>
+                <a:solidFill>
+                  <a:schemeClr val="bg2"/>
+                </a:solidFill>
+                <a:effectLst/>
+                <a:latin typeface="Gill Sans Light" charset="0"/>
+                <a:ea typeface="Gill Sans Light" charset="0"/>
+                <a:cs typeface="Gill Sans Light" charset="0"/>
+                <a:sym typeface="Gill Sans Light" charset="0"/>
+              </a:rPr>
+              <a:t>Fortschritt Gesamtkosten</a:t>
+            </a:r>
+          </a:p>
+          <a:p>
+            <a:pPr marL="0" marR="0" indent="0" algn="l" defTabSz="457200" rtl="0" eaLnBrk="1" fontAlgn="base" latinLnBrk="0" hangingPunct="0">
+              <a:lnSpc>
+                <a:spcPts val="3500"/>
+              </a:lnSpc>
+              <a:spcBef>
+                <a:spcPct val="0"/>
+              </a:spcBef>
+              <a:spcAft>
+                <a:spcPct val="0"/>
+              </a:spcAft>
+              <a:buClrTx/>
+              <a:buSzTx/>
+              <a:buFontTx/>
+              <a:buNone/>
+              <a:tabLst/>
+              <a:defRPr/>
+            </a:pPr>
+            <a:r>
+              <a:rPr kumimoji="0" lang="de-DE" sz="2400" b="0" i="0" u="none" strike="noStrike" cap="none" normalizeH="0" baseline="0" dirty="0" smtClean="0">
+                <a:ln>
+                  <a:noFill/>
+                </a:ln>
+                <a:solidFill>
+                  <a:schemeClr val="bg2"/>
+                </a:solidFill>
+                <a:effectLst/>
+                <a:latin typeface="Gill Sans Light" charset="0"/>
+                <a:ea typeface="Gill Sans Light" charset="0"/>
+                <a:cs typeface="Gill Sans Light" charset="0"/>
+                <a:sym typeface="Gill Sans Light" charset="0"/>
+              </a:rPr>
+              <a:t>Fortschritt Rolle(…)</a:t>
+            </a:r>
+          </a:p>
+          <a:p>
+            <a:pPr marL="0" marR="0" indent="0" algn="l" defTabSz="457200" rtl="0" eaLnBrk="1" fontAlgn="base" latinLnBrk="0" hangingPunct="0">
+              <a:lnSpc>
+                <a:spcPts val="3500"/>
+              </a:lnSpc>
+              <a:spcBef>
+                <a:spcPct val="0"/>
+              </a:spcBef>
+              <a:spcAft>
+                <a:spcPct val="0"/>
+              </a:spcAft>
+              <a:buClrTx/>
+              <a:buSzTx/>
+              <a:buFontTx/>
+              <a:buNone/>
+              <a:tabLst/>
+              <a:defRPr/>
+            </a:pPr>
+            <a:r>
+              <a:rPr kumimoji="0" lang="de-DE" sz="2400" b="0" i="0" u="none" strike="noStrike" cap="none" normalizeH="0" baseline="0" dirty="0" smtClean="0">
+                <a:ln>
+                  <a:noFill/>
+                </a:ln>
+                <a:solidFill>
+                  <a:schemeClr val="bg2"/>
+                </a:solidFill>
+                <a:effectLst/>
+                <a:latin typeface="Gill Sans Light" charset="0"/>
+                <a:ea typeface="Gill Sans Light" charset="0"/>
+                <a:cs typeface="Gill Sans Light" charset="0"/>
+                <a:sym typeface="Gill Sans Light" charset="0"/>
+              </a:rPr>
+              <a:t>Fortschritt Kostenart(…) </a:t>
+            </a:r>
+          </a:p>
+          <a:p>
+            <a:endParaRPr lang="de-DE" sz="2400" kern="1200" dirty="0" smtClean="0">
+              <a:solidFill>
+                <a:srgbClr val="572E2D"/>
+              </a:solidFill>
+              <a:latin typeface="Noteworthy Bold" charset="0"/>
+              <a:ea typeface="Noteworthy Bold" charset="0"/>
+              <a:cs typeface="Noteworthy Bold" charset="0"/>
+              <a:sym typeface="Noteworthy Bold" charset="0"/>
+            </a:endParaRPr>
+          </a:p>
+          <a:p>
+            <a:r>
               <a:rPr lang="de-DE" sz="2400" kern="1200" dirty="0" smtClean="0">
                 <a:solidFill>
                   <a:srgbClr val="572E2D"/>
@@ -3553,10 +3196,18 @@
                 <a:cs typeface="Noteworthy Bold" charset="0"/>
                 <a:sym typeface="Noteworthy Bold" charset="0"/>
               </a:rPr>
-              <a:t>Bisherige Zielerreichung</a:t>
-            </a:r>
-          </a:p>
-          <a:p>
+              <a:t>Stand:</a:t>
+            </a:r>
+          </a:p>
+          <a:p>
+            <a:r>
+              <a:rPr lang="de-DE" sz="2400" dirty="0" smtClean="0">
+                <a:solidFill>
+                  <a:schemeClr val="bg2"/>
+                </a:solidFill>
+              </a:rPr>
+              <a:t>Zeitraum</a:t>
+            </a:r>
             <a:r>
               <a:rPr lang="de-DE" sz="2400" kern="1200" dirty="0" smtClean="0">
                 <a:solidFill>
@@ -3567,8 +3218,249 @@
                 <a:cs typeface="Noteworthy Bold" charset="0"/>
                 <a:sym typeface="Noteworthy Bold" charset="0"/>
               </a:rPr>
-              <a:t>Prognose Zielerreichung</a:t>
-            </a:r>
+              <a:t>:</a:t>
+            </a:r>
+          </a:p>
+          <a:p>
+            <a:pPr marL="0" marR="0" indent="0" algn="l" defTabSz="457200" rtl="0" eaLnBrk="1" fontAlgn="base" latinLnBrk="0" hangingPunct="0">
+              <a:lnSpc>
+                <a:spcPts val="3500"/>
+              </a:lnSpc>
+              <a:spcBef>
+                <a:spcPct val="0"/>
+              </a:spcBef>
+              <a:spcAft>
+                <a:spcPct val="0"/>
+              </a:spcAft>
+              <a:buClrTx/>
+              <a:buSzTx/>
+              <a:buFontTx/>
+              <a:buNone/>
+              <a:tabLst/>
+              <a:defRPr/>
+            </a:pPr>
+            <a:r>
+              <a:rPr lang="de-DE" sz="2400" dirty="0" smtClean="0">
+                <a:solidFill>
+                  <a:schemeClr val="bg2"/>
+                </a:solidFill>
+                <a:sym typeface="Noteworthy Bold" charset="0"/>
+              </a:rPr>
+              <a:t>Phase (…)</a:t>
+            </a:r>
+          </a:p>
+          <a:p>
+            <a:pPr marL="0" marR="0" indent="0" algn="l" defTabSz="457200" rtl="0" eaLnBrk="1" fontAlgn="base" latinLnBrk="0" hangingPunct="0">
+              <a:lnSpc>
+                <a:spcPts val="3500"/>
+              </a:lnSpc>
+              <a:spcBef>
+                <a:spcPct val="0"/>
+              </a:spcBef>
+              <a:spcAft>
+                <a:spcPct val="0"/>
+              </a:spcAft>
+              <a:buClrTx/>
+              <a:buSzTx/>
+              <a:buFontTx/>
+              <a:buNone/>
+              <a:tabLst/>
+              <a:defRPr/>
+            </a:pPr>
+            <a:r>
+              <a:rPr lang="de-DE" sz="2400" dirty="0" smtClean="0">
+                <a:solidFill>
+                  <a:schemeClr val="bg2"/>
+                </a:solidFill>
+                <a:sym typeface="Noteworthy Bold" charset="0"/>
+              </a:rPr>
+              <a:t>Rolle (…)</a:t>
+            </a:r>
+          </a:p>
+          <a:p>
+            <a:pPr marL="0" marR="0" indent="0" algn="l" defTabSz="457200" rtl="0" eaLnBrk="1" fontAlgn="base" latinLnBrk="0" hangingPunct="0">
+              <a:lnSpc>
+                <a:spcPts val="3500"/>
+              </a:lnSpc>
+              <a:spcBef>
+                <a:spcPct val="0"/>
+              </a:spcBef>
+              <a:spcAft>
+                <a:spcPct val="0"/>
+              </a:spcAft>
+              <a:buClrTx/>
+              <a:buSzTx/>
+              <a:buFontTx/>
+              <a:buNone/>
+              <a:tabLst/>
+              <a:defRPr/>
+            </a:pPr>
+            <a:r>
+              <a:rPr lang="de-DE" sz="2400" dirty="0" smtClean="0">
+                <a:solidFill>
+                  <a:schemeClr val="bg2"/>
+                </a:solidFill>
+                <a:sym typeface="Noteworthy Bold" charset="0"/>
+              </a:rPr>
+              <a:t>Kostenart (…)</a:t>
+            </a:r>
+          </a:p>
+        </p:txBody>
+      </p:sp>
+    </p:spTree>
+    <p:extLst>
+      <p:ext uri="{BB962C8B-B14F-4D97-AF65-F5344CB8AC3E}">
+        <p14:creationId xmlns:p14="http://schemas.microsoft.com/office/powerpoint/2010/main" val="1822032258"/>
+      </p:ext>
+    </p:extLst>
+  </p:cSld>
+  <p:clrMapOvr>
+    <a:masterClrMapping/>
+  </p:clrMapOvr>
+</p:notes>
+</file>
+
+<file path=ppt/notesSlides/notesSlide5.xml><?xml version="1.0" encoding="utf-8"?>
+<p:notes xmlns:a="http://schemas.openxmlformats.org/drawingml/2006/main" xmlns:r="http://schemas.openxmlformats.org/officeDocument/2006/relationships" xmlns:p="http://schemas.openxmlformats.org/presentationml/2006/main">
+  <p:cSld>
+    <p:spTree>
+      <p:nvGrpSpPr>
+        <p:cNvPr id="1" name=""/>
+        <p:cNvGrpSpPr/>
+        <p:nvPr/>
+      </p:nvGrpSpPr>
+      <p:grpSpPr>
+        <a:xfrm>
+          <a:off x="0" y="0"/>
+          <a:ext cx="0" cy="0"/>
+          <a:chOff x="0" y="0"/>
+          <a:chExt cx="0" cy="0"/>
+        </a:xfrm>
+      </p:grpSpPr>
+      <p:sp>
+        <p:nvSpPr>
+          <p:cNvPr id="2" name="Folienbildplatzhalter 1"/>
+          <p:cNvSpPr>
+            <a:spLocks noGrp="1" noRot="1" noChangeAspect="1"/>
+          </p:cNvSpPr>
+          <p:nvPr>
+            <p:ph type="sldImg"/>
+          </p:nvPr>
+        </p:nvSpPr>
+        <p:spPr/>
+      </p:sp>
+      <p:sp>
+        <p:nvSpPr>
+          <p:cNvPr id="3" name="Notizenplatzhalter 2"/>
+          <p:cNvSpPr>
+            <a:spLocks noGrp="1"/>
+          </p:cNvSpPr>
+          <p:nvPr>
+            <p:ph type="body" idx="1"/>
+          </p:nvPr>
+        </p:nvSpPr>
+        <p:spPr/>
+        <p:txBody>
+          <a:bodyPr/>
+          <a:lstStyle/>
+          <a:p>
+            <a:r>
+              <a:rPr lang="de-DE" sz="2400" dirty="0" smtClean="0"/>
+              <a:t>Portfolio-Name</a:t>
+            </a:r>
+          </a:p>
+          <a:p>
+            <a:r>
+              <a:rPr lang="de-DE" sz="2400" dirty="0" smtClean="0">
+                <a:solidFill>
+                  <a:schemeClr val="bg2"/>
+                </a:solidFill>
+              </a:rPr>
+              <a:t>Projekt-Tafel</a:t>
+            </a:r>
+            <a:endParaRPr lang="de-DE" sz="2400" dirty="0" smtClean="0"/>
+          </a:p>
+          <a:p>
+            <a:r>
+              <a:rPr lang="de-DE" sz="2400" dirty="0" smtClean="0">
+                <a:solidFill>
+                  <a:schemeClr val="bg2"/>
+                </a:solidFill>
+              </a:rPr>
+              <a:t>Projekt-Tafel(Milestones R)</a:t>
+            </a:r>
+          </a:p>
+          <a:p>
+            <a:pPr marL="0" marR="0" indent="0" algn="l" defTabSz="457200" rtl="0" eaLnBrk="1" fontAlgn="base" latinLnBrk="0" hangingPunct="0">
+              <a:lnSpc>
+                <a:spcPts val="3500"/>
+              </a:lnSpc>
+              <a:spcBef>
+                <a:spcPct val="0"/>
+              </a:spcBef>
+              <a:spcAft>
+                <a:spcPct val="0"/>
+              </a:spcAft>
+              <a:buClrTx/>
+              <a:buSzTx/>
+              <a:buFontTx/>
+              <a:buNone/>
+              <a:tabLst/>
+              <a:defRPr/>
+            </a:pPr>
+            <a:r>
+              <a:rPr lang="de-DE" sz="2400" dirty="0" smtClean="0">
+                <a:solidFill>
+                  <a:schemeClr val="bg2"/>
+                </a:solidFill>
+              </a:rPr>
+              <a:t>Projekt-Tafel(Milestones GR)</a:t>
+            </a:r>
+          </a:p>
+          <a:p>
+            <a:r>
+              <a:rPr lang="de-DE" sz="2400" kern="1200" dirty="0" smtClean="0">
+                <a:solidFill>
+                  <a:srgbClr val="572E2D"/>
+                </a:solidFill>
+                <a:latin typeface="Noteworthy Bold" charset="0"/>
+                <a:ea typeface="Noteworthy Bold" charset="0"/>
+                <a:cs typeface="Noteworthy Bold" charset="0"/>
+                <a:sym typeface="Noteworthy Bold" charset="0"/>
+              </a:rPr>
+              <a:t>Ergebnis</a:t>
+            </a:r>
+          </a:p>
+          <a:p>
+            <a:r>
+              <a:rPr lang="de-DE" sz="2400" dirty="0" smtClean="0">
+                <a:solidFill>
+                  <a:schemeClr val="bg2"/>
+                </a:solidFill>
+                <a:sym typeface="Noteworthy Bold" charset="0"/>
+              </a:rPr>
+              <a:t>Ergebnis Verbesserungspotential</a:t>
+            </a:r>
+          </a:p>
+          <a:p>
+            <a:r>
+              <a:rPr kumimoji="0" lang="de-DE" sz="2400" b="0" i="0" u="none" strike="noStrike" cap="none" normalizeH="0" baseline="0" dirty="0" smtClean="0">
+                <a:ln>
+                  <a:noFill/>
+                </a:ln>
+                <a:solidFill>
+                  <a:schemeClr val="bg2"/>
+                </a:solidFill>
+                <a:effectLst/>
+                <a:latin typeface="Gill Sans Light" charset="0"/>
+                <a:ea typeface="Gill Sans Light" charset="0"/>
+                <a:cs typeface="Gill Sans Light" charset="0"/>
+                <a:sym typeface="Gill Sans Light" charset="0"/>
+              </a:rPr>
+              <a:t>Strategie/Risiko/Marge</a:t>
+            </a:r>
+          </a:p>
+          <a:p>
             <a:endParaRPr kumimoji="0" lang="de-DE" sz="2400" b="0" i="0" u="none" strike="noStrike" cap="none" normalizeH="0" baseline="0" dirty="0" smtClean="0">
               <a:ln>
                 <a:noFill/>
@@ -3584,6 +3476,46 @@
             </a:endParaRPr>
           </a:p>
           <a:p>
+            <a:r>
+              <a:rPr lang="de-DE" sz="2400" kern="1200" dirty="0" smtClean="0">
+                <a:solidFill>
+                  <a:srgbClr val="572E2D"/>
+                </a:solidFill>
+                <a:latin typeface="Noteworthy Bold" charset="0"/>
+                <a:ea typeface="Noteworthy Bold" charset="0"/>
+                <a:cs typeface="Noteworthy Bold" charset="0"/>
+                <a:sym typeface="Noteworthy Bold" charset="0"/>
+              </a:rPr>
+              <a:t>Übersicht Auslastung</a:t>
+            </a:r>
+          </a:p>
+          <a:p>
+            <a:r>
+              <a:rPr lang="de-DE" sz="2400" kern="1200" dirty="0" smtClean="0">
+                <a:solidFill>
+                  <a:srgbClr val="572E2D"/>
+                </a:solidFill>
+                <a:latin typeface="Noteworthy Bold" charset="0"/>
+                <a:ea typeface="Noteworthy Bold" charset="0"/>
+                <a:cs typeface="Noteworthy Bold" charset="0"/>
+                <a:sym typeface="Noteworthy Bold" charset="0"/>
+              </a:rPr>
+              <a:t>Details Unterauslastung</a:t>
+            </a:r>
+          </a:p>
+          <a:p>
+            <a:r>
+              <a:rPr lang="de-DE" sz="2400" kern="1200" dirty="0" smtClean="0">
+                <a:solidFill>
+                  <a:srgbClr val="572E2D"/>
+                </a:solidFill>
+                <a:latin typeface="Noteworthy Bold" charset="0"/>
+                <a:ea typeface="Noteworthy Bold" charset="0"/>
+                <a:cs typeface="Noteworthy Bold" charset="0"/>
+                <a:sym typeface="Noteworthy Bold" charset="0"/>
+              </a:rPr>
+              <a:t>Details Überauslastung</a:t>
+            </a:r>
             <a:endParaRPr kumimoji="0" lang="de-DE" sz="2400" b="0" i="0" u="none" strike="noStrike" cap="none" normalizeH="0" baseline="0" dirty="0" smtClean="0">
               <a:ln>
                 <a:noFill/>
@@ -3599,6 +3531,36 @@
             </a:endParaRPr>
           </a:p>
           <a:p>
+            <a:endParaRPr kumimoji="0" lang="de-DE" sz="2400" b="0" i="0" u="none" strike="noStrike" cap="none" normalizeH="0" baseline="0" dirty="0" smtClean="0">
+              <a:ln>
+                <a:noFill/>
+              </a:ln>
+              <a:solidFill>
+                <a:schemeClr val="bg2"/>
+              </a:solidFill>
+              <a:effectLst/>
+              <a:latin typeface="Gill Sans Light" charset="0"/>
+              <a:ea typeface="Gill Sans Light" charset="0"/>
+              <a:cs typeface="Gill Sans Light" charset="0"/>
+              <a:sym typeface="Gill Sans Light" charset="0"/>
+            </a:endParaRPr>
+          </a:p>
+          <a:p>
+            <a:endParaRPr kumimoji="0" lang="de-DE" sz="2400" b="0" i="0" u="none" strike="noStrike" cap="none" normalizeH="0" baseline="0" dirty="0" smtClean="0">
+              <a:ln>
+                <a:noFill/>
+              </a:ln>
+              <a:solidFill>
+                <a:schemeClr val="bg2"/>
+              </a:solidFill>
+              <a:effectLst/>
+              <a:latin typeface="Gill Sans Light" charset="0"/>
+              <a:ea typeface="Gill Sans Light" charset="0"/>
+              <a:cs typeface="Gill Sans Light" charset="0"/>
+              <a:sym typeface="Gill Sans Light" charset="0"/>
+            </a:endParaRPr>
+          </a:p>
+          <a:p>
             <a:r>
               <a:rPr kumimoji="0" lang="de-DE" sz="2400" b="0" i="0" u="none" strike="noStrike" cap="none" normalizeH="0" baseline="0" dirty="0" smtClean="0">
                 <a:ln>
@@ -3887,6 +3849,91 @@
               <a:t>Kostenart (…)</a:t>
             </a:r>
           </a:p>
+        </p:txBody>
+      </p:sp>
+    </p:spTree>
+    <p:extLst>
+      <p:ext uri="{BB962C8B-B14F-4D97-AF65-F5344CB8AC3E}">
+        <p14:creationId xmlns:p14="http://schemas.microsoft.com/office/powerpoint/2010/main" val="1822032258"/>
+      </p:ext>
+    </p:extLst>
+  </p:cSld>
+  <p:clrMapOvr>
+    <a:masterClrMapping/>
+  </p:clrMapOvr>
+</p:notes>
+</file>
+
+<file path=ppt/notesSlides/notesSlide6.xml><?xml version="1.0" encoding="utf-8"?>
+<p:notes xmlns:a="http://schemas.openxmlformats.org/drawingml/2006/main" xmlns:r="http://schemas.openxmlformats.org/officeDocument/2006/relationships" xmlns:p="http://schemas.openxmlformats.org/presentationml/2006/main">
+  <p:cSld>
+    <p:spTree>
+      <p:nvGrpSpPr>
+        <p:cNvPr id="1" name=""/>
+        <p:cNvGrpSpPr/>
+        <p:nvPr/>
+      </p:nvGrpSpPr>
+      <p:grpSpPr>
+        <a:xfrm>
+          <a:off x="0" y="0"/>
+          <a:ext cx="0" cy="0"/>
+          <a:chOff x="0" y="0"/>
+          <a:chExt cx="0" cy="0"/>
+        </a:xfrm>
+      </p:grpSpPr>
+      <p:sp>
+        <p:nvSpPr>
+          <p:cNvPr id="2" name="Folienbildplatzhalter 1"/>
+          <p:cNvSpPr>
+            <a:spLocks noGrp="1" noRot="1" noChangeAspect="1"/>
+          </p:cNvSpPr>
+          <p:nvPr>
+            <p:ph type="sldImg"/>
+          </p:nvPr>
+        </p:nvSpPr>
+        <p:spPr/>
+      </p:sp>
+      <p:sp>
+        <p:nvSpPr>
+          <p:cNvPr id="3" name="Notizenplatzhalter 2"/>
+          <p:cNvSpPr>
+            <a:spLocks noGrp="1"/>
+          </p:cNvSpPr>
+          <p:nvPr>
+            <p:ph type="body" idx="1"/>
+          </p:nvPr>
+        </p:nvSpPr>
+        <p:spPr/>
+        <p:txBody>
+          <a:bodyPr/>
+          <a:lstStyle/>
+          <a:p>
+            <a:r>
+              <a:rPr lang="de-DE" sz="2400" dirty="0" smtClean="0"/>
+              <a:t>Portfolio-Name</a:t>
+            </a:r>
+          </a:p>
+          <a:p>
+            <a:r>
+              <a:rPr lang="de-DE" sz="2400" dirty="0" smtClean="0">
+                <a:solidFill>
+                  <a:schemeClr val="bg2"/>
+                </a:solidFill>
+              </a:rPr>
+              <a:t>Projekt-Tafel</a:t>
+            </a:r>
+            <a:endParaRPr lang="de-DE" sz="2400" dirty="0" smtClean="0"/>
+          </a:p>
+          <a:p>
+            <a:r>
+              <a:rPr lang="de-DE" sz="2400" dirty="0" smtClean="0">
+                <a:solidFill>
+                  <a:schemeClr val="bg2"/>
+                </a:solidFill>
+              </a:rPr>
+              <a:t>Projekt-Tafel(Milestones R)</a:t>
+            </a:r>
+          </a:p>
           <a:p>
             <a:pPr marL="0" marR="0" indent="0" algn="l" defTabSz="457200" rtl="0" eaLnBrk="1" fontAlgn="base" latinLnBrk="0" hangingPunct="0">
               <a:lnSpc>
@@ -3905,11 +3952,175 @@
               <a:tabLst/>
               <a:defRPr/>
             </a:pPr>
-            <a:endParaRPr lang="de-DE" sz="2400" dirty="0" smtClean="0">
+            <a:r>
+              <a:rPr lang="de-DE" sz="2400" dirty="0" smtClean="0">
+                <a:solidFill>
+                  <a:schemeClr val="bg2"/>
+                </a:solidFill>
+              </a:rPr>
+              <a:t>Projekt-Tafel(Milestones GR)</a:t>
+            </a:r>
+          </a:p>
+          <a:p>
+            <a:r>
+              <a:rPr lang="de-DE" sz="2400" kern="1200" dirty="0" smtClean="0">
+                <a:solidFill>
+                  <a:srgbClr val="572E2D"/>
+                </a:solidFill>
+                <a:latin typeface="Noteworthy Bold" charset="0"/>
+                <a:ea typeface="Noteworthy Bold" charset="0"/>
+                <a:cs typeface="Noteworthy Bold" charset="0"/>
+                <a:sym typeface="Noteworthy Bold" charset="0"/>
+              </a:rPr>
+              <a:t>Ergebnis</a:t>
+            </a:r>
+          </a:p>
+          <a:p>
+            <a:r>
+              <a:rPr lang="de-DE" sz="2400" dirty="0" smtClean="0">
+                <a:solidFill>
+                  <a:schemeClr val="bg2"/>
+                </a:solidFill>
+                <a:sym typeface="Noteworthy Bold" charset="0"/>
+              </a:rPr>
+              <a:t>Ergebnis Verbesserungspotential</a:t>
+            </a:r>
+          </a:p>
+          <a:p>
+            <a:r>
+              <a:rPr kumimoji="0" lang="de-DE" sz="2400" b="0" i="0" u="none" strike="noStrike" cap="none" normalizeH="0" baseline="0" dirty="0" smtClean="0">
+                <a:ln>
+                  <a:noFill/>
+                </a:ln>
+                <a:solidFill>
+                  <a:schemeClr val="bg2"/>
+                </a:solidFill>
+                <a:effectLst/>
+                <a:latin typeface="Gill Sans Light" charset="0"/>
+                <a:ea typeface="Gill Sans Light" charset="0"/>
+                <a:cs typeface="Gill Sans Light" charset="0"/>
+                <a:sym typeface="Gill Sans Light" charset="0"/>
+              </a:rPr>
+              <a:t>Strategie/Risiko/Marge</a:t>
+            </a:r>
+          </a:p>
+          <a:p>
+            <a:endParaRPr kumimoji="0" lang="de-DE" sz="2400" b="0" i="0" u="none" strike="noStrike" cap="none" normalizeH="0" baseline="0" dirty="0" smtClean="0">
+              <a:ln>
+                <a:noFill/>
+              </a:ln>
               <a:solidFill>
                 <a:schemeClr val="bg2"/>
               </a:solidFill>
+              <a:effectLst/>
+              <a:latin typeface="Gill Sans Light" charset="0"/>
+              <a:ea typeface="Gill Sans Light" charset="0"/>
+              <a:cs typeface="Gill Sans Light" charset="0"/>
+              <a:sym typeface="Gill Sans Light" charset="0"/>
             </a:endParaRPr>
+          </a:p>
+          <a:p>
+            <a:r>
+              <a:rPr lang="de-DE" sz="2400" kern="1200" dirty="0" smtClean="0">
+                <a:solidFill>
+                  <a:srgbClr val="572E2D"/>
+                </a:solidFill>
+                <a:latin typeface="Noteworthy Bold" charset="0"/>
+                <a:ea typeface="Noteworthy Bold" charset="0"/>
+                <a:cs typeface="Noteworthy Bold" charset="0"/>
+                <a:sym typeface="Noteworthy Bold" charset="0"/>
+              </a:rPr>
+              <a:t>Übersicht Auslastung</a:t>
+            </a:r>
+          </a:p>
+          <a:p>
+            <a:r>
+              <a:rPr lang="de-DE" sz="2400" kern="1200" dirty="0" smtClean="0">
+                <a:solidFill>
+                  <a:srgbClr val="572E2D"/>
+                </a:solidFill>
+                <a:latin typeface="Noteworthy Bold" charset="0"/>
+                <a:ea typeface="Noteworthy Bold" charset="0"/>
+                <a:cs typeface="Noteworthy Bold" charset="0"/>
+                <a:sym typeface="Noteworthy Bold" charset="0"/>
+              </a:rPr>
+              <a:t>Details Unterauslastung</a:t>
+            </a:r>
+          </a:p>
+          <a:p>
+            <a:r>
+              <a:rPr lang="de-DE" sz="2400" kern="1200" dirty="0" smtClean="0">
+                <a:solidFill>
+                  <a:srgbClr val="572E2D"/>
+                </a:solidFill>
+                <a:latin typeface="Noteworthy Bold" charset="0"/>
+                <a:ea typeface="Noteworthy Bold" charset="0"/>
+                <a:cs typeface="Noteworthy Bold" charset="0"/>
+                <a:sym typeface="Noteworthy Bold" charset="0"/>
+              </a:rPr>
+              <a:t>Details Überauslastung</a:t>
+            </a:r>
+            <a:endParaRPr kumimoji="0" lang="de-DE" sz="2400" b="0" i="0" u="none" strike="noStrike" cap="none" normalizeH="0" baseline="0" dirty="0" smtClean="0">
+              <a:ln>
+                <a:noFill/>
+              </a:ln>
+              <a:solidFill>
+                <a:schemeClr val="bg2"/>
+              </a:solidFill>
+              <a:effectLst/>
+              <a:latin typeface="Gill Sans Light" charset="0"/>
+              <a:ea typeface="Gill Sans Light" charset="0"/>
+              <a:cs typeface="Gill Sans Light" charset="0"/>
+              <a:sym typeface="Gill Sans Light" charset="0"/>
+            </a:endParaRPr>
+          </a:p>
+          <a:p>
+            <a:endParaRPr kumimoji="0" lang="de-DE" sz="2400" b="0" i="0" u="none" strike="noStrike" cap="none" normalizeH="0" baseline="0" dirty="0" smtClean="0">
+              <a:ln>
+                <a:noFill/>
+              </a:ln>
+              <a:solidFill>
+                <a:schemeClr val="bg2"/>
+              </a:solidFill>
+              <a:effectLst/>
+              <a:latin typeface="Gill Sans Light" charset="0"/>
+              <a:ea typeface="Gill Sans Light" charset="0"/>
+              <a:cs typeface="Gill Sans Light" charset="0"/>
+              <a:sym typeface="Gill Sans Light" charset="0"/>
+            </a:endParaRPr>
+          </a:p>
+          <a:p>
+            <a:endParaRPr kumimoji="0" lang="de-DE" sz="2400" b="0" i="0" u="none" strike="noStrike" cap="none" normalizeH="0" baseline="0" dirty="0" smtClean="0">
+              <a:ln>
+                <a:noFill/>
+              </a:ln>
+              <a:solidFill>
+                <a:schemeClr val="bg2"/>
+              </a:solidFill>
+              <a:effectLst/>
+              <a:latin typeface="Gill Sans Light" charset="0"/>
+              <a:ea typeface="Gill Sans Light" charset="0"/>
+              <a:cs typeface="Gill Sans Light" charset="0"/>
+              <a:sym typeface="Gill Sans Light" charset="0"/>
+            </a:endParaRPr>
+          </a:p>
+          <a:p>
+            <a:r>
+              <a:rPr kumimoji="0" lang="de-DE" sz="2400" b="0" i="0" u="none" strike="noStrike" cap="none" normalizeH="0" baseline="0" dirty="0" smtClean="0">
+                <a:ln>
+                  <a:noFill/>
+                </a:ln>
+                <a:solidFill>
+                  <a:schemeClr val="bg2"/>
+                </a:solidFill>
+                <a:effectLst/>
+                <a:latin typeface="Gill Sans Light" charset="0"/>
+                <a:ea typeface="Gill Sans Light" charset="0"/>
+                <a:cs typeface="Gill Sans Light" charset="0"/>
+                <a:sym typeface="Gill Sans Light" charset="0"/>
+              </a:rPr>
+              <a:t>Fortschritt Personalkosten </a:t>
+            </a:r>
           </a:p>
           <a:p>
             <a:pPr marL="0" marR="0" indent="0" algn="l" defTabSz="457200" rtl="0" eaLnBrk="1" fontAlgn="base" latinLnBrk="0" hangingPunct="0">
@@ -3929,11 +4140,22 @@
               <a:tabLst/>
               <a:defRPr/>
             </a:pPr>
-            <a:endParaRPr lang="de-DE" sz="2400" dirty="0" smtClean="0">
-              <a:solidFill>
-                <a:schemeClr val="bg2"/>
-              </a:solidFill>
-            </a:endParaRPr>
+            <a:r>
+              <a:rPr kumimoji="0" lang="de-DE" sz="2400" b="0" i="0" u="none" strike="noStrike" cap="none" normalizeH="0" baseline="0" dirty="0" smtClean="0">
+                <a:ln>
+                  <a:noFill/>
+                </a:ln>
+                <a:solidFill>
+                  <a:schemeClr val="bg2"/>
+                </a:solidFill>
+                <a:effectLst/>
+                <a:latin typeface="Gill Sans Light" charset="0"/>
+                <a:ea typeface="Gill Sans Light" charset="0"/>
+                <a:cs typeface="Gill Sans Light" charset="0"/>
+                <a:sym typeface="Gill Sans Light" charset="0"/>
+              </a:rPr>
+              <a:t>Fortschritt Sonstige Kosten</a:t>
+            </a:r>
           </a:p>
           <a:p>
             <a:pPr marL="0" marR="0" indent="0" algn="l" defTabSz="457200" rtl="0" eaLnBrk="1" fontAlgn="base" latinLnBrk="0" hangingPunct="0">
@@ -3954,717 +4176,93 @@
               <a:defRPr/>
             </a:pPr>
             <a:r>
-              <a:rPr lang="de-DE" sz="2400" dirty="0" smtClean="0">
-                <a:solidFill>
-                  <a:schemeClr val="bg2"/>
-                </a:solidFill>
-              </a:rPr>
-              <a:t>Phasen: </a:t>
-            </a:r>
-          </a:p>
-          <a:p>
-            <a:r>
-              <a:rPr lang="de-DE" sz="2400" b="0" i="0" u="none" strike="noStrike" kern="1200" dirty="0" smtClean="0">
-                <a:solidFill>
-                  <a:srgbClr val="572E2D"/>
+              <a:rPr kumimoji="0" lang="de-DE" sz="2400" b="0" i="0" u="none" strike="noStrike" cap="none" normalizeH="0" baseline="0" dirty="0" smtClean="0">
+                <a:ln>
+                  <a:noFill/>
+                </a:ln>
+                <a:solidFill>
+                  <a:schemeClr val="bg2"/>
                 </a:solidFill>
                 <a:effectLst/>
-                <a:latin typeface="Noteworthy Bold" charset="0"/>
-                <a:ea typeface="Noteworthy Bold" charset="0"/>
-                <a:cs typeface="Noteworthy Bold" charset="0"/>
-                <a:sym typeface="Noteworthy Bold" charset="0"/>
-              </a:rPr>
-              <a:t>DTK</a:t>
-            </a:r>
-            <a:r>
-              <a:rPr lang="de-DE" dirty="0" smtClean="0"/>
-              <a:t> </a:t>
-            </a:r>
-          </a:p>
-          <a:p>
-            <a:r>
-              <a:rPr lang="de-DE" sz="2400" b="0" i="0" u="none" strike="noStrike" kern="1200" dirty="0" smtClean="0">
-                <a:solidFill>
-                  <a:srgbClr val="572E2D"/>
+                <a:latin typeface="Gill Sans Light" charset="0"/>
+                <a:ea typeface="Gill Sans Light" charset="0"/>
+                <a:cs typeface="Gill Sans Light" charset="0"/>
+                <a:sym typeface="Gill Sans Light" charset="0"/>
+              </a:rPr>
+              <a:t>Fortschritt Gesamtkosten</a:t>
+            </a:r>
+          </a:p>
+          <a:p>
+            <a:pPr marL="0" marR="0" indent="0" algn="l" defTabSz="457200" rtl="0" eaLnBrk="1" fontAlgn="base" latinLnBrk="0" hangingPunct="0">
+              <a:lnSpc>
+                <a:spcPts val="3500"/>
+              </a:lnSpc>
+              <a:spcBef>
+                <a:spcPct val="0"/>
+              </a:spcBef>
+              <a:spcAft>
+                <a:spcPct val="0"/>
+              </a:spcAft>
+              <a:buClrTx/>
+              <a:buSzTx/>
+              <a:buFontTx/>
+              <a:buNone/>
+              <a:tabLst/>
+              <a:defRPr/>
+            </a:pPr>
+            <a:r>
+              <a:rPr kumimoji="0" lang="de-DE" sz="2400" b="0" i="0" u="none" strike="noStrike" cap="none" normalizeH="0" baseline="0" dirty="0" smtClean="0">
+                <a:ln>
+                  <a:noFill/>
+                </a:ln>
+                <a:solidFill>
+                  <a:schemeClr val="bg2"/>
                 </a:solidFill>
                 <a:effectLst/>
-                <a:latin typeface="Noteworthy Bold" charset="0"/>
-                <a:ea typeface="Noteworthy Bold" charset="0"/>
-                <a:cs typeface="Noteworthy Bold" charset="0"/>
-                <a:sym typeface="Noteworthy Bold" charset="0"/>
-              </a:rPr>
-              <a:t>TK</a:t>
-            </a:r>
-            <a:r>
-              <a:rPr lang="de-DE" dirty="0" smtClean="0"/>
-              <a:t> </a:t>
-            </a:r>
-          </a:p>
-          <a:p>
-            <a:r>
-              <a:rPr lang="de-DE" sz="2400" b="0" i="0" u="none" strike="noStrike" kern="1200" dirty="0" smtClean="0">
-                <a:solidFill>
-                  <a:srgbClr val="572E2D"/>
+                <a:latin typeface="Gill Sans Light" charset="0"/>
+                <a:ea typeface="Gill Sans Light" charset="0"/>
+                <a:cs typeface="Gill Sans Light" charset="0"/>
+                <a:sym typeface="Gill Sans Light" charset="0"/>
+              </a:rPr>
+              <a:t>Fortschritt Rolle(…)</a:t>
+            </a:r>
+          </a:p>
+          <a:p>
+            <a:pPr marL="0" marR="0" indent="0" algn="l" defTabSz="457200" rtl="0" eaLnBrk="1" fontAlgn="base" latinLnBrk="0" hangingPunct="0">
+              <a:lnSpc>
+                <a:spcPts val="3500"/>
+              </a:lnSpc>
+              <a:spcBef>
+                <a:spcPct val="0"/>
+              </a:spcBef>
+              <a:spcAft>
+                <a:spcPct val="0"/>
+              </a:spcAft>
+              <a:buClrTx/>
+              <a:buSzTx/>
+              <a:buFontTx/>
+              <a:buNone/>
+              <a:tabLst/>
+              <a:defRPr/>
+            </a:pPr>
+            <a:r>
+              <a:rPr kumimoji="0" lang="de-DE" sz="2400" b="0" i="0" u="none" strike="noStrike" cap="none" normalizeH="0" baseline="0" dirty="0" smtClean="0">
+                <a:ln>
+                  <a:noFill/>
+                </a:ln>
+                <a:solidFill>
+                  <a:schemeClr val="bg2"/>
                 </a:solidFill>
                 <a:effectLst/>
-                <a:latin typeface="Noteworthy Bold" charset="0"/>
-                <a:ea typeface="Noteworthy Bold" charset="0"/>
-                <a:cs typeface="Noteworthy Bold" charset="0"/>
-                <a:sym typeface="Noteworthy Bold" charset="0"/>
-              </a:rPr>
-              <a:t>SWZ</a:t>
-            </a:r>
-            <a:r>
-              <a:rPr lang="de-DE" dirty="0" smtClean="0"/>
-              <a:t> </a:t>
-            </a:r>
-          </a:p>
-          <a:p>
-            <a:r>
-              <a:rPr lang="de-DE" sz="2400" b="0" i="0" u="none" strike="noStrike" kern="1200" dirty="0" smtClean="0">
-                <a:solidFill>
-                  <a:srgbClr val="572E2D"/>
-                </a:solidFill>
-                <a:effectLst/>
-                <a:latin typeface="Noteworthy Bold" charset="0"/>
-                <a:ea typeface="Noteworthy Bold" charset="0"/>
-                <a:cs typeface="Noteworthy Bold" charset="0"/>
-                <a:sym typeface="Noteworthy Bold" charset="0"/>
-              </a:rPr>
-              <a:t>PPA</a:t>
-            </a:r>
-            <a:r>
-              <a:rPr lang="de-DE" dirty="0" smtClean="0"/>
-              <a:t> </a:t>
-            </a:r>
-          </a:p>
-          <a:p>
-            <a:r>
-              <a:rPr lang="de-DE" sz="2400" b="0" i="0" u="none" strike="noStrike" kern="1200" dirty="0" smtClean="0">
-                <a:solidFill>
-                  <a:srgbClr val="572E2D"/>
-                </a:solidFill>
-                <a:effectLst/>
-                <a:latin typeface="Noteworthy Bold" charset="0"/>
-                <a:ea typeface="Noteworthy Bold" charset="0"/>
-                <a:cs typeface="Noteworthy Bold" charset="0"/>
-                <a:sym typeface="Noteworthy Bold" charset="0"/>
-              </a:rPr>
-              <a:t>Simulation VBBG</a:t>
-            </a:r>
-            <a:r>
-              <a:rPr lang="de-DE" dirty="0" smtClean="0"/>
-              <a:t> </a:t>
-            </a:r>
-          </a:p>
-          <a:p>
-            <a:r>
-              <a:rPr lang="de-DE" sz="2400" b="0" i="0" u="none" strike="noStrike" kern="1200" dirty="0" smtClean="0">
-                <a:solidFill>
-                  <a:srgbClr val="572E2D"/>
-                </a:solidFill>
-                <a:effectLst/>
-                <a:latin typeface="Noteworthy Bold" charset="0"/>
-                <a:ea typeface="Noteworthy Bold" charset="0"/>
-                <a:cs typeface="Noteworthy Bold" charset="0"/>
-                <a:sym typeface="Noteworthy Bold" charset="0"/>
-              </a:rPr>
-              <a:t>VBBG</a:t>
-            </a:r>
-          </a:p>
-          <a:p>
-            <a:r>
-              <a:rPr lang="de-DE" sz="2400" b="0" i="0" u="none" strike="noStrike" kern="1200" dirty="0" smtClean="0">
-                <a:solidFill>
-                  <a:srgbClr val="572E2D"/>
-                </a:solidFill>
-                <a:effectLst/>
-                <a:latin typeface="Noteworthy Bold" charset="0"/>
-                <a:ea typeface="Noteworthy Bold" charset="0"/>
-                <a:cs typeface="Noteworthy Bold" charset="0"/>
-                <a:sym typeface="Noteworthy Bold" charset="0"/>
-              </a:rPr>
-              <a:t>BBG Karosseriebau FIZ</a:t>
-            </a:r>
-          </a:p>
-          <a:p>
-            <a:r>
-              <a:rPr lang="de-DE" sz="2400" b="0" i="0" u="none" strike="noStrike" kern="1200" dirty="0" smtClean="0">
-                <a:solidFill>
-                  <a:srgbClr val="572E2D"/>
-                </a:solidFill>
-                <a:effectLst/>
-                <a:latin typeface="Noteworthy Bold" charset="0"/>
-                <a:ea typeface="Noteworthy Bold" charset="0"/>
-                <a:cs typeface="Noteworthy Bold" charset="0"/>
-                <a:sym typeface="Noteworthy Bold" charset="0"/>
-              </a:rPr>
-              <a:t>BBG Montage FIZ</a:t>
-            </a:r>
-            <a:r>
-              <a:rPr lang="de-DE" dirty="0" smtClean="0"/>
-              <a:t> </a:t>
-            </a:r>
-          </a:p>
-          <a:p>
-            <a:r>
-              <a:rPr lang="de-DE" sz="2400" b="0" i="0" u="none" strike="noStrike" kern="1200" dirty="0" smtClean="0">
-                <a:solidFill>
-                  <a:srgbClr val="572E2D"/>
-                </a:solidFill>
-                <a:effectLst/>
-                <a:latin typeface="Noteworthy Bold" charset="0"/>
-                <a:ea typeface="Noteworthy Bold" charset="0"/>
-                <a:cs typeface="Noteworthy Bold" charset="0"/>
-                <a:sym typeface="Noteworthy Bold" charset="0"/>
-              </a:rPr>
-              <a:t>F2 </a:t>
-            </a:r>
-            <a:r>
-              <a:rPr lang="de-DE" sz="2400" b="0" i="0" u="none" strike="noStrike" kern="1200" dirty="0" err="1" smtClean="0">
-                <a:solidFill>
-                  <a:srgbClr val="572E2D"/>
-                </a:solidFill>
-                <a:effectLst/>
-                <a:latin typeface="Noteworthy Bold" charset="0"/>
-                <a:ea typeface="Noteworthy Bold" charset="0"/>
-                <a:cs typeface="Noteworthy Bold" charset="0"/>
-                <a:sym typeface="Noteworthy Bold" charset="0"/>
-              </a:rPr>
-              <a:t>Vorserie</a:t>
-            </a:r>
-            <a:r>
-              <a:rPr lang="de-DE" sz="2400" b="0" i="0" u="none" strike="noStrike" kern="1200" dirty="0" smtClean="0">
-                <a:solidFill>
-                  <a:srgbClr val="572E2D"/>
-                </a:solidFill>
-                <a:effectLst/>
-                <a:latin typeface="Noteworthy Bold" charset="0"/>
-                <a:ea typeface="Noteworthy Bold" charset="0"/>
-                <a:cs typeface="Noteworthy Bold" charset="0"/>
-                <a:sym typeface="Noteworthy Bold" charset="0"/>
-              </a:rPr>
-              <a:t> 0</a:t>
-            </a:r>
-            <a:r>
-              <a:rPr lang="de-DE" dirty="0" smtClean="0"/>
-              <a:t> </a:t>
-            </a:r>
-          </a:p>
-          <a:p>
-            <a:r>
-              <a:rPr lang="de-DE" sz="2400" b="0" i="0" u="none" strike="noStrike" kern="1200" dirty="0" smtClean="0">
-                <a:solidFill>
-                  <a:srgbClr val="572E2D"/>
-                </a:solidFill>
-                <a:effectLst/>
-                <a:latin typeface="Noteworthy Bold" charset="0"/>
-                <a:ea typeface="Noteworthy Bold" charset="0"/>
-                <a:cs typeface="Noteworthy Bold" charset="0"/>
-                <a:sym typeface="Noteworthy Bold" charset="0"/>
-              </a:rPr>
-              <a:t>F2 </a:t>
-            </a:r>
-            <a:r>
-              <a:rPr lang="de-DE" sz="2400" b="0" i="0" u="none" strike="noStrike" kern="1200" dirty="0" err="1" smtClean="0">
-                <a:solidFill>
-                  <a:srgbClr val="572E2D"/>
-                </a:solidFill>
-                <a:effectLst/>
-                <a:latin typeface="Noteworthy Bold" charset="0"/>
-                <a:ea typeface="Noteworthy Bold" charset="0"/>
-                <a:cs typeface="Noteworthy Bold" charset="0"/>
-                <a:sym typeface="Noteworthy Bold" charset="0"/>
-              </a:rPr>
-              <a:t>Vorserie</a:t>
-            </a:r>
-            <a:r>
-              <a:rPr lang="de-DE" sz="2400" b="0" i="0" u="none" strike="noStrike" kern="1200" dirty="0" smtClean="0">
-                <a:solidFill>
-                  <a:srgbClr val="572E2D"/>
-                </a:solidFill>
-                <a:effectLst/>
-                <a:latin typeface="Noteworthy Bold" charset="0"/>
-                <a:ea typeface="Noteworthy Bold" charset="0"/>
-                <a:cs typeface="Noteworthy Bold" charset="0"/>
-                <a:sym typeface="Noteworthy Bold" charset="0"/>
-              </a:rPr>
-              <a:t> 1</a:t>
-            </a:r>
-            <a:r>
-              <a:rPr lang="de-DE" dirty="0" smtClean="0"/>
-              <a:t> </a:t>
-            </a:r>
-          </a:p>
-          <a:p>
-            <a:r>
-              <a:rPr lang="de-DE" sz="2400" b="0" i="0" u="none" strike="noStrike" kern="1200" dirty="0" smtClean="0">
-                <a:solidFill>
-                  <a:srgbClr val="572E2D"/>
-                </a:solidFill>
-                <a:effectLst/>
-                <a:latin typeface="Noteworthy Bold" charset="0"/>
-                <a:ea typeface="Noteworthy Bold" charset="0"/>
-                <a:cs typeface="Noteworthy Bold" charset="0"/>
-                <a:sym typeface="Noteworthy Bold" charset="0"/>
-              </a:rPr>
-              <a:t>F2 </a:t>
-            </a:r>
-            <a:r>
-              <a:rPr lang="de-DE" sz="2400" b="0" i="0" u="none" strike="noStrike" kern="1200" dirty="0" err="1" smtClean="0">
-                <a:solidFill>
-                  <a:srgbClr val="572E2D"/>
-                </a:solidFill>
-                <a:effectLst/>
-                <a:latin typeface="Noteworthy Bold" charset="0"/>
-                <a:ea typeface="Noteworthy Bold" charset="0"/>
-                <a:cs typeface="Noteworthy Bold" charset="0"/>
-                <a:sym typeface="Noteworthy Bold" charset="0"/>
-              </a:rPr>
-              <a:t>Vorserie</a:t>
-            </a:r>
-            <a:r>
-              <a:rPr lang="de-DE" sz="2400" b="0" i="0" u="none" strike="noStrike" kern="1200" dirty="0" smtClean="0">
-                <a:solidFill>
-                  <a:srgbClr val="572E2D"/>
-                </a:solidFill>
-                <a:effectLst/>
-                <a:latin typeface="Noteworthy Bold" charset="0"/>
-                <a:ea typeface="Noteworthy Bold" charset="0"/>
-                <a:cs typeface="Noteworthy Bold" charset="0"/>
-                <a:sym typeface="Noteworthy Bold" charset="0"/>
-              </a:rPr>
-              <a:t> 2</a:t>
-            </a:r>
-            <a:r>
-              <a:rPr lang="de-DE" dirty="0" smtClean="0"/>
-              <a:t> </a:t>
-            </a:r>
-          </a:p>
-          <a:p>
-            <a:r>
-              <a:rPr lang="de-DE" sz="2400" b="0" i="0" u="none" strike="noStrike" kern="1200" dirty="0" smtClean="0">
-                <a:solidFill>
-                  <a:srgbClr val="572E2D"/>
-                </a:solidFill>
-                <a:effectLst/>
-                <a:latin typeface="Noteworthy Bold" charset="0"/>
-                <a:ea typeface="Noteworthy Bold" charset="0"/>
-                <a:cs typeface="Noteworthy Bold" charset="0"/>
-                <a:sym typeface="Noteworthy Bold" charset="0"/>
-              </a:rPr>
-              <a:t>F2 Anlaufproduktion</a:t>
-            </a:r>
-            <a:r>
-              <a:rPr lang="de-DE" dirty="0" smtClean="0"/>
-              <a:t> </a:t>
-            </a:r>
-          </a:p>
-          <a:p>
-            <a:r>
-              <a:rPr lang="de-DE" sz="2400" b="0" i="0" u="none" strike="noStrike" kern="1200" dirty="0" smtClean="0">
-                <a:solidFill>
-                  <a:srgbClr val="572E2D"/>
-                </a:solidFill>
-                <a:effectLst/>
-                <a:latin typeface="Noteworthy Bold" charset="0"/>
-                <a:ea typeface="Noteworthy Bold" charset="0"/>
-                <a:cs typeface="Noteworthy Bold" charset="0"/>
-                <a:sym typeface="Noteworthy Bold" charset="0"/>
-              </a:rPr>
-              <a:t>Wintererprobung mit BBG</a:t>
-            </a:r>
-            <a:r>
-              <a:rPr lang="de-DE" dirty="0" smtClean="0"/>
-              <a:t> </a:t>
-            </a:r>
-          </a:p>
-          <a:p>
-            <a:r>
-              <a:rPr lang="de-DE" sz="2400" b="0" i="0" u="none" strike="noStrike" kern="1200" dirty="0" smtClean="0">
-                <a:solidFill>
-                  <a:srgbClr val="572E2D"/>
-                </a:solidFill>
-                <a:effectLst/>
-                <a:latin typeface="Noteworthy Bold" charset="0"/>
-                <a:ea typeface="Noteworthy Bold" charset="0"/>
-                <a:cs typeface="Noteworthy Bold" charset="0"/>
-                <a:sym typeface="Noteworthy Bold" charset="0"/>
-              </a:rPr>
-              <a:t>Wintererprobung mit PVL</a:t>
-            </a:r>
-            <a:r>
-              <a:rPr lang="de-DE" dirty="0" smtClean="0"/>
-              <a:t> </a:t>
-            </a:r>
-          </a:p>
-          <a:p>
-            <a:r>
-              <a:rPr lang="de-DE" sz="2400" b="0" i="0" u="none" strike="noStrike" kern="1200" dirty="0" smtClean="0">
-                <a:solidFill>
-                  <a:srgbClr val="572E2D"/>
-                </a:solidFill>
-                <a:effectLst/>
-                <a:latin typeface="Noteworthy Bold" charset="0"/>
-                <a:ea typeface="Noteworthy Bold" charset="0"/>
-                <a:cs typeface="Noteworthy Bold" charset="0"/>
-                <a:sym typeface="Noteworthy Bold" charset="0"/>
-              </a:rPr>
-              <a:t>Projektphasen</a:t>
-            </a:r>
-            <a:r>
-              <a:rPr lang="de-DE" dirty="0" smtClean="0"/>
-              <a:t> </a:t>
-            </a:r>
-          </a:p>
-          <a:p>
-            <a:r>
-              <a:rPr lang="de-DE" sz="2400" b="0" i="0" u="none" strike="noStrike" kern="1200" dirty="0" smtClean="0">
-                <a:solidFill>
-                  <a:srgbClr val="572E2D"/>
-                </a:solidFill>
-                <a:effectLst/>
-                <a:latin typeface="Noteworthy Bold" charset="0"/>
-                <a:ea typeface="Noteworthy Bold" charset="0"/>
-                <a:cs typeface="Noteworthy Bold" charset="0"/>
-                <a:sym typeface="Noteworthy Bold" charset="0"/>
-              </a:rPr>
-              <a:t>Design</a:t>
-            </a:r>
-            <a:r>
-              <a:rPr lang="de-DE" dirty="0" smtClean="0"/>
-              <a:t> </a:t>
-            </a:r>
-          </a:p>
-          <a:p>
-            <a:r>
-              <a:rPr lang="de-DE" sz="2400" b="0" i="0" u="none" strike="noStrike" kern="1200" dirty="0" smtClean="0">
-                <a:solidFill>
-                  <a:srgbClr val="572E2D"/>
-                </a:solidFill>
-                <a:effectLst/>
-                <a:latin typeface="Noteworthy Bold" charset="0"/>
-                <a:ea typeface="Noteworthy Bold" charset="0"/>
-                <a:cs typeface="Noteworthy Bold" charset="0"/>
-                <a:sym typeface="Noteworthy Bold" charset="0"/>
-              </a:rPr>
-              <a:t>Bauphasen</a:t>
-            </a:r>
-            <a:r>
-              <a:rPr lang="de-DE" dirty="0" smtClean="0"/>
-              <a:t> </a:t>
-            </a:r>
-          </a:p>
-          <a:p>
-            <a:r>
-              <a:rPr lang="de-DE" sz="2400" b="0" i="0" u="none" strike="noStrike" kern="1200" dirty="0" smtClean="0">
-                <a:solidFill>
-                  <a:srgbClr val="572E2D"/>
-                </a:solidFill>
-                <a:effectLst/>
-                <a:latin typeface="Noteworthy Bold" charset="0"/>
-                <a:ea typeface="Noteworthy Bold" charset="0"/>
-                <a:cs typeface="Noteworthy Bold" charset="0"/>
-                <a:sym typeface="Noteworthy Bold" charset="0"/>
-              </a:rPr>
-              <a:t>Montage BBG</a:t>
-            </a:r>
-            <a:r>
-              <a:rPr lang="de-DE" dirty="0" smtClean="0"/>
-              <a:t> </a:t>
-            </a:r>
-          </a:p>
-          <a:p>
-            <a:r>
-              <a:rPr lang="de-DE" sz="2400" b="0" i="0" u="none" strike="noStrike" kern="1200" dirty="0" smtClean="0">
-                <a:solidFill>
-                  <a:srgbClr val="572E2D"/>
-                </a:solidFill>
-                <a:effectLst/>
-                <a:latin typeface="Noteworthy Bold" charset="0"/>
-                <a:ea typeface="Noteworthy Bold" charset="0"/>
-                <a:cs typeface="Noteworthy Bold" charset="0"/>
-                <a:sym typeface="Noteworthy Bold" charset="0"/>
-              </a:rPr>
-              <a:t>Montage VS</a:t>
-            </a:r>
-            <a:r>
-              <a:rPr lang="de-DE" dirty="0" smtClean="0"/>
-              <a:t> </a:t>
-            </a:r>
-          </a:p>
-          <a:p>
-            <a:r>
-              <a:rPr lang="de-DE" sz="2400" b="0" i="0" u="none" strike="noStrike" kern="1200" dirty="0" smtClean="0">
-                <a:solidFill>
-                  <a:srgbClr val="572E2D"/>
-                </a:solidFill>
-                <a:effectLst/>
-                <a:latin typeface="Noteworthy Bold" charset="0"/>
-                <a:ea typeface="Noteworthy Bold" charset="0"/>
-                <a:cs typeface="Noteworthy Bold" charset="0"/>
-                <a:sym typeface="Noteworthy Bold" charset="0"/>
-              </a:rPr>
-              <a:t>Montage KSP</a:t>
-            </a:r>
-            <a:r>
-              <a:rPr lang="de-DE" dirty="0" smtClean="0"/>
-              <a:t> </a:t>
-            </a:r>
-          </a:p>
-          <a:p>
-            <a:r>
-              <a:rPr lang="de-DE" sz="2400" b="0" i="0" u="none" strike="noStrike" kern="1200" dirty="0" smtClean="0">
-                <a:solidFill>
-                  <a:srgbClr val="572E2D"/>
-                </a:solidFill>
-                <a:effectLst/>
-                <a:latin typeface="Noteworthy Bold" charset="0"/>
-                <a:ea typeface="Noteworthy Bold" charset="0"/>
-                <a:cs typeface="Noteworthy Bold" charset="0"/>
-                <a:sym typeface="Noteworthy Bold" charset="0"/>
-              </a:rPr>
-              <a:t>Zusätzlicher Modulträger </a:t>
-            </a:r>
-          </a:p>
-          <a:p>
-            <a:r>
-              <a:rPr lang="de-DE" sz="2400" b="0" i="0" u="none" strike="noStrike" kern="1200" dirty="0" smtClean="0">
-                <a:solidFill>
-                  <a:srgbClr val="572E2D"/>
-                </a:solidFill>
-                <a:effectLst/>
-                <a:latin typeface="Noteworthy Bold" charset="0"/>
-                <a:ea typeface="Noteworthy Bold" charset="0"/>
-                <a:cs typeface="Noteworthy Bold" charset="0"/>
-                <a:sym typeface="Noteworthy Bold" charset="0"/>
-              </a:rPr>
-              <a:t>EA/EF</a:t>
-            </a:r>
-            <a:r>
-              <a:rPr lang="de-DE" dirty="0" smtClean="0"/>
-              <a:t> </a:t>
-            </a:r>
-            <a:r>
-              <a:rPr lang="de-DE" sz="2400" b="0" i="0" u="none" strike="noStrike" kern="1200" dirty="0" smtClean="0">
-                <a:solidFill>
-                  <a:srgbClr val="572E2D"/>
-                </a:solidFill>
-                <a:effectLst/>
-                <a:latin typeface="Noteworthy Bold" charset="0"/>
-                <a:ea typeface="Noteworthy Bold" charset="0"/>
-                <a:cs typeface="Noteworthy Bold" charset="0"/>
-                <a:sym typeface="Noteworthy Bold" charset="0"/>
-              </a:rPr>
-              <a:t>Rückläufer Modulträger</a:t>
-            </a:r>
-            <a:r>
-              <a:rPr lang="de-DE" dirty="0" smtClean="0"/>
-              <a:t> </a:t>
-            </a:r>
-          </a:p>
-          <a:p>
-            <a:r>
-              <a:rPr lang="de-DE" sz="2400" b="0" i="0" u="none" strike="noStrike" kern="1200" dirty="0" err="1" smtClean="0">
-                <a:solidFill>
-                  <a:srgbClr val="572E2D"/>
-                </a:solidFill>
-                <a:effectLst/>
-                <a:latin typeface="Noteworthy Bold" charset="0"/>
-                <a:ea typeface="Noteworthy Bold" charset="0"/>
-                <a:cs typeface="Noteworthy Bold" charset="0"/>
-                <a:sym typeface="Noteworthy Bold" charset="0"/>
-              </a:rPr>
-              <a:t>Strukturerprober</a:t>
-            </a:r>
-            <a:r>
-              <a:rPr lang="de-DE" sz="2400" b="0" i="0" u="none" strike="noStrike" kern="1200" dirty="0" smtClean="0">
-                <a:solidFill>
-                  <a:srgbClr val="572E2D"/>
-                </a:solidFill>
-                <a:effectLst/>
-                <a:latin typeface="Noteworthy Bold" charset="0"/>
-                <a:ea typeface="Noteworthy Bold" charset="0"/>
-                <a:cs typeface="Noteworthy Bold" charset="0"/>
-                <a:sym typeface="Noteworthy Bold" charset="0"/>
-              </a:rPr>
-              <a:t> auf Basis BBG F45</a:t>
-            </a:r>
-            <a:r>
-              <a:rPr lang="de-DE" dirty="0" smtClean="0"/>
-              <a:t> </a:t>
-            </a:r>
-          </a:p>
-          <a:p>
-            <a:r>
-              <a:rPr lang="de-DE" sz="2400" b="0" i="0" u="none" strike="noStrike" kern="1200" dirty="0" smtClean="0">
-                <a:solidFill>
-                  <a:srgbClr val="572E2D"/>
-                </a:solidFill>
-                <a:effectLst/>
-                <a:latin typeface="Noteworthy Bold" charset="0"/>
-                <a:ea typeface="Noteworthy Bold" charset="0"/>
-                <a:cs typeface="Noteworthy Bold" charset="0"/>
-                <a:sym typeface="Noteworthy Bold" charset="0"/>
-              </a:rPr>
-              <a:t>Montage Modulträger</a:t>
-            </a:r>
-            <a:r>
-              <a:rPr lang="de-DE" dirty="0" smtClean="0"/>
-              <a:t> </a:t>
-            </a:r>
-          </a:p>
-          <a:p>
-            <a:r>
-              <a:rPr lang="de-DE" sz="2400" b="0" i="0" u="none" strike="noStrike" kern="1200" dirty="0" smtClean="0">
-                <a:solidFill>
-                  <a:srgbClr val="572E2D"/>
-                </a:solidFill>
-                <a:effectLst/>
-                <a:latin typeface="Noteworthy Bold" charset="0"/>
-                <a:ea typeface="Noteworthy Bold" charset="0"/>
-                <a:cs typeface="Noteworthy Bold" charset="0"/>
-                <a:sym typeface="Noteworthy Bold" charset="0"/>
-              </a:rPr>
-              <a:t>Montage PVL FIZ</a:t>
-            </a:r>
-            <a:r>
-              <a:rPr lang="de-DE" dirty="0" smtClean="0"/>
-              <a:t> </a:t>
-            </a:r>
-          </a:p>
-          <a:p>
-            <a:r>
-              <a:rPr lang="de-DE" sz="2400" b="0" i="0" u="none" strike="noStrike" kern="1200" dirty="0" smtClean="0">
-                <a:solidFill>
-                  <a:srgbClr val="572E2D"/>
-                </a:solidFill>
-                <a:effectLst/>
-                <a:latin typeface="Noteworthy Bold" charset="0"/>
-                <a:ea typeface="Noteworthy Bold" charset="0"/>
-                <a:cs typeface="Noteworthy Bold" charset="0"/>
-                <a:sym typeface="Noteworthy Bold" charset="0"/>
-              </a:rPr>
-              <a:t>Montage VS CN</a:t>
-            </a:r>
-            <a:r>
-              <a:rPr lang="de-DE" dirty="0" smtClean="0"/>
-              <a:t> </a:t>
-            </a:r>
-          </a:p>
-          <a:p>
-            <a:r>
-              <a:rPr lang="de-DE" sz="2400" b="0" i="0" u="none" strike="noStrike" kern="1200" dirty="0" smtClean="0">
-                <a:solidFill>
-                  <a:srgbClr val="572E2D"/>
-                </a:solidFill>
-                <a:effectLst/>
-                <a:latin typeface="Noteworthy Bold" charset="0"/>
-                <a:ea typeface="Noteworthy Bold" charset="0"/>
-                <a:cs typeface="Noteworthy Bold" charset="0"/>
-                <a:sym typeface="Noteworthy Bold" charset="0"/>
-              </a:rPr>
-              <a:t>Prozessvorläufer VS0</a:t>
-            </a:r>
-            <a:r>
-              <a:rPr lang="de-DE" dirty="0" smtClean="0"/>
-              <a:t> </a:t>
-            </a:r>
-          </a:p>
-          <a:p>
-            <a:r>
-              <a:rPr lang="de-DE" sz="2400" b="0" i="0" u="none" strike="noStrike" kern="1200" dirty="0" smtClean="0">
-                <a:solidFill>
-                  <a:srgbClr val="572E2D"/>
-                </a:solidFill>
-                <a:effectLst/>
-                <a:latin typeface="Noteworthy Bold" charset="0"/>
-                <a:ea typeface="Noteworthy Bold" charset="0"/>
-                <a:cs typeface="Noteworthy Bold" charset="0"/>
-                <a:sym typeface="Noteworthy Bold" charset="0"/>
-              </a:rPr>
-              <a:t>KSP 1</a:t>
-            </a:r>
-            <a:r>
-              <a:rPr lang="de-DE" dirty="0" smtClean="0"/>
-              <a:t> </a:t>
-            </a:r>
-          </a:p>
-          <a:p>
-            <a:r>
-              <a:rPr lang="de-DE" sz="2400" b="0" i="0" u="none" strike="noStrike" kern="1200" dirty="0" smtClean="0">
-                <a:solidFill>
-                  <a:srgbClr val="572E2D"/>
-                </a:solidFill>
-                <a:effectLst/>
-                <a:latin typeface="Noteworthy Bold" charset="0"/>
-                <a:ea typeface="Noteworthy Bold" charset="0"/>
-                <a:cs typeface="Noteworthy Bold" charset="0"/>
-                <a:sym typeface="Noteworthy Bold" charset="0"/>
-              </a:rPr>
-              <a:t>KSP 2</a:t>
-            </a:r>
-            <a:r>
-              <a:rPr lang="de-DE" dirty="0" smtClean="0"/>
-              <a:t> </a:t>
-            </a:r>
-          </a:p>
-          <a:p>
-            <a:r>
-              <a:rPr lang="de-DE" sz="2400" b="0" i="0" u="none" strike="noStrike" kern="1200" dirty="0" smtClean="0">
-                <a:solidFill>
-                  <a:srgbClr val="572E2D"/>
-                </a:solidFill>
-                <a:effectLst/>
-                <a:latin typeface="Noteworthy Bold" charset="0"/>
-                <a:ea typeface="Noteworthy Bold" charset="0"/>
-                <a:cs typeface="Noteworthy Bold" charset="0"/>
-                <a:sym typeface="Noteworthy Bold" charset="0"/>
-              </a:rPr>
-              <a:t>KSP 3</a:t>
-            </a:r>
-            <a:r>
-              <a:rPr lang="de-DE" dirty="0" smtClean="0"/>
-              <a:t> </a:t>
-            </a:r>
-          </a:p>
-          <a:p>
-            <a:r>
-              <a:rPr lang="de-DE" sz="2400" b="0" i="0" u="none" strike="noStrike" kern="1200" dirty="0" smtClean="0">
-                <a:solidFill>
-                  <a:srgbClr val="572E2D"/>
-                </a:solidFill>
-                <a:effectLst/>
-                <a:latin typeface="Noteworthy Bold" charset="0"/>
-                <a:ea typeface="Noteworthy Bold" charset="0"/>
-                <a:cs typeface="Noteworthy Bold" charset="0"/>
-                <a:sym typeface="Noteworthy Bold" charset="0"/>
-              </a:rPr>
-              <a:t>Montage BBG Pulk 1</a:t>
-            </a:r>
-            <a:r>
-              <a:rPr lang="de-DE" dirty="0" smtClean="0"/>
-              <a:t> </a:t>
-            </a:r>
-          </a:p>
-          <a:p>
-            <a:r>
-              <a:rPr lang="de-DE" sz="2400" b="0" i="0" u="none" strike="noStrike" kern="1200" dirty="0" smtClean="0">
-                <a:solidFill>
-                  <a:srgbClr val="572E2D"/>
-                </a:solidFill>
-                <a:effectLst/>
-                <a:latin typeface="Noteworthy Bold" charset="0"/>
-                <a:ea typeface="Noteworthy Bold" charset="0"/>
-                <a:cs typeface="Noteworthy Bold" charset="0"/>
-                <a:sym typeface="Noteworthy Bold" charset="0"/>
-              </a:rPr>
-              <a:t>Montage BBG Pulk 2</a:t>
-            </a:r>
-            <a:r>
-              <a:rPr lang="de-DE" dirty="0" smtClean="0"/>
-              <a:t> </a:t>
-            </a:r>
+                <a:latin typeface="Gill Sans Light" charset="0"/>
+                <a:ea typeface="Gill Sans Light" charset="0"/>
+                <a:cs typeface="Gill Sans Light" charset="0"/>
+                <a:sym typeface="Gill Sans Light" charset="0"/>
+              </a:rPr>
+              <a:t>Fortschritt Kostenart(…) </a:t>
+            </a:r>
+          </a:p>
+          <a:p>
             <a:endParaRPr lang="de-DE" sz="2400" kern="1200" dirty="0" smtClean="0">
               <a:solidFill>
                 <a:srgbClr val="572E2D"/>
@@ -4674,6 +4272,670 @@
               <a:cs typeface="Noteworthy Bold" charset="0"/>
               <a:sym typeface="Noteworthy Bold" charset="0"/>
             </a:endParaRPr>
+          </a:p>
+          <a:p>
+            <a:r>
+              <a:rPr lang="de-DE" sz="2400" kern="1200" dirty="0" smtClean="0">
+                <a:solidFill>
+                  <a:srgbClr val="572E2D"/>
+                </a:solidFill>
+                <a:latin typeface="Noteworthy Bold" charset="0"/>
+                <a:ea typeface="Noteworthy Bold" charset="0"/>
+                <a:cs typeface="Noteworthy Bold" charset="0"/>
+                <a:sym typeface="Noteworthy Bold" charset="0"/>
+              </a:rPr>
+              <a:t>Stand:</a:t>
+            </a:r>
+          </a:p>
+          <a:p>
+            <a:r>
+              <a:rPr lang="de-DE" sz="2400" dirty="0" smtClean="0">
+                <a:solidFill>
+                  <a:schemeClr val="bg2"/>
+                </a:solidFill>
+              </a:rPr>
+              <a:t>Zeitraum</a:t>
+            </a:r>
+            <a:r>
+              <a:rPr lang="de-DE" sz="2400" kern="1200" dirty="0" smtClean="0">
+                <a:solidFill>
+                  <a:srgbClr val="572E2D"/>
+                </a:solidFill>
+                <a:latin typeface="Noteworthy Bold" charset="0"/>
+                <a:ea typeface="Noteworthy Bold" charset="0"/>
+                <a:cs typeface="Noteworthy Bold" charset="0"/>
+                <a:sym typeface="Noteworthy Bold" charset="0"/>
+              </a:rPr>
+              <a:t>:</a:t>
+            </a:r>
+          </a:p>
+          <a:p>
+            <a:pPr marL="0" marR="0" indent="0" algn="l" defTabSz="457200" rtl="0" eaLnBrk="1" fontAlgn="base" latinLnBrk="0" hangingPunct="0">
+              <a:lnSpc>
+                <a:spcPts val="3500"/>
+              </a:lnSpc>
+              <a:spcBef>
+                <a:spcPct val="0"/>
+              </a:spcBef>
+              <a:spcAft>
+                <a:spcPct val="0"/>
+              </a:spcAft>
+              <a:buClrTx/>
+              <a:buSzTx/>
+              <a:buFontTx/>
+              <a:buNone/>
+              <a:tabLst/>
+              <a:defRPr/>
+            </a:pPr>
+            <a:r>
+              <a:rPr lang="de-DE" sz="2400" dirty="0" smtClean="0">
+                <a:solidFill>
+                  <a:schemeClr val="bg2"/>
+                </a:solidFill>
+                <a:sym typeface="Noteworthy Bold" charset="0"/>
+              </a:rPr>
+              <a:t>Phase (…)</a:t>
+            </a:r>
+          </a:p>
+          <a:p>
+            <a:pPr marL="0" marR="0" indent="0" algn="l" defTabSz="457200" rtl="0" eaLnBrk="1" fontAlgn="base" latinLnBrk="0" hangingPunct="0">
+              <a:lnSpc>
+                <a:spcPts val="3500"/>
+              </a:lnSpc>
+              <a:spcBef>
+                <a:spcPct val="0"/>
+              </a:spcBef>
+              <a:spcAft>
+                <a:spcPct val="0"/>
+              </a:spcAft>
+              <a:buClrTx/>
+              <a:buSzTx/>
+              <a:buFontTx/>
+              <a:buNone/>
+              <a:tabLst/>
+              <a:defRPr/>
+            </a:pPr>
+            <a:r>
+              <a:rPr lang="de-DE" sz="2400" dirty="0" smtClean="0">
+                <a:solidFill>
+                  <a:schemeClr val="bg2"/>
+                </a:solidFill>
+                <a:sym typeface="Noteworthy Bold" charset="0"/>
+              </a:rPr>
+              <a:t>Rolle (…)</a:t>
+            </a:r>
+          </a:p>
+          <a:p>
+            <a:pPr marL="0" marR="0" indent="0" algn="l" defTabSz="457200" rtl="0" eaLnBrk="1" fontAlgn="base" latinLnBrk="0" hangingPunct="0">
+              <a:lnSpc>
+                <a:spcPts val="3500"/>
+              </a:lnSpc>
+              <a:spcBef>
+                <a:spcPct val="0"/>
+              </a:spcBef>
+              <a:spcAft>
+                <a:spcPct val="0"/>
+              </a:spcAft>
+              <a:buClrTx/>
+              <a:buSzTx/>
+              <a:buFontTx/>
+              <a:buNone/>
+              <a:tabLst/>
+              <a:defRPr/>
+            </a:pPr>
+            <a:r>
+              <a:rPr lang="de-DE" sz="2400" dirty="0" smtClean="0">
+                <a:solidFill>
+                  <a:schemeClr val="bg2"/>
+                </a:solidFill>
+                <a:sym typeface="Noteworthy Bold" charset="0"/>
+              </a:rPr>
+              <a:t>Kostenart (…)</a:t>
+            </a:r>
+          </a:p>
+        </p:txBody>
+      </p:sp>
+    </p:spTree>
+    <p:extLst>
+      <p:ext uri="{BB962C8B-B14F-4D97-AF65-F5344CB8AC3E}">
+        <p14:creationId xmlns:p14="http://schemas.microsoft.com/office/powerpoint/2010/main" val="1822032258"/>
+      </p:ext>
+    </p:extLst>
+  </p:cSld>
+  <p:clrMapOvr>
+    <a:masterClrMapping/>
+  </p:clrMapOvr>
+</p:notes>
+</file>
+
+<file path=ppt/notesSlides/notesSlide7.xml><?xml version="1.0" encoding="utf-8"?>
+<p:notes xmlns:a="http://schemas.openxmlformats.org/drawingml/2006/main" xmlns:r="http://schemas.openxmlformats.org/officeDocument/2006/relationships" xmlns:p="http://schemas.openxmlformats.org/presentationml/2006/main">
+  <p:cSld>
+    <p:spTree>
+      <p:nvGrpSpPr>
+        <p:cNvPr id="1" name=""/>
+        <p:cNvGrpSpPr/>
+        <p:nvPr/>
+      </p:nvGrpSpPr>
+      <p:grpSpPr>
+        <a:xfrm>
+          <a:off x="0" y="0"/>
+          <a:ext cx="0" cy="0"/>
+          <a:chOff x="0" y="0"/>
+          <a:chExt cx="0" cy="0"/>
+        </a:xfrm>
+      </p:grpSpPr>
+      <p:sp>
+        <p:nvSpPr>
+          <p:cNvPr id="2" name="Folienbildplatzhalter 1"/>
+          <p:cNvSpPr>
+            <a:spLocks noGrp="1" noRot="1" noChangeAspect="1"/>
+          </p:cNvSpPr>
+          <p:nvPr>
+            <p:ph type="sldImg"/>
+          </p:nvPr>
+        </p:nvSpPr>
+        <p:spPr/>
+      </p:sp>
+      <p:sp>
+        <p:nvSpPr>
+          <p:cNvPr id="3" name="Notizenplatzhalter 2"/>
+          <p:cNvSpPr>
+            <a:spLocks noGrp="1"/>
+          </p:cNvSpPr>
+          <p:nvPr>
+            <p:ph type="body" idx="1"/>
+          </p:nvPr>
+        </p:nvSpPr>
+        <p:spPr/>
+        <p:txBody>
+          <a:bodyPr/>
+          <a:lstStyle/>
+          <a:p>
+            <a:r>
+              <a:rPr lang="de-DE" sz="2400" dirty="0" smtClean="0"/>
+              <a:t>Portfolio-Name</a:t>
+            </a:r>
+          </a:p>
+          <a:p>
+            <a:r>
+              <a:rPr lang="de-DE" sz="2400" dirty="0" smtClean="0">
+                <a:solidFill>
+                  <a:schemeClr val="bg2"/>
+                </a:solidFill>
+              </a:rPr>
+              <a:t>Projekt-Tafel</a:t>
+            </a:r>
+            <a:endParaRPr lang="de-DE" sz="2400" dirty="0" smtClean="0"/>
+          </a:p>
+          <a:p>
+            <a:r>
+              <a:rPr lang="de-DE" sz="2400" dirty="0" smtClean="0">
+                <a:solidFill>
+                  <a:schemeClr val="bg2"/>
+                </a:solidFill>
+              </a:rPr>
+              <a:t>Projekt-Tafel(Milestones R)</a:t>
+            </a:r>
+          </a:p>
+          <a:p>
+            <a:pPr marL="0" marR="0" indent="0" algn="l" defTabSz="457200" rtl="0" eaLnBrk="1" fontAlgn="base" latinLnBrk="0" hangingPunct="0">
+              <a:lnSpc>
+                <a:spcPts val="3500"/>
+              </a:lnSpc>
+              <a:spcBef>
+                <a:spcPct val="0"/>
+              </a:spcBef>
+              <a:spcAft>
+                <a:spcPct val="0"/>
+              </a:spcAft>
+              <a:buClrTx/>
+              <a:buSzTx/>
+              <a:buFontTx/>
+              <a:buNone/>
+              <a:tabLst/>
+              <a:defRPr/>
+            </a:pPr>
+            <a:r>
+              <a:rPr lang="de-DE" sz="2400" dirty="0" smtClean="0">
+                <a:solidFill>
+                  <a:schemeClr val="bg2"/>
+                </a:solidFill>
+              </a:rPr>
+              <a:t>Projekt-Tafel(Milestones GR)</a:t>
+            </a:r>
+          </a:p>
+          <a:p>
+            <a:r>
+              <a:rPr lang="de-DE" sz="2400" kern="1200" dirty="0" smtClean="0">
+                <a:solidFill>
+                  <a:srgbClr val="572E2D"/>
+                </a:solidFill>
+                <a:latin typeface="Noteworthy Bold" charset="0"/>
+                <a:ea typeface="Noteworthy Bold" charset="0"/>
+                <a:cs typeface="Noteworthy Bold" charset="0"/>
+                <a:sym typeface="Noteworthy Bold" charset="0"/>
+              </a:rPr>
+              <a:t>Ergebnis</a:t>
+            </a:r>
+          </a:p>
+          <a:p>
+            <a:r>
+              <a:rPr lang="de-DE" sz="2400" dirty="0" smtClean="0">
+                <a:solidFill>
+                  <a:schemeClr val="bg2"/>
+                </a:solidFill>
+                <a:sym typeface="Noteworthy Bold" charset="0"/>
+              </a:rPr>
+              <a:t>Ergebnis Verbesserungspotential</a:t>
+            </a:r>
+          </a:p>
+          <a:p>
+            <a:r>
+              <a:rPr kumimoji="0" lang="de-DE" sz="2400" b="0" i="0" u="none" strike="noStrike" cap="none" normalizeH="0" baseline="0" dirty="0" smtClean="0">
+                <a:ln>
+                  <a:noFill/>
+                </a:ln>
+                <a:solidFill>
+                  <a:schemeClr val="bg2"/>
+                </a:solidFill>
+                <a:effectLst/>
+                <a:latin typeface="Gill Sans Light" charset="0"/>
+                <a:ea typeface="Gill Sans Light" charset="0"/>
+                <a:cs typeface="Gill Sans Light" charset="0"/>
+                <a:sym typeface="Gill Sans Light" charset="0"/>
+              </a:rPr>
+              <a:t>Strategie/Risiko/Marge</a:t>
+            </a:r>
+          </a:p>
+          <a:p>
+            <a:endParaRPr kumimoji="0" lang="de-DE" sz="2400" b="0" i="0" u="none" strike="noStrike" cap="none" normalizeH="0" baseline="0" dirty="0" smtClean="0">
+              <a:ln>
+                <a:noFill/>
+              </a:ln>
+              <a:solidFill>
+                <a:schemeClr val="bg2"/>
+              </a:solidFill>
+              <a:effectLst/>
+              <a:latin typeface="Gill Sans Light" charset="0"/>
+              <a:ea typeface="Gill Sans Light" charset="0"/>
+              <a:cs typeface="Gill Sans Light" charset="0"/>
+              <a:sym typeface="Gill Sans Light" charset="0"/>
+            </a:endParaRPr>
+          </a:p>
+          <a:p>
+            <a:r>
+              <a:rPr lang="de-DE" sz="2400" kern="1200" dirty="0" smtClean="0">
+                <a:solidFill>
+                  <a:srgbClr val="572E2D"/>
+                </a:solidFill>
+                <a:latin typeface="Noteworthy Bold" charset="0"/>
+                <a:ea typeface="Noteworthy Bold" charset="0"/>
+                <a:cs typeface="Noteworthy Bold" charset="0"/>
+                <a:sym typeface="Noteworthy Bold" charset="0"/>
+              </a:rPr>
+              <a:t>Übersicht Auslastung</a:t>
+            </a:r>
+          </a:p>
+          <a:p>
+            <a:r>
+              <a:rPr lang="de-DE" sz="2400" kern="1200" dirty="0" smtClean="0">
+                <a:solidFill>
+                  <a:srgbClr val="572E2D"/>
+                </a:solidFill>
+                <a:latin typeface="Noteworthy Bold" charset="0"/>
+                <a:ea typeface="Noteworthy Bold" charset="0"/>
+                <a:cs typeface="Noteworthy Bold" charset="0"/>
+                <a:sym typeface="Noteworthy Bold" charset="0"/>
+              </a:rPr>
+              <a:t>Details Unterauslastung</a:t>
+            </a:r>
+          </a:p>
+          <a:p>
+            <a:r>
+              <a:rPr lang="de-DE" sz="2400" kern="1200" dirty="0" smtClean="0">
+                <a:solidFill>
+                  <a:srgbClr val="572E2D"/>
+                </a:solidFill>
+                <a:latin typeface="Noteworthy Bold" charset="0"/>
+                <a:ea typeface="Noteworthy Bold" charset="0"/>
+                <a:cs typeface="Noteworthy Bold" charset="0"/>
+                <a:sym typeface="Noteworthy Bold" charset="0"/>
+              </a:rPr>
+              <a:t>Details Überauslastung</a:t>
+            </a:r>
+            <a:endParaRPr kumimoji="0" lang="de-DE" sz="2400" b="0" i="0" u="none" strike="noStrike" cap="none" normalizeH="0" baseline="0" dirty="0" smtClean="0">
+              <a:ln>
+                <a:noFill/>
+              </a:ln>
+              <a:solidFill>
+                <a:schemeClr val="bg2"/>
+              </a:solidFill>
+              <a:effectLst/>
+              <a:latin typeface="Gill Sans Light" charset="0"/>
+              <a:ea typeface="Gill Sans Light" charset="0"/>
+              <a:cs typeface="Gill Sans Light" charset="0"/>
+              <a:sym typeface="Gill Sans Light" charset="0"/>
+            </a:endParaRPr>
+          </a:p>
+          <a:p>
+            <a:endParaRPr kumimoji="0" lang="de-DE" sz="2400" b="0" i="0" u="none" strike="noStrike" cap="none" normalizeH="0" baseline="0" dirty="0" smtClean="0">
+              <a:ln>
+                <a:noFill/>
+              </a:ln>
+              <a:solidFill>
+                <a:schemeClr val="bg2"/>
+              </a:solidFill>
+              <a:effectLst/>
+              <a:latin typeface="Gill Sans Light" charset="0"/>
+              <a:ea typeface="Gill Sans Light" charset="0"/>
+              <a:cs typeface="Gill Sans Light" charset="0"/>
+              <a:sym typeface="Gill Sans Light" charset="0"/>
+            </a:endParaRPr>
+          </a:p>
+          <a:p>
+            <a:endParaRPr kumimoji="0" lang="de-DE" sz="2400" b="0" i="0" u="none" strike="noStrike" cap="none" normalizeH="0" baseline="0" dirty="0" smtClean="0">
+              <a:ln>
+                <a:noFill/>
+              </a:ln>
+              <a:solidFill>
+                <a:schemeClr val="bg2"/>
+              </a:solidFill>
+              <a:effectLst/>
+              <a:latin typeface="Gill Sans Light" charset="0"/>
+              <a:ea typeface="Gill Sans Light" charset="0"/>
+              <a:cs typeface="Gill Sans Light" charset="0"/>
+              <a:sym typeface="Gill Sans Light" charset="0"/>
+            </a:endParaRPr>
+          </a:p>
+          <a:p>
+            <a:r>
+              <a:rPr kumimoji="0" lang="de-DE" sz="2400" b="0" i="0" u="none" strike="noStrike" cap="none" normalizeH="0" baseline="0" dirty="0" smtClean="0">
+                <a:ln>
+                  <a:noFill/>
+                </a:ln>
+                <a:solidFill>
+                  <a:schemeClr val="bg2"/>
+                </a:solidFill>
+                <a:effectLst/>
+                <a:latin typeface="Gill Sans Light" charset="0"/>
+                <a:ea typeface="Gill Sans Light" charset="0"/>
+                <a:cs typeface="Gill Sans Light" charset="0"/>
+                <a:sym typeface="Gill Sans Light" charset="0"/>
+              </a:rPr>
+              <a:t>Fortschritt Personalkosten </a:t>
+            </a:r>
+          </a:p>
+          <a:p>
+            <a:pPr marL="0" marR="0" indent="0" algn="l" defTabSz="457200" rtl="0" eaLnBrk="1" fontAlgn="base" latinLnBrk="0" hangingPunct="0">
+              <a:lnSpc>
+                <a:spcPts val="3500"/>
+              </a:lnSpc>
+              <a:spcBef>
+                <a:spcPct val="0"/>
+              </a:spcBef>
+              <a:spcAft>
+                <a:spcPct val="0"/>
+              </a:spcAft>
+              <a:buClrTx/>
+              <a:buSzTx/>
+              <a:buFontTx/>
+              <a:buNone/>
+              <a:tabLst/>
+              <a:defRPr/>
+            </a:pPr>
+            <a:r>
+              <a:rPr kumimoji="0" lang="de-DE" sz="2400" b="0" i="0" u="none" strike="noStrike" cap="none" normalizeH="0" baseline="0" dirty="0" smtClean="0">
+                <a:ln>
+                  <a:noFill/>
+                </a:ln>
+                <a:solidFill>
+                  <a:schemeClr val="bg2"/>
+                </a:solidFill>
+                <a:effectLst/>
+                <a:latin typeface="Gill Sans Light" charset="0"/>
+                <a:ea typeface="Gill Sans Light" charset="0"/>
+                <a:cs typeface="Gill Sans Light" charset="0"/>
+                <a:sym typeface="Gill Sans Light" charset="0"/>
+              </a:rPr>
+              <a:t>Fortschritt Sonstige Kosten</a:t>
+            </a:r>
+          </a:p>
+          <a:p>
+            <a:pPr marL="0" marR="0" indent="0" algn="l" defTabSz="457200" rtl="0" eaLnBrk="1" fontAlgn="base" latinLnBrk="0" hangingPunct="0">
+              <a:lnSpc>
+                <a:spcPts val="3500"/>
+              </a:lnSpc>
+              <a:spcBef>
+                <a:spcPct val="0"/>
+              </a:spcBef>
+              <a:spcAft>
+                <a:spcPct val="0"/>
+              </a:spcAft>
+              <a:buClrTx/>
+              <a:buSzTx/>
+              <a:buFontTx/>
+              <a:buNone/>
+              <a:tabLst/>
+              <a:defRPr/>
+            </a:pPr>
+            <a:r>
+              <a:rPr kumimoji="0" lang="de-DE" sz="2400" b="0" i="0" u="none" strike="noStrike" cap="none" normalizeH="0" baseline="0" dirty="0" smtClean="0">
+                <a:ln>
+                  <a:noFill/>
+                </a:ln>
+                <a:solidFill>
+                  <a:schemeClr val="bg2"/>
+                </a:solidFill>
+                <a:effectLst/>
+                <a:latin typeface="Gill Sans Light" charset="0"/>
+                <a:ea typeface="Gill Sans Light" charset="0"/>
+                <a:cs typeface="Gill Sans Light" charset="0"/>
+                <a:sym typeface="Gill Sans Light" charset="0"/>
+              </a:rPr>
+              <a:t>Fortschritt Gesamtkosten</a:t>
+            </a:r>
+          </a:p>
+          <a:p>
+            <a:pPr marL="0" marR="0" indent="0" algn="l" defTabSz="457200" rtl="0" eaLnBrk="1" fontAlgn="base" latinLnBrk="0" hangingPunct="0">
+              <a:lnSpc>
+                <a:spcPts val="3500"/>
+              </a:lnSpc>
+              <a:spcBef>
+                <a:spcPct val="0"/>
+              </a:spcBef>
+              <a:spcAft>
+                <a:spcPct val="0"/>
+              </a:spcAft>
+              <a:buClrTx/>
+              <a:buSzTx/>
+              <a:buFontTx/>
+              <a:buNone/>
+              <a:tabLst/>
+              <a:defRPr/>
+            </a:pPr>
+            <a:r>
+              <a:rPr kumimoji="0" lang="de-DE" sz="2400" b="0" i="0" u="none" strike="noStrike" cap="none" normalizeH="0" baseline="0" dirty="0" smtClean="0">
+                <a:ln>
+                  <a:noFill/>
+                </a:ln>
+                <a:solidFill>
+                  <a:schemeClr val="bg2"/>
+                </a:solidFill>
+                <a:effectLst/>
+                <a:latin typeface="Gill Sans Light" charset="0"/>
+                <a:ea typeface="Gill Sans Light" charset="0"/>
+                <a:cs typeface="Gill Sans Light" charset="0"/>
+                <a:sym typeface="Gill Sans Light" charset="0"/>
+              </a:rPr>
+              <a:t>Fortschritt Rolle(…)</a:t>
+            </a:r>
+          </a:p>
+          <a:p>
+            <a:pPr marL="0" marR="0" indent="0" algn="l" defTabSz="457200" rtl="0" eaLnBrk="1" fontAlgn="base" latinLnBrk="0" hangingPunct="0">
+              <a:lnSpc>
+                <a:spcPts val="3500"/>
+              </a:lnSpc>
+              <a:spcBef>
+                <a:spcPct val="0"/>
+              </a:spcBef>
+              <a:spcAft>
+                <a:spcPct val="0"/>
+              </a:spcAft>
+              <a:buClrTx/>
+              <a:buSzTx/>
+              <a:buFontTx/>
+              <a:buNone/>
+              <a:tabLst/>
+              <a:defRPr/>
+            </a:pPr>
+            <a:r>
+              <a:rPr kumimoji="0" lang="de-DE" sz="2400" b="0" i="0" u="none" strike="noStrike" cap="none" normalizeH="0" baseline="0" dirty="0" smtClean="0">
+                <a:ln>
+                  <a:noFill/>
+                </a:ln>
+                <a:solidFill>
+                  <a:schemeClr val="bg2"/>
+                </a:solidFill>
+                <a:effectLst/>
+                <a:latin typeface="Gill Sans Light" charset="0"/>
+                <a:ea typeface="Gill Sans Light" charset="0"/>
+                <a:cs typeface="Gill Sans Light" charset="0"/>
+                <a:sym typeface="Gill Sans Light" charset="0"/>
+              </a:rPr>
+              <a:t>Fortschritt Kostenart(…) </a:t>
+            </a:r>
+          </a:p>
+          <a:p>
+            <a:endParaRPr lang="de-DE" sz="2400" kern="1200" dirty="0" smtClean="0">
+              <a:solidFill>
+                <a:srgbClr val="572E2D"/>
+              </a:solidFill>
+              <a:latin typeface="Noteworthy Bold" charset="0"/>
+              <a:ea typeface="Noteworthy Bold" charset="0"/>
+              <a:cs typeface="Noteworthy Bold" charset="0"/>
+              <a:sym typeface="Noteworthy Bold" charset="0"/>
+            </a:endParaRPr>
+          </a:p>
+          <a:p>
+            <a:r>
+              <a:rPr lang="de-DE" sz="2400" kern="1200" dirty="0" smtClean="0">
+                <a:solidFill>
+                  <a:srgbClr val="572E2D"/>
+                </a:solidFill>
+                <a:latin typeface="Noteworthy Bold" charset="0"/>
+                <a:ea typeface="Noteworthy Bold" charset="0"/>
+                <a:cs typeface="Noteworthy Bold" charset="0"/>
+                <a:sym typeface="Noteworthy Bold" charset="0"/>
+              </a:rPr>
+              <a:t>Stand:</a:t>
+            </a:r>
+          </a:p>
+          <a:p>
+            <a:r>
+              <a:rPr lang="de-DE" sz="2400" dirty="0" smtClean="0">
+                <a:solidFill>
+                  <a:schemeClr val="bg2"/>
+                </a:solidFill>
+              </a:rPr>
+              <a:t>Zeitraum</a:t>
+            </a:r>
+            <a:r>
+              <a:rPr lang="de-DE" sz="2400" kern="1200" dirty="0" smtClean="0">
+                <a:solidFill>
+                  <a:srgbClr val="572E2D"/>
+                </a:solidFill>
+                <a:latin typeface="Noteworthy Bold" charset="0"/>
+                <a:ea typeface="Noteworthy Bold" charset="0"/>
+                <a:cs typeface="Noteworthy Bold" charset="0"/>
+                <a:sym typeface="Noteworthy Bold" charset="0"/>
+              </a:rPr>
+              <a:t>:</a:t>
+            </a:r>
+          </a:p>
+          <a:p>
+            <a:pPr marL="0" marR="0" indent="0" algn="l" defTabSz="457200" rtl="0" eaLnBrk="1" fontAlgn="base" latinLnBrk="0" hangingPunct="0">
+              <a:lnSpc>
+                <a:spcPts val="3500"/>
+              </a:lnSpc>
+              <a:spcBef>
+                <a:spcPct val="0"/>
+              </a:spcBef>
+              <a:spcAft>
+                <a:spcPct val="0"/>
+              </a:spcAft>
+              <a:buClrTx/>
+              <a:buSzTx/>
+              <a:buFontTx/>
+              <a:buNone/>
+              <a:tabLst/>
+              <a:defRPr/>
+            </a:pPr>
+            <a:r>
+              <a:rPr lang="de-DE" sz="2400" dirty="0" smtClean="0">
+                <a:solidFill>
+                  <a:schemeClr val="bg2"/>
+                </a:solidFill>
+                <a:sym typeface="Noteworthy Bold" charset="0"/>
+              </a:rPr>
+              <a:t>Phase (…)</a:t>
+            </a:r>
+          </a:p>
+          <a:p>
+            <a:pPr marL="0" marR="0" indent="0" algn="l" defTabSz="457200" rtl="0" eaLnBrk="1" fontAlgn="base" latinLnBrk="0" hangingPunct="0">
+              <a:lnSpc>
+                <a:spcPts val="3500"/>
+              </a:lnSpc>
+              <a:spcBef>
+                <a:spcPct val="0"/>
+              </a:spcBef>
+              <a:spcAft>
+                <a:spcPct val="0"/>
+              </a:spcAft>
+              <a:buClrTx/>
+              <a:buSzTx/>
+              <a:buFontTx/>
+              <a:buNone/>
+              <a:tabLst/>
+              <a:defRPr/>
+            </a:pPr>
+            <a:r>
+              <a:rPr lang="de-DE" sz="2400" dirty="0" smtClean="0">
+                <a:solidFill>
+                  <a:schemeClr val="bg2"/>
+                </a:solidFill>
+                <a:sym typeface="Noteworthy Bold" charset="0"/>
+              </a:rPr>
+              <a:t>Rolle (…)</a:t>
+            </a:r>
+          </a:p>
+          <a:p>
+            <a:pPr marL="0" marR="0" indent="0" algn="l" defTabSz="457200" rtl="0" eaLnBrk="1" fontAlgn="base" latinLnBrk="0" hangingPunct="0">
+              <a:lnSpc>
+                <a:spcPts val="3500"/>
+              </a:lnSpc>
+              <a:spcBef>
+                <a:spcPct val="0"/>
+              </a:spcBef>
+              <a:spcAft>
+                <a:spcPct val="0"/>
+              </a:spcAft>
+              <a:buClrTx/>
+              <a:buSzTx/>
+              <a:buFontTx/>
+              <a:buNone/>
+              <a:tabLst/>
+              <a:defRPr/>
+            </a:pPr>
+            <a:r>
+              <a:rPr lang="de-DE" sz="2400" dirty="0" smtClean="0">
+                <a:solidFill>
+                  <a:schemeClr val="bg2"/>
+                </a:solidFill>
+                <a:sym typeface="Noteworthy Bold" charset="0"/>
+              </a:rPr>
+              <a:t>Kostenart (…)</a:t>
+            </a:r>
           </a:p>
         </p:txBody>
       </p:sp>
@@ -5743,7 +6005,7 @@
           <p:nvPr/>
         </p:nvPicPr>
         <p:blipFill>
-          <a:blip r:embed="rId3">
+          <a:blip r:embed="rId2">
             <a:extLst>
               <a:ext uri="{28A0092B-C50C-407E-A947-70E740481C1C}">
                 <a14:useLocalDpi xmlns:a14="http://schemas.microsoft.com/office/drawing/2010/main" val="0"/>
@@ -5859,7 +6121,7 @@
           <a:p>
             <a:r>
               <a:rPr lang="de-DE" sz="4400" dirty="0" smtClean="0"/>
-              <a:t>Übersicht Leistbarkeit</a:t>
+              <a:t>Aktueller Status der Projekte</a:t>
             </a:r>
             <a:endParaRPr lang="de-DE" dirty="0"/>
           </a:p>
@@ -6000,7 +6262,7 @@
         <p:spPr bwMode="auto">
           <a:xfrm>
             <a:off x="504000" y="1636440"/>
-            <a:ext cx="6502456" cy="6624256"/>
+            <a:ext cx="4140000" cy="6480720"/>
           </a:xfrm>
           <a:prstGeom prst="rect">
             <a:avLst/>
@@ -6043,79 +6305,24 @@
                   <a:schemeClr val="bg2"/>
                 </a:solidFill>
               </a:rPr>
-              <a:t>Projekt-Tafel Phasen</a:t>
-            </a:r>
-          </a:p>
-          <a:p>
+              <a:t>Projekt-Tafel(</a:t>
+            </a:r>
+            <a:r>
+              <a:rPr lang="de-DE" sz="2400" dirty="0">
+                <a:solidFill>
+                  <a:schemeClr val="bg2"/>
+                </a:solidFill>
+              </a:rPr>
+              <a:t>S</a:t>
+            </a:r>
             <a:r>
               <a:rPr lang="de-DE" sz="2400" dirty="0" smtClean="0">
                 <a:solidFill>
                   <a:schemeClr val="bg2"/>
                 </a:solidFill>
               </a:rPr>
-              <a:t>(</a:t>
-            </a:r>
-            <a:r>
-              <a:rPr lang="de-DE" sz="2400" dirty="0">
-                <a:solidFill>
-                  <a:srgbClr val="572E2D"/>
-                </a:solidFill>
-                <a:latin typeface="Noteworthy Bold" charset="0"/>
-                <a:ea typeface="Noteworthy Bold" charset="0"/>
-                <a:cs typeface="Noteworthy Bold" charset="0"/>
-                <a:sym typeface="Noteworthy Bold" charset="0"/>
-              </a:rPr>
-              <a:t>Montage BBG</a:t>
-            </a:r>
-            <a:r>
-              <a:rPr lang="de-DE" sz="2400" dirty="0" smtClean="0">
-                <a:solidFill>
-                  <a:schemeClr val="bg2"/>
-                </a:solidFill>
-              </a:rPr>
-              <a:t>#</a:t>
-            </a:r>
-            <a:endParaRPr lang="de-DE" sz="2400" dirty="0" smtClean="0">
-              <a:solidFill>
-                <a:schemeClr val="bg2"/>
-              </a:solidFill>
-            </a:endParaRPr>
-          </a:p>
-          <a:p>
-            <a:r>
-              <a:rPr lang="de-DE" sz="2400" dirty="0">
-                <a:solidFill>
-                  <a:srgbClr val="572E2D"/>
-                </a:solidFill>
-                <a:latin typeface="Noteworthy Bold" charset="0"/>
-                <a:ea typeface="Noteworthy Bold" charset="0"/>
-                <a:cs typeface="Noteworthy Bold" charset="0"/>
-                <a:sym typeface="Noteworthy Bold" charset="0"/>
-              </a:rPr>
-              <a:t>Montage VS</a:t>
-            </a:r>
-            <a:r>
-              <a:rPr lang="de-DE" sz="2400" dirty="0" smtClean="0">
-                <a:solidFill>
-                  <a:schemeClr val="bg2"/>
-                </a:solidFill>
-              </a:rPr>
-              <a:t>)</a:t>
-            </a:r>
-            <a:endParaRPr lang="de-DE" sz="2400" dirty="0" smtClean="0">
-              <a:solidFill>
-                <a:schemeClr val="bg2"/>
-              </a:solidFill>
-            </a:endParaRPr>
-          </a:p>
-          <a:p>
-            <a:endParaRPr lang="de-DE" sz="2400" dirty="0" smtClean="0">
-              <a:solidFill>
-                <a:schemeClr val="bg2"/>
-              </a:solidFill>
-            </a:endParaRPr>
-          </a:p>
-          <a:p>
+              <a:t>tatus)</a:t>
+            </a:r>
             <a:endParaRPr lang="de-DE" sz="2400" dirty="0">
               <a:solidFill>
                 <a:srgbClr val="572E2D"/>
@@ -6128,194 +6335,154 @@
           </a:p>
         </p:txBody>
       </p:sp>
-      <p:sp>
-        <p:nvSpPr>
-          <p:cNvPr id="11" name="Rechteck 10"/>
-          <p:cNvSpPr/>
-          <p:nvPr/>
-        </p:nvSpPr>
-        <p:spPr bwMode="auto">
-          <a:xfrm>
-            <a:off x="7222480" y="1636440"/>
-            <a:ext cx="5040000" cy="3240000"/>
-          </a:xfrm>
-          <a:prstGeom prst="rect">
-            <a:avLst/>
-          </a:prstGeom>
-          <a:solidFill>
-            <a:srgbClr val="FFFFFF"/>
-          </a:solidFill>
-          <a:ln w="38100" cap="flat" cmpd="sng" algn="ctr">
-            <a:solidFill>
-              <a:schemeClr val="accent1">
-                <a:lumMod val="75000"/>
-              </a:schemeClr>
-            </a:solidFill>
-            <a:prstDash val="solid"/>
-            <a:miter lim="0"/>
-            <a:headEnd type="none" w="med" len="med"/>
-            <a:tailEnd type="none" w="med" len="med"/>
-          </a:ln>
-          <a:effectLst>
-            <a:innerShdw blurRad="63500" dist="50800" dir="18900000">
-              <a:prstClr val="black">
-                <a:alpha val="50000"/>
-              </a:prstClr>
-            </a:innerShdw>
-            <a:softEdge rad="12700"/>
-          </a:effectLst>
-          <a:extLst/>
-        </p:spPr>
-        <p:txBody>
-          <a:bodyPr vert="horz" wrap="square" lIns="50800" tIns="50800" rIns="50800" bIns="50800" numCol="1" rtlCol="0" anchor="ctr" anchorCtr="0" compatLnSpc="1">
-            <a:prstTxWarp prst="textNoShape">
-              <a:avLst/>
-            </a:prstTxWarp>
-          </a:bodyPr>
-          <a:lstStyle/>
-          <a:p>
-            <a:pPr marL="342900"/>
-            <a:r>
-              <a:rPr lang="de-DE" sz="1400" dirty="0">
-                <a:solidFill>
-                  <a:schemeClr val="bg2"/>
-                </a:solidFill>
-                <a:sym typeface="Noteworthy Bold" charset="0"/>
-              </a:rPr>
-              <a:t>Phase </a:t>
-            </a:r>
-            <a:r>
-              <a:rPr lang="de-DE" sz="1400" dirty="0" smtClean="0">
-                <a:solidFill>
-                  <a:schemeClr val="bg2"/>
-                </a:solidFill>
-                <a:sym typeface="Noteworthy Bold" charset="0"/>
-              </a:rPr>
-              <a:t>(</a:t>
-            </a:r>
-            <a:r>
-              <a:rPr lang="de-DE" sz="1400" dirty="0">
-                <a:solidFill>
-                  <a:srgbClr val="572E2D"/>
-                </a:solidFill>
-                <a:latin typeface="Noteworthy Bold" charset="0"/>
-                <a:ea typeface="Noteworthy Bold" charset="0"/>
-                <a:cs typeface="Noteworthy Bold" charset="0"/>
-                <a:sym typeface="Noteworthy Bold" charset="0"/>
-              </a:rPr>
-              <a:t>Montage BBG</a:t>
-            </a:r>
-            <a:r>
-              <a:rPr lang="de-DE" sz="1400" dirty="0" smtClean="0">
-                <a:solidFill>
-                  <a:schemeClr val="bg2"/>
-                </a:solidFill>
-                <a:sym typeface="Noteworthy Bold" charset="0"/>
-              </a:rPr>
-              <a:t>)</a:t>
-            </a:r>
-            <a:endParaRPr lang="de-DE" sz="1400" dirty="0">
-              <a:solidFill>
-                <a:schemeClr val="bg2"/>
-              </a:solidFill>
-            </a:endParaRPr>
-          </a:p>
-        </p:txBody>
-      </p:sp>
-      <p:sp>
-        <p:nvSpPr>
-          <p:cNvPr id="13" name="Rechteck 12"/>
-          <p:cNvSpPr/>
-          <p:nvPr/>
-        </p:nvSpPr>
-        <p:spPr bwMode="auto">
-          <a:xfrm>
-            <a:off x="7210896" y="5021176"/>
-            <a:ext cx="5040000" cy="3240000"/>
-          </a:xfrm>
-          <a:prstGeom prst="rect">
-            <a:avLst/>
-          </a:prstGeom>
-          <a:solidFill>
-            <a:srgbClr val="FFFFFF"/>
-          </a:solidFill>
-          <a:ln w="38100" cap="flat" cmpd="sng" algn="ctr">
-            <a:solidFill>
-              <a:schemeClr val="accent1">
-                <a:lumMod val="75000"/>
-              </a:schemeClr>
-            </a:solidFill>
-            <a:prstDash val="solid"/>
-            <a:miter lim="0"/>
-            <a:headEnd type="none" w="med" len="med"/>
-            <a:tailEnd type="none" w="med" len="med"/>
-          </a:ln>
-          <a:effectLst>
-            <a:innerShdw blurRad="63500" dist="50800" dir="18900000">
-              <a:prstClr val="black">
-                <a:alpha val="50000"/>
-              </a:prstClr>
-            </a:innerShdw>
-            <a:softEdge rad="12700"/>
-          </a:effectLst>
-          <a:extLst/>
-        </p:spPr>
-        <p:txBody>
-          <a:bodyPr vert="horz" wrap="square" lIns="50800" tIns="50800" rIns="50800" bIns="50800" numCol="1" rtlCol="0" anchor="ctr" anchorCtr="0" compatLnSpc="1">
-            <a:prstTxWarp prst="textNoShape">
-              <a:avLst/>
-            </a:prstTxWarp>
-          </a:bodyPr>
-          <a:lstStyle/>
-          <a:p>
-            <a:pPr marL="342900"/>
-            <a:r>
-              <a:rPr lang="de-DE" sz="1400" dirty="0">
-                <a:solidFill>
-                  <a:schemeClr val="bg2"/>
-                </a:solidFill>
-                <a:sym typeface="Noteworthy Bold" charset="0"/>
-              </a:rPr>
-              <a:t>Phase </a:t>
-            </a:r>
-            <a:r>
-              <a:rPr lang="de-DE" sz="1400" dirty="0" smtClean="0">
-                <a:solidFill>
-                  <a:schemeClr val="bg2"/>
-                </a:solidFill>
-                <a:sym typeface="Noteworthy Bold" charset="0"/>
-              </a:rPr>
-              <a:t>(</a:t>
-            </a:r>
-            <a:r>
-              <a:rPr lang="de-DE" sz="1400" dirty="0">
-                <a:solidFill>
-                  <a:srgbClr val="572E2D"/>
-                </a:solidFill>
-                <a:latin typeface="Noteworthy Bold" charset="0"/>
-                <a:ea typeface="Noteworthy Bold" charset="0"/>
-                <a:cs typeface="Noteworthy Bold" charset="0"/>
-                <a:sym typeface="Noteworthy Bold" charset="0"/>
-              </a:rPr>
-              <a:t>Montage VS</a:t>
-            </a:r>
-            <a:r>
-              <a:rPr lang="de-DE" sz="1400" dirty="0" smtClean="0">
-                <a:solidFill>
-                  <a:schemeClr val="bg2"/>
-                </a:solidFill>
-                <a:sym typeface="Noteworthy Bold" charset="0"/>
-              </a:rPr>
-              <a:t>)</a:t>
-            </a:r>
-            <a:endParaRPr lang="de-DE" sz="1400" dirty="0">
-              <a:solidFill>
-                <a:schemeClr val="bg2"/>
-              </a:solidFill>
-            </a:endParaRPr>
-          </a:p>
-        </p:txBody>
-      </p:sp>
+      <p:graphicFrame>
+        <p:nvGraphicFramePr>
+          <p:cNvPr id="8" name="Shape3" title="Tabelle Projektstatus"/>
+          <p:cNvGraphicFramePr>
+            <a:graphicFrameLocks noGrp="1"/>
+          </p:cNvGraphicFramePr>
+          <p:nvPr>
+            <p:extLst>
+              <p:ext uri="{D42A27DB-BD31-4B8C-83A1-F6EECF244321}">
+                <p14:modId xmlns:p14="http://schemas.microsoft.com/office/powerpoint/2010/main" val="2928574937"/>
+              </p:ext>
+            </p:extLst>
+          </p:nvPr>
+        </p:nvGraphicFramePr>
+        <p:xfrm>
+          <a:off x="4824478" y="1636440"/>
+          <a:ext cx="7582578" cy="919480"/>
+        </p:xfrm>
+        <a:graphic>
+          <a:graphicData uri="http://schemas.openxmlformats.org/drawingml/2006/table">
+            <a:tbl>
+              <a:tblPr firstRow="1" bandRow="1">
+                <a:tableStyleId>{69012ECD-51FC-41F1-AA8D-1B2483CD663E}</a:tableStyleId>
+              </a:tblPr>
+              <a:tblGrid>
+                <a:gridCol w="381778"/>
+                <a:gridCol w="1224136"/>
+                <a:gridCol w="5976664"/>
+              </a:tblGrid>
+              <a:tr h="370840">
+                <a:tc>
+                  <a:txBody>
+                    <a:bodyPr/>
+                    <a:lstStyle/>
+                    <a:p>
+                      <a:endParaRPr lang="de-DE" sz="1600" dirty="0"/>
+                    </a:p>
+                  </a:txBody>
+                  <a:tcPr/>
+                </a:tc>
+                <a:tc>
+                  <a:txBody>
+                    <a:bodyPr/>
+                    <a:lstStyle/>
+                    <a:p>
+                      <a:r>
+                        <a:rPr lang="de-DE" sz="1600" dirty="0" smtClean="0"/>
+                        <a:t>Projekt</a:t>
+                      </a:r>
+                      <a:endParaRPr lang="de-DE" sz="1600" dirty="0"/>
+                    </a:p>
+                  </a:txBody>
+                  <a:tcPr/>
+                </a:tc>
+                <a:tc>
+                  <a:txBody>
+                    <a:bodyPr/>
+                    <a:lstStyle/>
+                    <a:p>
+                      <a:pPr marL="0" marR="0" indent="0" algn="l" defTabSz="914400" rtl="0" eaLnBrk="1" fontAlgn="auto" latinLnBrk="0" hangingPunct="1">
+                        <a:lnSpc>
+                          <a:spcPct val="100000"/>
+                        </a:lnSpc>
+                        <a:spcBef>
+                          <a:spcPts val="0"/>
+                        </a:spcBef>
+                        <a:spcAft>
+                          <a:spcPts val="0"/>
+                        </a:spcAft>
+                        <a:buClrTx/>
+                        <a:buSzTx/>
+                        <a:buFontTx/>
+                        <a:buNone/>
+                        <a:tabLst/>
+                        <a:defRPr/>
+                      </a:pPr>
+                      <a:r>
+                        <a:rPr lang="de-DE" sz="1600" dirty="0" smtClean="0"/>
+                        <a:t>Gesamt</a:t>
+                      </a:r>
+                      <a:r>
+                        <a:rPr lang="de-DE" sz="1600" baseline="0" dirty="0" smtClean="0"/>
+                        <a:t> Einschätzung Projektleitung</a:t>
+                      </a:r>
+                      <a:endParaRPr lang="de-DE" sz="1600" dirty="0" smtClean="0">
+                        <a:solidFill>
+                          <a:schemeClr val="bg2">
+                            <a:lumMod val="50000"/>
+                          </a:schemeClr>
+                        </a:solidFill>
+                      </a:endParaRPr>
+                    </a:p>
+                  </a:txBody>
+                  <a:tcPr/>
+                </a:tc>
+              </a:tr>
+              <a:tr h="370840">
+                <a:tc>
+                  <a:txBody>
+                    <a:bodyPr/>
+                    <a:lstStyle/>
+                    <a:p>
+                      <a:pPr marL="0" algn="l" defTabSz="914400" rtl="0" eaLnBrk="1" latinLnBrk="0" hangingPunct="1"/>
+                      <a:endParaRPr lang="de-DE" sz="1000" kern="1200" dirty="0">
+                        <a:solidFill>
+                          <a:schemeClr val="tx1"/>
+                        </a:solidFill>
+                        <a:latin typeface="+mn-lt"/>
+                        <a:ea typeface="+mn-ea"/>
+                        <a:cs typeface="+mn-cs"/>
+                      </a:endParaRPr>
+                    </a:p>
+                  </a:txBody>
+                  <a:tcPr/>
+                </a:tc>
+                <a:tc>
+                  <a:txBody>
+                    <a:bodyPr/>
+                    <a:lstStyle/>
+                    <a:p>
+                      <a:r>
+                        <a:rPr lang="de-DE" sz="1000" dirty="0" smtClean="0"/>
+                        <a:t>Entwicklung 5</a:t>
+                      </a:r>
+                      <a:endParaRPr lang="de-DE" sz="1000" dirty="0"/>
+                    </a:p>
+                  </a:txBody>
+                  <a:tcPr/>
+                </a:tc>
+                <a:tc>
+                  <a:txBody>
+                    <a:bodyPr/>
+                    <a:lstStyle/>
+                    <a:p>
+                      <a:r>
+                        <a:rPr lang="de-DE" sz="1000" dirty="0" smtClean="0"/>
+                        <a:t>es sind neue Anforderungen bezgl. Sicherheit dazugekommen - wir haben noch keinen Weg gefunden, die mit unser aktuellen Architektur zu leisten; es muss entschieden werden, ob die Anforderung in der Form bestehen bleiben muss </a:t>
+                      </a:r>
+                      <a:endParaRPr lang="de-DE" sz="1000" dirty="0"/>
+                    </a:p>
+                  </a:txBody>
+                  <a:tcPr/>
+                </a:tc>
+              </a:tr>
+            </a:tbl>
+          </a:graphicData>
+        </a:graphic>
+      </p:graphicFrame>
     </p:spTree>
     <p:extLst>
       <p:ext uri="{BB962C8B-B14F-4D97-AF65-F5344CB8AC3E}">
@@ -6365,6 +6532,861 @@
         </p:nvSpPr>
         <p:spPr>
           <a:xfrm>
+            <a:off x="650875" y="390525"/>
+            <a:ext cx="11703050" cy="1245915"/>
+          </a:xfrm>
+        </p:spPr>
+        <p:txBody>
+          <a:bodyPr/>
+          <a:lstStyle/>
+          <a:p>
+            <a:r>
+              <a:rPr lang="de-DE" sz="4400" dirty="0" smtClean="0"/>
+              <a:t>Status Ziele</a:t>
+            </a:r>
+            <a:endParaRPr lang="de-DE" dirty="0"/>
+          </a:p>
+        </p:txBody>
+      </p:sp>
+      <p:sp>
+        <p:nvSpPr>
+          <p:cNvPr id="10" name="Rechteck 9"/>
+          <p:cNvSpPr/>
+          <p:nvPr/>
+        </p:nvSpPr>
+        <p:spPr bwMode="auto">
+          <a:xfrm>
+            <a:off x="504000" y="9197280"/>
+            <a:ext cx="3478120" cy="340094"/>
+          </a:xfrm>
+          <a:prstGeom prst="rect">
+            <a:avLst/>
+          </a:prstGeom>
+          <a:solidFill>
+            <a:srgbClr val="FFFFFF"/>
+          </a:solidFill>
+          <a:ln w="38100" cap="flat" cmpd="sng" algn="ctr">
+            <a:solidFill>
+              <a:schemeClr val="accent1">
+                <a:lumMod val="75000"/>
+              </a:schemeClr>
+            </a:solidFill>
+            <a:prstDash val="solid"/>
+            <a:miter lim="0"/>
+            <a:headEnd type="none" w="med" len="med"/>
+            <a:tailEnd type="none" w="med" len="med"/>
+          </a:ln>
+          <a:effectLst>
+            <a:innerShdw blurRad="63500" dist="50800" dir="18900000">
+              <a:prstClr val="black">
+                <a:alpha val="50000"/>
+              </a:prstClr>
+            </a:innerShdw>
+            <a:softEdge rad="12700"/>
+          </a:effectLst>
+          <a:extLst/>
+        </p:spPr>
+        <p:txBody>
+          <a:bodyPr vert="horz" wrap="square" lIns="0" tIns="50800" rIns="50800" bIns="50800" numCol="1" rtlCol="0" anchor="ctr" anchorCtr="0" compatLnSpc="1">
+            <a:prstTxWarp prst="textNoShape">
+              <a:avLst/>
+            </a:prstTxWarp>
+          </a:bodyPr>
+          <a:lstStyle/>
+          <a:p>
+            <a:pPr marL="342900" algn="l"/>
+            <a:r>
+              <a:rPr lang="de-DE" sz="1400" dirty="0" smtClean="0">
+                <a:solidFill>
+                  <a:schemeClr val="bg2"/>
+                </a:solidFill>
+              </a:rPr>
+              <a:t>Stand:</a:t>
+            </a:r>
+            <a:endParaRPr lang="de-DE" sz="1400" dirty="0">
+              <a:solidFill>
+                <a:schemeClr val="bg2"/>
+              </a:solidFill>
+            </a:endParaRPr>
+          </a:p>
+        </p:txBody>
+      </p:sp>
+      <p:sp>
+        <p:nvSpPr>
+          <p:cNvPr id="15" name="Rechteck 14"/>
+          <p:cNvSpPr/>
+          <p:nvPr/>
+        </p:nvSpPr>
+        <p:spPr bwMode="auto">
+          <a:xfrm>
+            <a:off x="4824480" y="9197280"/>
+            <a:ext cx="3478120" cy="340094"/>
+          </a:xfrm>
+          <a:prstGeom prst="rect">
+            <a:avLst/>
+          </a:prstGeom>
+          <a:solidFill>
+            <a:srgbClr val="FFFFFF"/>
+          </a:solidFill>
+          <a:ln w="38100" cap="flat" cmpd="sng" algn="ctr">
+            <a:solidFill>
+              <a:schemeClr val="accent1">
+                <a:lumMod val="75000"/>
+              </a:schemeClr>
+            </a:solidFill>
+            <a:prstDash val="solid"/>
+            <a:miter lim="0"/>
+            <a:headEnd type="none" w="med" len="med"/>
+            <a:tailEnd type="none" w="med" len="med"/>
+          </a:ln>
+          <a:effectLst>
+            <a:innerShdw blurRad="63500" dist="50800" dir="18900000">
+              <a:prstClr val="black">
+                <a:alpha val="50000"/>
+              </a:prstClr>
+            </a:innerShdw>
+            <a:softEdge rad="12700"/>
+          </a:effectLst>
+          <a:extLst/>
+        </p:spPr>
+        <p:txBody>
+          <a:bodyPr vert="horz" wrap="square" lIns="0" tIns="50800" rIns="50800" bIns="50800" numCol="1" rtlCol="0" anchor="ctr" anchorCtr="0" compatLnSpc="1">
+            <a:prstTxWarp prst="textNoShape">
+              <a:avLst/>
+            </a:prstTxWarp>
+          </a:bodyPr>
+          <a:lstStyle/>
+          <a:p>
+            <a:pPr marL="342900" algn="l"/>
+            <a:r>
+              <a:rPr lang="de-DE" sz="1400" dirty="0" smtClean="0">
+                <a:solidFill>
+                  <a:schemeClr val="bg2"/>
+                </a:solidFill>
+              </a:rPr>
+              <a:t>Zeitraum:</a:t>
+            </a:r>
+            <a:endParaRPr lang="de-DE" sz="1400" dirty="0">
+              <a:solidFill>
+                <a:schemeClr val="bg2"/>
+              </a:solidFill>
+            </a:endParaRPr>
+          </a:p>
+        </p:txBody>
+      </p:sp>
+      <p:sp>
+        <p:nvSpPr>
+          <p:cNvPr id="7" name="Rechteck 6"/>
+          <p:cNvSpPr/>
+          <p:nvPr/>
+        </p:nvSpPr>
+        <p:spPr bwMode="auto">
+          <a:xfrm>
+            <a:off x="5184520" y="1636440"/>
+            <a:ext cx="5638360" cy="3240360"/>
+          </a:xfrm>
+          <a:prstGeom prst="rect">
+            <a:avLst/>
+          </a:prstGeom>
+          <a:solidFill>
+            <a:srgbClr val="FFFFFF"/>
+          </a:solidFill>
+          <a:ln w="38100" cap="flat" cmpd="sng" algn="ctr">
+            <a:solidFill>
+              <a:schemeClr val="accent1">
+                <a:lumMod val="75000"/>
+              </a:schemeClr>
+            </a:solidFill>
+            <a:prstDash val="solid"/>
+            <a:miter lim="0"/>
+            <a:headEnd type="none" w="med" len="med"/>
+            <a:tailEnd type="none" w="med" len="med"/>
+          </a:ln>
+          <a:effectLst>
+            <a:innerShdw blurRad="63500" dist="50800" dir="18900000">
+              <a:prstClr val="black">
+                <a:alpha val="50000"/>
+              </a:prstClr>
+            </a:innerShdw>
+            <a:softEdge rad="12700"/>
+          </a:effectLst>
+          <a:extLst/>
+        </p:spPr>
+        <p:txBody>
+          <a:bodyPr vert="horz" wrap="square" lIns="50800" tIns="50800" rIns="50800" bIns="50800" numCol="1" rtlCol="0" anchor="ctr" anchorCtr="0" compatLnSpc="1">
+            <a:prstTxWarp prst="textNoShape">
+              <a:avLst/>
+            </a:prstTxWarp>
+          </a:bodyPr>
+          <a:lstStyle/>
+          <a:p>
+            <a:r>
+              <a:rPr lang="de-DE" sz="1600" dirty="0">
+                <a:solidFill>
+                  <a:srgbClr val="572E2D"/>
+                </a:solidFill>
+                <a:latin typeface="Noteworthy Bold" charset="0"/>
+                <a:ea typeface="Noteworthy Bold" charset="0"/>
+                <a:cs typeface="Noteworthy Bold" charset="0"/>
+                <a:sym typeface="Noteworthy Bold" charset="0"/>
+              </a:rPr>
+              <a:t>Bisherige Zielerreichung</a:t>
+            </a:r>
+          </a:p>
+        </p:txBody>
+      </p:sp>
+      <p:sp>
+        <p:nvSpPr>
+          <p:cNvPr id="11" name="Rechteck 10"/>
+          <p:cNvSpPr/>
+          <p:nvPr/>
+        </p:nvSpPr>
+        <p:spPr bwMode="auto">
+          <a:xfrm>
+            <a:off x="5184520" y="4984812"/>
+            <a:ext cx="5638360" cy="3240360"/>
+          </a:xfrm>
+          <a:prstGeom prst="rect">
+            <a:avLst/>
+          </a:prstGeom>
+          <a:solidFill>
+            <a:srgbClr val="FFFFFF"/>
+          </a:solidFill>
+          <a:ln w="38100" cap="flat" cmpd="sng" algn="ctr">
+            <a:solidFill>
+              <a:schemeClr val="accent1">
+                <a:lumMod val="75000"/>
+              </a:schemeClr>
+            </a:solidFill>
+            <a:prstDash val="solid"/>
+            <a:miter lim="0"/>
+            <a:headEnd type="none" w="med" len="med"/>
+            <a:tailEnd type="none" w="med" len="med"/>
+          </a:ln>
+          <a:effectLst>
+            <a:innerShdw blurRad="63500" dist="50800" dir="18900000">
+              <a:prstClr val="black">
+                <a:alpha val="50000"/>
+              </a:prstClr>
+            </a:innerShdw>
+            <a:softEdge rad="12700"/>
+          </a:effectLst>
+          <a:extLst/>
+        </p:spPr>
+        <p:txBody>
+          <a:bodyPr vert="horz" wrap="square" lIns="50800" tIns="50800" rIns="50800" bIns="50800" numCol="1" rtlCol="0" anchor="ctr" anchorCtr="0" compatLnSpc="1">
+            <a:prstTxWarp prst="textNoShape">
+              <a:avLst/>
+            </a:prstTxWarp>
+          </a:bodyPr>
+          <a:lstStyle/>
+          <a:p>
+            <a:r>
+              <a:rPr lang="de-DE" sz="1600" dirty="0">
+                <a:solidFill>
+                  <a:srgbClr val="572E2D"/>
+                </a:solidFill>
+                <a:latin typeface="Noteworthy Bold" charset="0"/>
+                <a:ea typeface="Noteworthy Bold" charset="0"/>
+                <a:cs typeface="Noteworthy Bold" charset="0"/>
+                <a:sym typeface="Noteworthy Bold" charset="0"/>
+              </a:rPr>
+              <a:t>Prognose</a:t>
+            </a:r>
+            <a:r>
+              <a:rPr lang="de-DE" sz="1600" dirty="0">
+                <a:solidFill>
+                  <a:schemeClr val="bg2"/>
+                </a:solidFill>
+                <a:sym typeface="Noteworthy Bold" charset="0"/>
+              </a:rPr>
+              <a:t> </a:t>
+            </a:r>
+            <a:r>
+              <a:rPr lang="de-DE" sz="1600" dirty="0">
+                <a:solidFill>
+                  <a:srgbClr val="572E2D"/>
+                </a:solidFill>
+                <a:latin typeface="Noteworthy Bold" charset="0"/>
+                <a:ea typeface="Noteworthy Bold" charset="0"/>
+                <a:cs typeface="Noteworthy Bold" charset="0"/>
+                <a:sym typeface="Noteworthy Bold" charset="0"/>
+              </a:rPr>
+              <a:t>Zielerreichung</a:t>
+            </a:r>
+            <a:endParaRPr lang="de-DE" sz="1600" dirty="0">
+              <a:solidFill>
+                <a:srgbClr val="572E2D"/>
+              </a:solidFill>
+              <a:latin typeface="Noteworthy Bold" charset="0"/>
+              <a:ea typeface="Noteworthy Bold" charset="0"/>
+              <a:cs typeface="Noteworthy Bold" charset="0"/>
+            </a:endParaRPr>
+          </a:p>
+        </p:txBody>
+      </p:sp>
+      <p:sp>
+        <p:nvSpPr>
+          <p:cNvPr id="8" name="Rechteck 7"/>
+          <p:cNvSpPr/>
+          <p:nvPr/>
+        </p:nvSpPr>
+        <p:spPr bwMode="auto">
+          <a:xfrm>
+            <a:off x="504000" y="1636440"/>
+            <a:ext cx="4140000" cy="6480720"/>
+          </a:xfrm>
+          <a:prstGeom prst="rect">
+            <a:avLst/>
+          </a:prstGeom>
+          <a:solidFill>
+            <a:srgbClr val="FFFFFF"/>
+          </a:solidFill>
+          <a:ln w="38100" cap="flat" cmpd="sng" algn="ctr">
+            <a:solidFill>
+              <a:schemeClr val="accent1">
+                <a:lumMod val="75000"/>
+              </a:schemeClr>
+            </a:solidFill>
+            <a:prstDash val="solid"/>
+            <a:miter lim="0"/>
+            <a:headEnd type="none" w="med" len="med"/>
+            <a:tailEnd type="none" w="med" len="med"/>
+          </a:ln>
+          <a:effectLst>
+            <a:innerShdw blurRad="63500" dist="50800" dir="18900000">
+              <a:prstClr val="black">
+                <a:alpha val="50000"/>
+              </a:prstClr>
+            </a:innerShdw>
+            <a:softEdge rad="12700"/>
+          </a:effectLst>
+          <a:extLst/>
+        </p:spPr>
+        <p:txBody>
+          <a:bodyPr vert="horz" wrap="square" lIns="50800" tIns="50800" rIns="50800" bIns="50800" numCol="1" rtlCol="0" anchor="ctr" anchorCtr="0" compatLnSpc="1">
+            <a:prstTxWarp prst="textNoShape">
+              <a:avLst/>
+            </a:prstTxWarp>
+          </a:bodyPr>
+          <a:lstStyle/>
+          <a:p>
+            <a:r>
+              <a:rPr lang="de-DE" sz="2400" dirty="0" smtClean="0">
+                <a:solidFill>
+                  <a:schemeClr val="bg2"/>
+                </a:solidFill>
+              </a:rPr>
+              <a:t>Projekt-Tafel(Milestones GR)</a:t>
+            </a:r>
+            <a:endParaRPr lang="de-DE" sz="2400" dirty="0">
+              <a:solidFill>
+                <a:srgbClr val="572E2D"/>
+              </a:solidFill>
+              <a:latin typeface="Noteworthy Bold" charset="0"/>
+              <a:ea typeface="Noteworthy Bold" charset="0"/>
+              <a:cs typeface="Noteworthy Bold" charset="0"/>
+              <a:sym typeface="Noteworthy Bold" charset="0"/>
+            </a:endParaRPr>
+          </a:p>
+        </p:txBody>
+      </p:sp>
+    </p:spTree>
+    <p:extLst>
+      <p:ext uri="{BB962C8B-B14F-4D97-AF65-F5344CB8AC3E}">
+        <p14:creationId xmlns:p14="http://schemas.microsoft.com/office/powerpoint/2010/main" val="1923392995"/>
+      </p:ext>
+    </p:extLst>
+  </p:cSld>
+  <p:clrMapOvr>
+    <a:masterClrMapping/>
+  </p:clrMapOvr>
+  <p:timing>
+    <p:tnLst>
+      <p:par>
+        <p:cTn id="1" dur="indefinite" restart="never" nodeType="tmRoot"/>
+      </p:par>
+    </p:tnLst>
+  </p:timing>
+</p:sld>
+</file>
+
+<file path=ppt/slides/slide4.xml><?xml version="1.0" encoding="utf-8"?>
+<p:sld xmlns:a="http://schemas.openxmlformats.org/drawingml/2006/main" xmlns:r="http://schemas.openxmlformats.org/officeDocument/2006/relationships" xmlns:p="http://schemas.openxmlformats.org/presentationml/2006/main">
+  <p:cSld>
+    <p:spTree>
+      <p:nvGrpSpPr>
+        <p:cNvPr id="1" name=""/>
+        <p:cNvGrpSpPr/>
+        <p:nvPr/>
+      </p:nvGrpSpPr>
+      <p:grpSpPr>
+        <a:xfrm>
+          <a:off x="0" y="0"/>
+          <a:ext cx="0" cy="0"/>
+          <a:chOff x="0" y="0"/>
+          <a:chExt cx="0" cy="0"/>
+        </a:xfrm>
+      </p:grpSpPr>
+      <p:sp>
+        <p:nvSpPr>
+          <p:cNvPr id="2" name="Titel 1"/>
+          <p:cNvSpPr>
+            <a:spLocks noGrp="1"/>
+          </p:cNvSpPr>
+          <p:nvPr>
+            <p:ph type="title"/>
+          </p:nvPr>
+        </p:nvSpPr>
+        <p:spPr>
+          <a:xfrm>
+            <a:off x="650875" y="390525"/>
+            <a:ext cx="11703050" cy="1245915"/>
+          </a:xfrm>
+        </p:spPr>
+        <p:txBody>
+          <a:bodyPr/>
+          <a:lstStyle/>
+          <a:p>
+            <a:r>
+              <a:rPr lang="de-DE" sz="4400" dirty="0" smtClean="0"/>
+              <a:t>Details zu „Rot“ bewerteten Zielen</a:t>
+            </a:r>
+            <a:endParaRPr lang="de-DE" dirty="0"/>
+          </a:p>
+        </p:txBody>
+      </p:sp>
+      <p:sp>
+        <p:nvSpPr>
+          <p:cNvPr id="8" name="Rechteck 7"/>
+          <p:cNvSpPr/>
+          <p:nvPr/>
+        </p:nvSpPr>
+        <p:spPr bwMode="auto">
+          <a:xfrm>
+            <a:off x="504000" y="1636440"/>
+            <a:ext cx="4140000" cy="6480720"/>
+          </a:xfrm>
+          <a:prstGeom prst="rect">
+            <a:avLst/>
+          </a:prstGeom>
+          <a:solidFill>
+            <a:srgbClr val="FFFFFF"/>
+          </a:solidFill>
+          <a:ln w="38100" cap="flat" cmpd="sng" algn="ctr">
+            <a:solidFill>
+              <a:schemeClr val="accent1">
+                <a:lumMod val="75000"/>
+              </a:schemeClr>
+            </a:solidFill>
+            <a:prstDash val="solid"/>
+            <a:miter lim="0"/>
+            <a:headEnd type="none" w="med" len="med"/>
+            <a:tailEnd type="none" w="med" len="med"/>
+          </a:ln>
+          <a:effectLst>
+            <a:innerShdw blurRad="63500" dist="50800" dir="18900000">
+              <a:prstClr val="black">
+                <a:alpha val="50000"/>
+              </a:prstClr>
+            </a:innerShdw>
+            <a:softEdge rad="12700"/>
+          </a:effectLst>
+          <a:extLst/>
+        </p:spPr>
+        <p:txBody>
+          <a:bodyPr vert="horz" wrap="square" lIns="50800" tIns="50800" rIns="50800" bIns="50800" numCol="1" rtlCol="0" anchor="ctr" anchorCtr="0" compatLnSpc="1">
+            <a:prstTxWarp prst="textNoShape">
+              <a:avLst/>
+            </a:prstTxWarp>
+          </a:bodyPr>
+          <a:lstStyle/>
+          <a:p>
+            <a:r>
+              <a:rPr lang="de-DE" sz="2400" dirty="0" smtClean="0">
+                <a:solidFill>
+                  <a:schemeClr val="bg2"/>
+                </a:solidFill>
+              </a:rPr>
+              <a:t>Projekt-Tafel(Milestones R)</a:t>
+            </a:r>
+            <a:endParaRPr lang="de-DE" sz="2400" dirty="0">
+              <a:solidFill>
+                <a:srgbClr val="572E2D"/>
+              </a:solidFill>
+              <a:latin typeface="Noteworthy Bold" charset="0"/>
+              <a:ea typeface="Noteworthy Bold" charset="0"/>
+              <a:cs typeface="Noteworthy Bold" charset="0"/>
+              <a:sym typeface="Noteworthy Bold" charset="0"/>
+            </a:endParaRPr>
+          </a:p>
+        </p:txBody>
+      </p:sp>
+      <p:sp>
+        <p:nvSpPr>
+          <p:cNvPr id="10" name="Rechteck 9"/>
+          <p:cNvSpPr/>
+          <p:nvPr/>
+        </p:nvSpPr>
+        <p:spPr bwMode="auto">
+          <a:xfrm>
+            <a:off x="504000" y="9197280"/>
+            <a:ext cx="3478120" cy="340094"/>
+          </a:xfrm>
+          <a:prstGeom prst="rect">
+            <a:avLst/>
+          </a:prstGeom>
+          <a:solidFill>
+            <a:srgbClr val="FFFFFF"/>
+          </a:solidFill>
+          <a:ln w="38100" cap="flat" cmpd="sng" algn="ctr">
+            <a:solidFill>
+              <a:schemeClr val="accent1">
+                <a:lumMod val="75000"/>
+              </a:schemeClr>
+            </a:solidFill>
+            <a:prstDash val="solid"/>
+            <a:miter lim="0"/>
+            <a:headEnd type="none" w="med" len="med"/>
+            <a:tailEnd type="none" w="med" len="med"/>
+          </a:ln>
+          <a:effectLst>
+            <a:innerShdw blurRad="63500" dist="50800" dir="18900000">
+              <a:prstClr val="black">
+                <a:alpha val="50000"/>
+              </a:prstClr>
+            </a:innerShdw>
+            <a:softEdge rad="12700"/>
+          </a:effectLst>
+          <a:extLst/>
+        </p:spPr>
+        <p:txBody>
+          <a:bodyPr vert="horz" wrap="square" lIns="0" tIns="50800" rIns="50800" bIns="50800" numCol="1" rtlCol="0" anchor="ctr" anchorCtr="0" compatLnSpc="1">
+            <a:prstTxWarp prst="textNoShape">
+              <a:avLst/>
+            </a:prstTxWarp>
+          </a:bodyPr>
+          <a:lstStyle/>
+          <a:p>
+            <a:pPr marL="342900" algn="l"/>
+            <a:r>
+              <a:rPr lang="de-DE" sz="1400" dirty="0" smtClean="0">
+                <a:solidFill>
+                  <a:schemeClr val="bg2"/>
+                </a:solidFill>
+              </a:rPr>
+              <a:t>Stand:</a:t>
+            </a:r>
+            <a:endParaRPr lang="de-DE" sz="1400" dirty="0">
+              <a:solidFill>
+                <a:schemeClr val="bg2"/>
+              </a:solidFill>
+            </a:endParaRPr>
+          </a:p>
+        </p:txBody>
+      </p:sp>
+      <p:sp>
+        <p:nvSpPr>
+          <p:cNvPr id="15" name="Rechteck 14"/>
+          <p:cNvSpPr/>
+          <p:nvPr/>
+        </p:nvSpPr>
+        <p:spPr bwMode="auto">
+          <a:xfrm>
+            <a:off x="4824480" y="9197280"/>
+            <a:ext cx="3478120" cy="340094"/>
+          </a:xfrm>
+          <a:prstGeom prst="rect">
+            <a:avLst/>
+          </a:prstGeom>
+          <a:solidFill>
+            <a:srgbClr val="FFFFFF"/>
+          </a:solidFill>
+          <a:ln w="38100" cap="flat" cmpd="sng" algn="ctr">
+            <a:solidFill>
+              <a:schemeClr val="accent1">
+                <a:lumMod val="75000"/>
+              </a:schemeClr>
+            </a:solidFill>
+            <a:prstDash val="solid"/>
+            <a:miter lim="0"/>
+            <a:headEnd type="none" w="med" len="med"/>
+            <a:tailEnd type="none" w="med" len="med"/>
+          </a:ln>
+          <a:effectLst>
+            <a:innerShdw blurRad="63500" dist="50800" dir="18900000">
+              <a:prstClr val="black">
+                <a:alpha val="50000"/>
+              </a:prstClr>
+            </a:innerShdw>
+            <a:softEdge rad="12700"/>
+          </a:effectLst>
+          <a:extLst/>
+        </p:spPr>
+        <p:txBody>
+          <a:bodyPr vert="horz" wrap="square" lIns="0" tIns="50800" rIns="50800" bIns="50800" numCol="1" rtlCol="0" anchor="ctr" anchorCtr="0" compatLnSpc="1">
+            <a:prstTxWarp prst="textNoShape">
+              <a:avLst/>
+            </a:prstTxWarp>
+          </a:bodyPr>
+          <a:lstStyle/>
+          <a:p>
+            <a:pPr marL="342900" algn="l"/>
+            <a:r>
+              <a:rPr lang="de-DE" sz="1400" dirty="0" smtClean="0">
+                <a:solidFill>
+                  <a:schemeClr val="bg2"/>
+                </a:solidFill>
+              </a:rPr>
+              <a:t>Zeitraum:</a:t>
+            </a:r>
+            <a:endParaRPr lang="de-DE" sz="1400" dirty="0">
+              <a:solidFill>
+                <a:schemeClr val="bg2"/>
+              </a:solidFill>
+            </a:endParaRPr>
+          </a:p>
+        </p:txBody>
+      </p:sp>
+      <p:graphicFrame>
+        <p:nvGraphicFramePr>
+          <p:cNvPr id="9" name="Shape3" descr="rot" title="Tabelle Zielerreichung"/>
+          <p:cNvGraphicFramePr>
+            <a:graphicFrameLocks noGrp="1"/>
+          </p:cNvGraphicFramePr>
+          <p:nvPr>
+            <p:extLst>
+              <p:ext uri="{D42A27DB-BD31-4B8C-83A1-F6EECF244321}">
+                <p14:modId xmlns:p14="http://schemas.microsoft.com/office/powerpoint/2010/main" val="4111416186"/>
+              </p:ext>
+            </p:extLst>
+          </p:nvPr>
+        </p:nvGraphicFramePr>
+        <p:xfrm>
+          <a:off x="4824477" y="1636440"/>
+          <a:ext cx="7438561" cy="1071880"/>
+        </p:xfrm>
+        <a:graphic>
+          <a:graphicData uri="http://schemas.openxmlformats.org/drawingml/2006/table">
+            <a:tbl>
+              <a:tblPr firstRow="1" bandRow="1">
+                <a:tableStyleId>{69012ECD-51FC-41F1-AA8D-1B2483CD663E}</a:tableStyleId>
+              </a:tblPr>
+              <a:tblGrid>
+                <a:gridCol w="381778"/>
+                <a:gridCol w="1008112"/>
+                <a:gridCol w="1008112"/>
+                <a:gridCol w="864097"/>
+                <a:gridCol w="4176462"/>
+              </a:tblGrid>
+              <a:tr h="370840">
+                <a:tc>
+                  <a:txBody>
+                    <a:bodyPr/>
+                    <a:lstStyle/>
+                    <a:p>
+                      <a:endParaRPr lang="de-DE" sz="1600" dirty="0"/>
+                    </a:p>
+                  </a:txBody>
+                  <a:tcPr/>
+                </a:tc>
+                <a:tc>
+                  <a:txBody>
+                    <a:bodyPr/>
+                    <a:lstStyle/>
+                    <a:p>
+                      <a:r>
+                        <a:rPr lang="de-DE" sz="1600" dirty="0" smtClean="0"/>
+                        <a:t>Projekt</a:t>
+                      </a:r>
+                      <a:endParaRPr lang="de-DE" sz="1600" dirty="0"/>
+                    </a:p>
+                  </a:txBody>
+                  <a:tcPr/>
+                </a:tc>
+                <a:tc>
+                  <a:txBody>
+                    <a:bodyPr/>
+                    <a:lstStyle/>
+                    <a:p>
+                      <a:r>
+                        <a:rPr lang="de-DE" sz="1600" dirty="0" smtClean="0"/>
+                        <a:t>Ziel</a:t>
+                      </a:r>
+                      <a:endParaRPr lang="de-DE" sz="1600" dirty="0"/>
+                    </a:p>
+                  </a:txBody>
+                  <a:tcPr/>
+                </a:tc>
+                <a:tc>
+                  <a:txBody>
+                    <a:bodyPr/>
+                    <a:lstStyle/>
+                    <a:p>
+                      <a:r>
+                        <a:rPr lang="de-DE" sz="1600" dirty="0" smtClean="0"/>
+                        <a:t>Datum</a:t>
+                      </a:r>
+                      <a:endParaRPr lang="de-DE" sz="1600" dirty="0"/>
+                    </a:p>
+                  </a:txBody>
+                  <a:tcPr/>
+                </a:tc>
+                <a:tc>
+                  <a:txBody>
+                    <a:bodyPr/>
+                    <a:lstStyle/>
+                    <a:p>
+                      <a:r>
+                        <a:rPr lang="de-DE" sz="1600" dirty="0" smtClean="0"/>
+                        <a:t>Erläuterung</a:t>
+                      </a:r>
+                      <a:endParaRPr lang="de-DE" sz="1600" dirty="0"/>
+                    </a:p>
+                  </a:txBody>
+                  <a:tcPr/>
+                </a:tc>
+              </a:tr>
+              <a:tr h="370840">
+                <a:tc>
+                  <a:txBody>
+                    <a:bodyPr/>
+                    <a:lstStyle/>
+                    <a:p>
+                      <a:pPr marL="0" algn="l" defTabSz="914400" rtl="0" eaLnBrk="1" latinLnBrk="0" hangingPunct="1"/>
+                      <a:r>
+                        <a:rPr lang="de-DE" sz="1000" kern="1200" dirty="0" smtClean="0">
+                          <a:solidFill>
+                            <a:schemeClr val="tx1"/>
+                          </a:solidFill>
+                          <a:latin typeface="+mn-lt"/>
+                          <a:ea typeface="+mn-ea"/>
+                          <a:cs typeface="+mn-cs"/>
+                        </a:rPr>
+                        <a:t>11</a:t>
+                      </a:r>
+                      <a:endParaRPr lang="de-DE" sz="1000" kern="1200" dirty="0">
+                        <a:solidFill>
+                          <a:schemeClr val="tx1"/>
+                        </a:solidFill>
+                        <a:latin typeface="+mn-lt"/>
+                        <a:ea typeface="+mn-ea"/>
+                        <a:cs typeface="+mn-cs"/>
+                      </a:endParaRPr>
+                    </a:p>
+                  </a:txBody>
+                  <a:tcPr/>
+                </a:tc>
+                <a:tc>
+                  <a:txBody>
+                    <a:bodyPr/>
+                    <a:lstStyle/>
+                    <a:p>
+                      <a:r>
+                        <a:rPr lang="de-DE" sz="1000" dirty="0" smtClean="0"/>
+                        <a:t>Entwicklung 5</a:t>
+                      </a:r>
+                      <a:endParaRPr lang="de-DE" sz="1000" dirty="0"/>
+                    </a:p>
+                  </a:txBody>
+                  <a:tcPr/>
+                </a:tc>
+                <a:tc>
+                  <a:txBody>
+                    <a:bodyPr/>
+                    <a:lstStyle/>
+                    <a:p>
+                      <a:r>
+                        <a:rPr lang="de-DE" sz="1000" dirty="0" smtClean="0"/>
+                        <a:t>Architektur Dokument</a:t>
+                      </a:r>
+                      <a:endParaRPr lang="de-DE" sz="1000" dirty="0"/>
+                    </a:p>
+                  </a:txBody>
+                  <a:tcPr/>
+                </a:tc>
+                <a:tc>
+                  <a:txBody>
+                    <a:bodyPr/>
+                    <a:lstStyle/>
+                    <a:p>
+                      <a:r>
+                        <a:rPr lang="de-DE" sz="1000" dirty="0" smtClean="0"/>
+                        <a:t>14.09.2013</a:t>
+                      </a:r>
+                      <a:endParaRPr lang="de-DE" sz="1000" dirty="0"/>
+                    </a:p>
+                  </a:txBody>
+                  <a:tcPr/>
+                </a:tc>
+                <a:tc>
+                  <a:txBody>
+                    <a:bodyPr/>
+                    <a:lstStyle/>
+                    <a:p>
+                      <a:r>
+                        <a:rPr lang="de-DE" sz="1000" dirty="0" smtClean="0"/>
+                        <a:t>es sind neue Anforderungen bezgl. Sicherheit dazugekommen - wir haben noch keinen Weg gefunden, die mit unser aktuellen Architektur zu leisten; es muss entschieden werden, ob die Anforderung in der Form bestehen bleiben muss </a:t>
+                      </a:r>
+                      <a:endParaRPr lang="de-DE" sz="1000" dirty="0"/>
+                    </a:p>
+                  </a:txBody>
+                  <a:tcPr/>
+                </a:tc>
+              </a:tr>
+            </a:tbl>
+          </a:graphicData>
+        </a:graphic>
+      </p:graphicFrame>
+    </p:spTree>
+    <p:extLst>
+      <p:ext uri="{BB962C8B-B14F-4D97-AF65-F5344CB8AC3E}">
+        <p14:creationId xmlns:p14="http://schemas.microsoft.com/office/powerpoint/2010/main" val="2988531337"/>
+      </p:ext>
+    </p:extLst>
+  </p:cSld>
+  <p:clrMapOvr>
+    <a:masterClrMapping/>
+  </p:clrMapOvr>
+  <p:timing>
+    <p:tnLst>
+      <p:par>
+        <p:cTn id="1" dur="indefinite" restart="never" nodeType="tmRoot"/>
+      </p:par>
+    </p:tnLst>
+  </p:timing>
+</p:sld>
+</file>
+
+<file path=ppt/slides/slide5.xml><?xml version="1.0" encoding="utf-8"?>
+<p:sld xmlns:a="http://schemas.openxmlformats.org/drawingml/2006/main" xmlns:r="http://schemas.openxmlformats.org/officeDocument/2006/relationships" xmlns:p="http://schemas.openxmlformats.org/presentationml/2006/main">
+  <p:cSld>
+    <p:spTree>
+      <p:nvGrpSpPr>
+        <p:cNvPr id="1" name=""/>
+        <p:cNvGrpSpPr/>
+        <p:nvPr/>
+      </p:nvGrpSpPr>
+      <p:grpSpPr>
+        <a:xfrm>
+          <a:off x="0" y="0"/>
+          <a:ext cx="0" cy="0"/>
+          <a:chOff x="0" y="0"/>
+          <a:chExt cx="0" cy="0"/>
+        </a:xfrm>
+      </p:grpSpPr>
+      <p:sp>
+        <p:nvSpPr>
+          <p:cNvPr id="2" name="Titel 1"/>
+          <p:cNvSpPr>
+            <a:spLocks noGrp="1"/>
+          </p:cNvSpPr>
+          <p:nvPr>
+            <p:ph type="title"/>
+          </p:nvPr>
+        </p:nvSpPr>
+        <p:spPr>
+          <a:xfrm>
             <a:off x="525736" y="390525"/>
             <a:ext cx="11828189" cy="1245915"/>
           </a:xfrm>
@@ -6375,7 +7397,7 @@
           <a:p>
             <a:r>
               <a:rPr lang="de-DE" sz="3600" dirty="0" smtClean="0"/>
-              <a:t>Einordnung Zeit / Risiko / Volumen</a:t>
+              <a:t>Einordnung strategischer Fit / technisches Risiko / Rendite</a:t>
             </a:r>
             <a:endParaRPr lang="de-DE" sz="6000" dirty="0"/>
           </a:p>
@@ -6427,20 +7449,38 @@
           </a:bodyPr>
           <a:lstStyle/>
           <a:p>
-            <a:pPr marL="342900"/>
-            <a:r>
-              <a:rPr lang="de-DE" sz="2400" dirty="0" smtClean="0">
-                <a:solidFill>
-                  <a:schemeClr val="bg2"/>
-                </a:solidFill>
-              </a:rPr>
-              <a:t>Zeit/Risiko/Volumen</a:t>
-            </a:r>
-            <a:endParaRPr lang="de-DE" sz="2400" dirty="0">
-              <a:solidFill>
-                <a:schemeClr val="bg2"/>
-              </a:solidFill>
-            </a:endParaRPr>
+            <a:pPr marL="342900" marR="0" indent="0" algn="ctr" defTabSz="584200" rtl="0" eaLnBrk="1" fontAlgn="base" latinLnBrk="0" hangingPunct="0">
+              <a:lnSpc>
+                <a:spcPct val="100000"/>
+              </a:lnSpc>
+              <a:spcBef>
+                <a:spcPct val="0"/>
+              </a:spcBef>
+              <a:spcAft>
+                <a:spcPct val="0"/>
+              </a:spcAft>
+              <a:buClrTx/>
+              <a:buSzTx/>
+              <a:buFontTx/>
+              <a:buNone/>
+              <a:tabLst/>
+            </a:pPr>
+            <a:r>
+              <a:rPr kumimoji="0" lang="de-DE" sz="2400" b="0" i="0" u="none" strike="noStrike" cap="none" normalizeH="0" baseline="0" dirty="0" smtClean="0">
+                <a:ln>
+                  <a:noFill/>
+                </a:ln>
+                <a:solidFill>
+                  <a:schemeClr val="bg2"/>
+                </a:solidFill>
+                <a:effectLst/>
+                <a:latin typeface="Gill Sans Light" charset="0"/>
+                <a:ea typeface="Gill Sans Light" charset="0"/>
+                <a:cs typeface="Gill Sans Light" charset="0"/>
+                <a:sym typeface="Gill Sans Light" charset="0"/>
+              </a:rPr>
+              <a:t>Strategie/Risiko/Marge</a:t>
+            </a:r>
           </a:p>
         </p:txBody>
       </p:sp>
@@ -6570,10 +7610,204 @@
           </a:p>
         </p:txBody>
       </p:sp>
+      <p:sp>
+        <p:nvSpPr>
+          <p:cNvPr id="6" name="Textfeld 2"/>
+          <p:cNvSpPr txBox="1"/>
+          <p:nvPr/>
+        </p:nvSpPr>
+        <p:spPr>
+          <a:xfrm>
+            <a:off x="7432617" y="8135330"/>
+            <a:ext cx="4974439" cy="830997"/>
+          </a:xfrm>
+          <a:prstGeom prst="rect">
+            <a:avLst/>
+          </a:prstGeom>
+          <a:noFill/>
+        </p:spPr>
+        <p:txBody>
+          <a:bodyPr wrap="none" rtlCol="0">
+            <a:spAutoFit/>
+          </a:bodyPr>
+          <a:lstStyle>
+            <a:defPPr>
+              <a:defRPr lang="de-DE"/>
+            </a:defPPr>
+            <a:lvl1pPr algn="ctr" defTabSz="584200" rtl="0" fontAlgn="base" hangingPunct="0">
+              <a:spcBef>
+                <a:spcPct val="0"/>
+              </a:spcBef>
+              <a:spcAft>
+                <a:spcPct val="0"/>
+              </a:spcAft>
+              <a:defRPr sz="3600" kern="1200">
+                <a:solidFill>
+                  <a:srgbClr val="414141"/>
+                </a:solidFill>
+                <a:latin typeface="Gill Sans Light" charset="0"/>
+                <a:ea typeface="Gill Sans Light" charset="0"/>
+                <a:cs typeface="Gill Sans Light" charset="0"/>
+                <a:sym typeface="Gill Sans Light" charset="0"/>
+              </a:defRPr>
+            </a:lvl1pPr>
+            <a:lvl2pPr marL="342900" algn="ctr" defTabSz="584200" rtl="0" fontAlgn="base" hangingPunct="0">
+              <a:spcBef>
+                <a:spcPct val="0"/>
+              </a:spcBef>
+              <a:spcAft>
+                <a:spcPct val="0"/>
+              </a:spcAft>
+              <a:defRPr sz="3600" kern="1200">
+                <a:solidFill>
+                  <a:srgbClr val="414141"/>
+                </a:solidFill>
+                <a:latin typeface="Gill Sans Light" charset="0"/>
+                <a:ea typeface="Gill Sans Light" charset="0"/>
+                <a:cs typeface="Gill Sans Light" charset="0"/>
+                <a:sym typeface="Gill Sans Light" charset="0"/>
+              </a:defRPr>
+            </a:lvl2pPr>
+            <a:lvl3pPr marL="685800" algn="ctr" defTabSz="584200" rtl="0" fontAlgn="base" hangingPunct="0">
+              <a:spcBef>
+                <a:spcPct val="0"/>
+              </a:spcBef>
+              <a:spcAft>
+                <a:spcPct val="0"/>
+              </a:spcAft>
+              <a:defRPr sz="3600" kern="1200">
+                <a:solidFill>
+                  <a:srgbClr val="414141"/>
+                </a:solidFill>
+                <a:latin typeface="Gill Sans Light" charset="0"/>
+                <a:ea typeface="Gill Sans Light" charset="0"/>
+                <a:cs typeface="Gill Sans Light" charset="0"/>
+                <a:sym typeface="Gill Sans Light" charset="0"/>
+              </a:defRPr>
+            </a:lvl3pPr>
+            <a:lvl4pPr marL="1028700" algn="ctr" defTabSz="584200" rtl="0" fontAlgn="base" hangingPunct="0">
+              <a:spcBef>
+                <a:spcPct val="0"/>
+              </a:spcBef>
+              <a:spcAft>
+                <a:spcPct val="0"/>
+              </a:spcAft>
+              <a:defRPr sz="3600" kern="1200">
+                <a:solidFill>
+                  <a:srgbClr val="414141"/>
+                </a:solidFill>
+                <a:latin typeface="Gill Sans Light" charset="0"/>
+                <a:ea typeface="Gill Sans Light" charset="0"/>
+                <a:cs typeface="Gill Sans Light" charset="0"/>
+                <a:sym typeface="Gill Sans Light" charset="0"/>
+              </a:defRPr>
+            </a:lvl4pPr>
+            <a:lvl5pPr marL="1371600" algn="ctr" defTabSz="584200" rtl="0" fontAlgn="base" hangingPunct="0">
+              <a:spcBef>
+                <a:spcPct val="0"/>
+              </a:spcBef>
+              <a:spcAft>
+                <a:spcPct val="0"/>
+              </a:spcAft>
+              <a:defRPr sz="3600" kern="1200">
+                <a:solidFill>
+                  <a:srgbClr val="414141"/>
+                </a:solidFill>
+                <a:latin typeface="Gill Sans Light" charset="0"/>
+                <a:ea typeface="Gill Sans Light" charset="0"/>
+                <a:cs typeface="Gill Sans Light" charset="0"/>
+                <a:sym typeface="Gill Sans Light" charset="0"/>
+              </a:defRPr>
+            </a:lvl5pPr>
+            <a:lvl6pPr marL="2286000" algn="l" defTabSz="914400" rtl="0" eaLnBrk="1" latinLnBrk="0" hangingPunct="1">
+              <a:defRPr sz="3600" kern="1200">
+                <a:solidFill>
+                  <a:srgbClr val="414141"/>
+                </a:solidFill>
+                <a:latin typeface="Gill Sans Light" charset="0"/>
+                <a:ea typeface="Gill Sans Light" charset="0"/>
+                <a:cs typeface="Gill Sans Light" charset="0"/>
+                <a:sym typeface="Gill Sans Light" charset="0"/>
+              </a:defRPr>
+            </a:lvl6pPr>
+            <a:lvl7pPr marL="2743200" algn="l" defTabSz="914400" rtl="0" eaLnBrk="1" latinLnBrk="0" hangingPunct="1">
+              <a:defRPr sz="3600" kern="1200">
+                <a:solidFill>
+                  <a:srgbClr val="414141"/>
+                </a:solidFill>
+                <a:latin typeface="Gill Sans Light" charset="0"/>
+                <a:ea typeface="Gill Sans Light" charset="0"/>
+                <a:cs typeface="Gill Sans Light" charset="0"/>
+                <a:sym typeface="Gill Sans Light" charset="0"/>
+              </a:defRPr>
+            </a:lvl7pPr>
+            <a:lvl8pPr marL="3200400" algn="l" defTabSz="914400" rtl="0" eaLnBrk="1" latinLnBrk="0" hangingPunct="1">
+              <a:defRPr sz="3600" kern="1200">
+                <a:solidFill>
+                  <a:srgbClr val="414141"/>
+                </a:solidFill>
+                <a:latin typeface="Gill Sans Light" charset="0"/>
+                <a:ea typeface="Gill Sans Light" charset="0"/>
+                <a:cs typeface="Gill Sans Light" charset="0"/>
+                <a:sym typeface="Gill Sans Light" charset="0"/>
+              </a:defRPr>
+            </a:lvl8pPr>
+            <a:lvl9pPr marL="3657600" algn="l" defTabSz="914400" rtl="0" eaLnBrk="1" latinLnBrk="0" hangingPunct="1">
+              <a:defRPr sz="3600" kern="1200">
+                <a:solidFill>
+                  <a:srgbClr val="414141"/>
+                </a:solidFill>
+                <a:latin typeface="Gill Sans Light" charset="0"/>
+                <a:ea typeface="Gill Sans Light" charset="0"/>
+                <a:cs typeface="Gill Sans Light" charset="0"/>
+                <a:sym typeface="Gill Sans Light" charset="0"/>
+              </a:defRPr>
+            </a:lvl9pPr>
+          </a:lstStyle>
+          <a:p>
+            <a:pPr algn="l"/>
+            <a:r>
+              <a:rPr lang="de-DE" sz="1200" dirty="0" smtClean="0"/>
+              <a:t>Erläuterung: </a:t>
+            </a:r>
+          </a:p>
+          <a:p>
+            <a:pPr marL="171450" indent="-171450" algn="l">
+              <a:buFont typeface="Arial" pitchFamily="34" charset="0"/>
+              <a:buChar char="•"/>
+            </a:pPr>
+            <a:r>
+              <a:rPr lang="de-DE" sz="1200" dirty="0" smtClean="0"/>
+              <a:t>Größe der Kugel entspricht der Projekt-Rendite, wenn sie positiv ist </a:t>
+            </a:r>
+          </a:p>
+          <a:p>
+            <a:pPr marL="171450" indent="-171450" algn="l">
+              <a:buFont typeface="Arial" pitchFamily="34" charset="0"/>
+              <a:buChar char="•"/>
+            </a:pPr>
+            <a:r>
+              <a:rPr lang="de-DE" sz="1200" dirty="0" smtClean="0"/>
+              <a:t>Farbe der Kugel gibt den Projekt-Typ wieder</a:t>
+            </a:r>
+          </a:p>
+          <a:p>
+            <a:pPr marL="171450" indent="-171450" algn="l">
+              <a:buFont typeface="Arial" pitchFamily="34" charset="0"/>
+              <a:buChar char="•"/>
+            </a:pPr>
+            <a:r>
+              <a:rPr lang="de-DE" sz="1200" dirty="0" smtClean="0"/>
+              <a:t>Rote Kugel: Projekt hat negative Rendite</a:t>
+            </a:r>
+            <a:endParaRPr lang="de-DE" sz="1200" dirty="0"/>
+          </a:p>
+        </p:txBody>
+      </p:sp>
     </p:spTree>
     <p:extLst>
       <p:ext uri="{BB962C8B-B14F-4D97-AF65-F5344CB8AC3E}">
-        <p14:creationId xmlns:p14="http://schemas.microsoft.com/office/powerpoint/2010/main" val="1856506859"/>
+        <p14:creationId xmlns:p14="http://schemas.microsoft.com/office/powerpoint/2010/main" val="2375818485"/>
       </p:ext>
     </p:extLst>
   </p:cSld>
@@ -6590,7 +7824,7 @@
 </p:sld>
 </file>
 
-<file path=ppt/slides/slide4.xml><?xml version="1.0" encoding="utf-8"?>
+<file path=ppt/slides/slide6.xml><?xml version="1.0" encoding="utf-8"?>
 <p:sld xmlns:a="http://schemas.openxmlformats.org/drawingml/2006/main" xmlns:r="http://schemas.openxmlformats.org/officeDocument/2006/relationships" xmlns:p="http://schemas.openxmlformats.org/presentationml/2006/main">
   <p:cSld>
     <p:spTree>
@@ -6619,8 +7853,8 @@
         </p:nvSpPr>
         <p:spPr>
           <a:xfrm>
-            <a:off x="165696" y="282749"/>
-            <a:ext cx="12313368" cy="1245915"/>
+            <a:off x="650875" y="390525"/>
+            <a:ext cx="11703050" cy="1245915"/>
           </a:xfrm>
         </p:spPr>
         <p:txBody>
@@ -6629,9 +7863,74 @@
           <a:p>
             <a:r>
               <a:rPr lang="de-DE" sz="4400" dirty="0" smtClean="0"/>
-              <a:t>Gesamt Übersicht Phasen</a:t>
+              <a:t>Ergebnis-Potenzial</a:t>
             </a:r>
             <a:endParaRPr lang="de-DE" dirty="0"/>
+          </a:p>
+        </p:txBody>
+      </p:sp>
+      <p:sp>
+        <p:nvSpPr>
+          <p:cNvPr id="8" name="Rechteck 7"/>
+          <p:cNvSpPr/>
+          <p:nvPr/>
+        </p:nvSpPr>
+        <p:spPr bwMode="auto">
+          <a:xfrm>
+            <a:off x="5566296" y="1693529"/>
+            <a:ext cx="5940660" cy="4757501"/>
+          </a:xfrm>
+          <a:prstGeom prst="rect">
+            <a:avLst/>
+          </a:prstGeom>
+          <a:solidFill>
+            <a:srgbClr val="FFFFFF"/>
+          </a:solidFill>
+          <a:ln w="38100" cap="flat" cmpd="sng" algn="ctr">
+            <a:solidFill>
+              <a:schemeClr val="accent1">
+                <a:lumMod val="75000"/>
+              </a:schemeClr>
+            </a:solidFill>
+            <a:prstDash val="solid"/>
+            <a:miter lim="0"/>
+            <a:headEnd type="none" w="med" len="med"/>
+            <a:tailEnd type="none" w="med" len="med"/>
+          </a:ln>
+          <a:effectLst>
+            <a:innerShdw blurRad="63500" dist="50800" dir="18900000">
+              <a:prstClr val="black">
+                <a:alpha val="50000"/>
+              </a:prstClr>
+            </a:innerShdw>
+            <a:softEdge rad="12700"/>
+          </a:effectLst>
+          <a:extLst/>
+        </p:spPr>
+        <p:txBody>
+          <a:bodyPr vert="horz" wrap="square" lIns="50800" tIns="50800" rIns="50800" bIns="50800" numCol="1" rtlCol="0" anchor="ctr" anchorCtr="0" compatLnSpc="1">
+            <a:prstTxWarp prst="textNoShape">
+              <a:avLst/>
+            </a:prstTxWarp>
+          </a:bodyPr>
+          <a:lstStyle/>
+          <a:p>
+            <a:pPr marL="342900"/>
+            <a:r>
+              <a:rPr lang="de-DE" sz="2400" dirty="0" smtClean="0">
+                <a:solidFill>
+                  <a:schemeClr val="bg2"/>
+                </a:solidFill>
+                <a:sym typeface="Noteworthy Bold" charset="0"/>
+              </a:rPr>
+              <a:t>Ergebnis Verbesserungspotential</a:t>
+            </a:r>
+            <a:endParaRPr lang="de-DE" sz="2400" dirty="0">
+              <a:solidFill>
+                <a:schemeClr val="bg2"/>
+              </a:solidFill>
+              <a:sym typeface="Noteworthy Bold" charset="0"/>
+            </a:endParaRPr>
           </a:p>
         </p:txBody>
       </p:sp>
@@ -6763,14 +8062,14 @@
       </p:sp>
       <p:sp>
         <p:nvSpPr>
-          <p:cNvPr id="13" name="Rechteck 12"/>
+          <p:cNvPr id="16" name="Rechteck 15"/>
           <p:cNvSpPr/>
           <p:nvPr/>
         </p:nvSpPr>
         <p:spPr bwMode="auto">
           <a:xfrm>
-            <a:off x="886336" y="1780456"/>
-            <a:ext cx="3743856" cy="2160000"/>
+            <a:off x="504000" y="1693530"/>
+            <a:ext cx="4547979" cy="2314201"/>
           </a:xfrm>
           <a:prstGeom prst="rect">
             <a:avLst/>
@@ -6807,68 +8106,31 @@
           </a:bodyPr>
           <a:lstStyle/>
           <a:p>
-            <a:pPr marL="342900"/>
-            <a:r>
-              <a:rPr lang="de-DE" sz="1400" dirty="0">
-                <a:solidFill>
-                  <a:schemeClr val="bg2"/>
-                </a:solidFill>
-                <a:sym typeface="Noteworthy Bold" charset="0"/>
-              </a:rPr>
-              <a:t>Phase </a:t>
-            </a:r>
-            <a:r>
-              <a:rPr lang="de-DE" sz="1400" dirty="0" smtClean="0">
-                <a:solidFill>
-                  <a:schemeClr val="bg2"/>
-                </a:solidFill>
-                <a:sym typeface="Noteworthy Bold" charset="0"/>
-              </a:rPr>
-              <a:t>(</a:t>
-            </a:r>
-            <a:r>
-              <a:rPr lang="de-DE" sz="1400" dirty="0">
-                <a:solidFill>
-                  <a:srgbClr val="572E2D"/>
+            <a:r>
+              <a:rPr lang="de-DE" sz="1400" b="1" dirty="0">
+                <a:solidFill>
+                  <a:schemeClr val="bg2"/>
                 </a:solidFill>
                 <a:latin typeface="Noteworthy Bold" charset="0"/>
                 <a:ea typeface="Noteworthy Bold" charset="0"/>
                 <a:cs typeface="Noteworthy Bold" charset="0"/>
                 <a:sym typeface="Noteworthy Bold" charset="0"/>
               </a:rPr>
-              <a:t>Design</a:t>
-            </a:r>
-            <a:r>
-              <a:rPr lang="de-DE" sz="1400" dirty="0"/>
-              <a:t> </a:t>
-            </a:r>
-            <a:r>
-              <a:rPr lang="de-DE" sz="1400" dirty="0" smtClean="0">
-                <a:solidFill>
-                  <a:schemeClr val="bg2"/>
-                </a:solidFill>
-                <a:sym typeface="Noteworthy Bold" charset="0"/>
-              </a:rPr>
-              <a:t>)</a:t>
-            </a:r>
-            <a:endParaRPr lang="de-DE" sz="1400" dirty="0">
-              <a:solidFill>
-                <a:schemeClr val="bg2"/>
-              </a:solidFill>
-            </a:endParaRPr>
+              <a:t>Übersicht Auslastung</a:t>
+            </a:r>
           </a:p>
         </p:txBody>
       </p:sp>
       <p:sp>
         <p:nvSpPr>
-          <p:cNvPr id="19" name="Rechteck 18"/>
+          <p:cNvPr id="17" name="Rechteck 16"/>
           <p:cNvSpPr/>
           <p:nvPr/>
         </p:nvSpPr>
         <p:spPr bwMode="auto">
           <a:xfrm>
-            <a:off x="4782592" y="1780456"/>
-            <a:ext cx="3743856" cy="2160000"/>
+            <a:off x="504000" y="4136830"/>
+            <a:ext cx="4547980" cy="2314201"/>
           </a:xfrm>
           <a:prstGeom prst="rect">
             <a:avLst/>
@@ -6905,47 +8167,19 @@
           </a:bodyPr>
           <a:lstStyle/>
           <a:p>
-            <a:pPr marL="342900"/>
-            <a:r>
-              <a:rPr lang="de-DE" sz="1400" dirty="0">
-                <a:solidFill>
-                  <a:schemeClr val="bg2"/>
-                </a:solidFill>
-                <a:sym typeface="Noteworthy Bold" charset="0"/>
-              </a:rPr>
-              <a:t>Phase </a:t>
-            </a:r>
-            <a:r>
-              <a:rPr lang="de-DE" sz="1400" dirty="0" smtClean="0">
-                <a:solidFill>
-                  <a:schemeClr val="bg2"/>
-                </a:solidFill>
-                <a:sym typeface="Noteworthy Bold" charset="0"/>
-              </a:rPr>
-              <a:t>(</a:t>
-            </a:r>
-            <a:r>
-              <a:rPr lang="de-DE" sz="1400" dirty="0">
-                <a:solidFill>
-                  <a:srgbClr val="572E2D"/>
+            <a:r>
+              <a:rPr lang="de-DE" sz="1400" b="1" dirty="0">
+                <a:solidFill>
+                  <a:schemeClr val="bg2"/>
                 </a:solidFill>
                 <a:latin typeface="Noteworthy Bold" charset="0"/>
                 <a:ea typeface="Noteworthy Bold" charset="0"/>
                 <a:cs typeface="Noteworthy Bold" charset="0"/>
                 <a:sym typeface="Noteworthy Bold" charset="0"/>
               </a:rPr>
-              <a:t>Montage BBG</a:t>
-            </a:r>
-            <a:r>
-              <a:rPr lang="de-DE" sz="1400" dirty="0" smtClean="0">
-                <a:solidFill>
-                  <a:schemeClr val="bg2"/>
-                </a:solidFill>
-                <a:sym typeface="Noteworthy Bold" charset="0"/>
-              </a:rPr>
-              <a:t>)</a:t>
-            </a:r>
-            <a:endParaRPr lang="de-DE" sz="1400" dirty="0">
+              <a:t>Details Überauslastung</a:t>
+            </a:r>
+            <a:endParaRPr lang="de-DE" sz="1400" b="1" dirty="0">
               <a:solidFill>
                 <a:schemeClr val="bg2"/>
               </a:solidFill>
@@ -6955,14 +8189,14 @@
       </p:sp>
       <p:sp>
         <p:nvSpPr>
-          <p:cNvPr id="22" name="Rechteck 21"/>
+          <p:cNvPr id="18" name="Rechteck 17"/>
           <p:cNvSpPr/>
           <p:nvPr/>
         </p:nvSpPr>
         <p:spPr bwMode="auto">
           <a:xfrm>
-            <a:off x="8678848" y="1780456"/>
-            <a:ext cx="3743856" cy="2160000"/>
+            <a:off x="504000" y="6580129"/>
+            <a:ext cx="4547980" cy="2314201"/>
           </a:xfrm>
           <a:prstGeom prst="rect">
             <a:avLst/>
@@ -6999,45 +8233,202 @@
           </a:bodyPr>
           <a:lstStyle/>
           <a:p>
-            <a:pPr marL="342900"/>
-            <a:r>
-              <a:rPr lang="de-DE" sz="1400" dirty="0">
-                <a:solidFill>
-                  <a:schemeClr val="bg2"/>
-                </a:solidFill>
-                <a:sym typeface="Noteworthy Bold" charset="0"/>
-              </a:rPr>
-              <a:t>Phase </a:t>
-            </a:r>
-            <a:r>
-              <a:rPr lang="de-DE" sz="1400" dirty="0" smtClean="0">
-                <a:solidFill>
-                  <a:schemeClr val="bg2"/>
-                </a:solidFill>
-                <a:sym typeface="Noteworthy Bold" charset="0"/>
-              </a:rPr>
-              <a:t>(</a:t>
-            </a:r>
-            <a:r>
-              <a:rPr lang="de-DE" sz="1400" dirty="0">
-                <a:solidFill>
-                  <a:srgbClr val="572E2D"/>
+            <a:r>
+              <a:rPr lang="de-DE" sz="1400" b="1" dirty="0">
+                <a:solidFill>
+                  <a:schemeClr val="bg2"/>
                 </a:solidFill>
                 <a:latin typeface="Noteworthy Bold" charset="0"/>
                 <a:ea typeface="Noteworthy Bold" charset="0"/>
                 <a:cs typeface="Noteworthy Bold" charset="0"/>
                 <a:sym typeface="Noteworthy Bold" charset="0"/>
               </a:rPr>
-              <a:t>Montage VS</a:t>
-            </a:r>
+              <a:t>Details </a:t>
+            </a:r>
+            <a:r>
+              <a:rPr lang="de-DE" sz="1400" b="1" dirty="0" smtClean="0">
+                <a:solidFill>
+                  <a:schemeClr val="bg2"/>
+                </a:solidFill>
+                <a:latin typeface="Noteworthy Bold" charset="0"/>
+                <a:ea typeface="Noteworthy Bold" charset="0"/>
+                <a:cs typeface="Noteworthy Bold" charset="0"/>
+                <a:sym typeface="Noteworthy Bold" charset="0"/>
+              </a:rPr>
+              <a:t>Unterauslastung</a:t>
+            </a:r>
+            <a:endParaRPr lang="de-DE" sz="1400" b="1" dirty="0">
+              <a:solidFill>
+                <a:schemeClr val="bg2"/>
+              </a:solidFill>
+            </a:endParaRPr>
+          </a:p>
+        </p:txBody>
+      </p:sp>
+      <p:sp>
+        <p:nvSpPr>
+          <p:cNvPr id="3" name="Textfeld 2"/>
+          <p:cNvSpPr txBox="1"/>
+          <p:nvPr/>
+        </p:nvSpPr>
+        <p:spPr>
+          <a:xfrm>
+            <a:off x="5566296" y="6580129"/>
+            <a:ext cx="5940660" cy="1938992"/>
+          </a:xfrm>
+          <a:prstGeom prst="rect">
+            <a:avLst/>
+          </a:prstGeom>
+          <a:noFill/>
+        </p:spPr>
+        <p:txBody>
+          <a:bodyPr wrap="square" rtlCol="0">
+            <a:spAutoFit/>
+          </a:bodyPr>
+          <a:lstStyle/>
+          <a:p>
+            <a:pPr algn="l"/>
+            <a:r>
+              <a:rPr lang="de-DE" sz="1200" b="1" dirty="0" smtClean="0"/>
+              <a:t>Erläuterung</a:t>
+            </a:r>
+            <a:r>
+              <a:rPr lang="de-DE" sz="1200" dirty="0" smtClean="0"/>
+              <a:t>: Rollen können sowohl über- wie unterausgelastet sein. In diesem Fall gibt es Monate, wo die Rolle unterausgelastet ist, und andere Monate wo sie stark überausgelastet ist.. Im worst Case müssen damit in den Monaten der Überauslastung externe Kräfte beauftragt werden, die üblicherweise teuerer als die internen Kräfte sind. in anderen Monaten sind die Kapazitäten ungenutzt (=Opportunitätskosten).</a:t>
+            </a:r>
+          </a:p>
+          <a:p>
+            <a:pPr algn="l"/>
+            <a:endParaRPr lang="de-DE" sz="1200" dirty="0"/>
+          </a:p>
+          <a:p>
+            <a:pPr algn="l"/>
+            <a:r>
+              <a:rPr lang="de-DE" sz="1200" dirty="0" smtClean="0"/>
+              <a:t>Eine möglichst gleichmäßige Ressourcen Nivellierung vermeidet unnötige Mehrkosten und unnötige Opportunitätskosten, was sich unmittelbar im Ergebnis zeigen wird. </a:t>
+            </a:r>
+          </a:p>
+        </p:txBody>
+      </p:sp>
+    </p:spTree>
+    <p:extLst>
+      <p:ext uri="{BB962C8B-B14F-4D97-AF65-F5344CB8AC3E}">
+        <p14:creationId xmlns:p14="http://schemas.microsoft.com/office/powerpoint/2010/main" val="960091345"/>
+      </p:ext>
+    </p:extLst>
+  </p:cSld>
+  <p:clrMapOvr>
+    <a:masterClrMapping/>
+  </p:clrMapOvr>
+  <p:timing>
+    <p:tnLst>
+      <p:par>
+        <p:cTn id="1" dur="indefinite" restart="never" nodeType="tmRoot"/>
+      </p:par>
+    </p:tnLst>
+  </p:timing>
+</p:sld>
+</file>
+
+<file path=ppt/slides/slide7.xml><?xml version="1.0" encoding="utf-8"?>
+<p:sld xmlns:a="http://schemas.openxmlformats.org/drawingml/2006/main" xmlns:r="http://schemas.openxmlformats.org/officeDocument/2006/relationships" xmlns:p="http://schemas.openxmlformats.org/presentationml/2006/main">
+  <p:cSld>
+    <p:spTree>
+      <p:nvGrpSpPr>
+        <p:cNvPr id="1" name=""/>
+        <p:cNvGrpSpPr/>
+        <p:nvPr/>
+      </p:nvGrpSpPr>
+      <p:grpSpPr>
+        <a:xfrm>
+          <a:off x="0" y="0"/>
+          <a:ext cx="0" cy="0"/>
+          <a:chOff x="0" y="0"/>
+          <a:chExt cx="0" cy="0"/>
+        </a:xfrm>
+      </p:grpSpPr>
+      <p:sp>
+        <p:nvSpPr>
+          <p:cNvPr id="2" name="Titel 1"/>
+          <p:cNvSpPr>
+            <a:spLocks noGrp="1"/>
+          </p:cNvSpPr>
+          <p:nvPr>
+            <p:ph type="title"/>
+          </p:nvPr>
+        </p:nvSpPr>
+        <p:spPr>
+          <a:xfrm>
+            <a:off x="165696" y="282749"/>
+            <a:ext cx="12313368" cy="1245915"/>
+          </a:xfrm>
+        </p:spPr>
+        <p:txBody>
+          <a:bodyPr/>
+          <a:lstStyle/>
+          <a:p>
+            <a:r>
+              <a:rPr lang="de-DE" sz="4400" dirty="0" smtClean="0"/>
+              <a:t>Häufigkeit Projekt-Phasen</a:t>
+            </a:r>
+            <a:endParaRPr lang="de-DE" dirty="0"/>
+          </a:p>
+        </p:txBody>
+      </p:sp>
+      <p:sp>
+        <p:nvSpPr>
+          <p:cNvPr id="10" name="Rechteck 9"/>
+          <p:cNvSpPr/>
+          <p:nvPr/>
+        </p:nvSpPr>
+        <p:spPr bwMode="auto">
+          <a:xfrm>
+            <a:off x="504000" y="9197280"/>
+            <a:ext cx="3478120" cy="340094"/>
+          </a:xfrm>
+          <a:prstGeom prst="rect">
+            <a:avLst/>
+          </a:prstGeom>
+          <a:solidFill>
+            <a:srgbClr val="FFFFFF"/>
+          </a:solidFill>
+          <a:ln w="38100" cap="flat" cmpd="sng" algn="ctr">
+            <a:solidFill>
+              <a:schemeClr val="accent1">
+                <a:lumMod val="75000"/>
+              </a:schemeClr>
+            </a:solidFill>
+            <a:prstDash val="solid"/>
+            <a:miter lim="0"/>
+            <a:headEnd type="none" w="med" len="med"/>
+            <a:tailEnd type="none" w="med" len="med"/>
+          </a:ln>
+          <a:effectLst>
+            <a:innerShdw blurRad="63500" dist="50800" dir="18900000">
+              <a:prstClr val="black">
+                <a:alpha val="50000"/>
+              </a:prstClr>
+            </a:innerShdw>
+            <a:softEdge rad="12700"/>
+          </a:effectLst>
+          <a:extLst/>
+        </p:spPr>
+        <p:txBody>
+          <a:bodyPr vert="horz" wrap="square" lIns="0" tIns="50800" rIns="50800" bIns="50800" numCol="1" rtlCol="0" anchor="ctr" anchorCtr="0" compatLnSpc="1">
+            <a:prstTxWarp prst="textNoShape">
+              <a:avLst/>
+            </a:prstTxWarp>
+          </a:bodyPr>
+          <a:lstStyle/>
+          <a:p>
+            <a:pPr marL="342900" algn="l"/>
             <a:r>
               <a:rPr lang="de-DE" sz="1400" dirty="0" smtClean="0">
                 <a:solidFill>
                   <a:schemeClr val="bg2"/>
                 </a:solidFill>
-                <a:sym typeface="Noteworthy Bold" charset="0"/>
-              </a:rPr>
-              <a:t>)</a:t>
+              </a:rPr>
+              <a:t>Stand:</a:t>
             </a:r>
             <a:endParaRPr lang="de-DE" sz="1400" dirty="0">
               <a:solidFill>
@@ -7049,14 +8440,77 @@
       </p:sp>
       <p:sp>
         <p:nvSpPr>
-          <p:cNvPr id="23" name="Rechteck 22"/>
+          <p:cNvPr id="15" name="Rechteck 14"/>
           <p:cNvSpPr/>
           <p:nvPr/>
         </p:nvSpPr>
         <p:spPr bwMode="auto">
           <a:xfrm>
-            <a:off x="886336" y="4092856"/>
-            <a:ext cx="3743856" cy="2160000"/>
+            <a:off x="4824480" y="9197280"/>
+            <a:ext cx="3478120" cy="340094"/>
+          </a:xfrm>
+          <a:prstGeom prst="rect">
+            <a:avLst/>
+          </a:prstGeom>
+          <a:solidFill>
+            <a:srgbClr val="FFFFFF"/>
+          </a:solidFill>
+          <a:ln w="38100" cap="flat" cmpd="sng" algn="ctr">
+            <a:solidFill>
+              <a:schemeClr val="accent1">
+                <a:lumMod val="75000"/>
+              </a:schemeClr>
+            </a:solidFill>
+            <a:prstDash val="solid"/>
+            <a:miter lim="0"/>
+            <a:headEnd type="none" w="med" len="med"/>
+            <a:tailEnd type="none" w="med" len="med"/>
+          </a:ln>
+          <a:effectLst>
+            <a:innerShdw blurRad="63500" dist="50800" dir="18900000">
+              <a:prstClr val="black">
+                <a:alpha val="50000"/>
+              </a:prstClr>
+            </a:innerShdw>
+            <a:softEdge rad="12700"/>
+          </a:effectLst>
+          <a:extLst/>
+        </p:spPr>
+        <p:txBody>
+          <a:bodyPr vert="horz" wrap="square" lIns="0" tIns="50800" rIns="50800" bIns="50800" numCol="1" rtlCol="0" anchor="ctr" anchorCtr="0" compatLnSpc="1">
+            <a:prstTxWarp prst="textNoShape">
+              <a:avLst/>
+            </a:prstTxWarp>
+          </a:bodyPr>
+          <a:lstStyle/>
+          <a:p>
+            <a:pPr marL="342900" algn="l"/>
+            <a:r>
+              <a:rPr lang="de-DE" sz="1400" dirty="0" smtClean="0">
+                <a:solidFill>
+                  <a:schemeClr val="bg2"/>
+                </a:solidFill>
+              </a:rPr>
+              <a:t>Zeitraum:</a:t>
+            </a:r>
+            <a:endParaRPr lang="de-DE" sz="1400" dirty="0">
+              <a:solidFill>
+                <a:schemeClr val="bg2"/>
+              </a:solidFill>
+            </a:endParaRPr>
+          </a:p>
+        </p:txBody>
+      </p:sp>
+      <p:sp>
+        <p:nvSpPr>
+          <p:cNvPr id="20" name="Rechteck 19"/>
+          <p:cNvSpPr/>
+          <p:nvPr/>
+        </p:nvSpPr>
+        <p:spPr bwMode="auto">
+          <a:xfrm>
+            <a:off x="6561084" y="6604992"/>
+            <a:ext cx="5040000" cy="2160000"/>
           </a:xfrm>
           <a:prstGeom prst="rect">
             <a:avLst/>
@@ -7101,37 +8555,7 @@
                 </a:solidFill>
                 <a:sym typeface="Noteworthy Bold" charset="0"/>
               </a:rPr>
-              <a:t>Phase </a:t>
-            </a:r>
-            <a:r>
-              <a:rPr lang="de-DE" sz="1400" dirty="0" smtClean="0">
-                <a:solidFill>
-                  <a:schemeClr val="bg2"/>
-                </a:solidFill>
-                <a:sym typeface="Noteworthy Bold" charset="0"/>
-              </a:rPr>
-              <a:t>(</a:t>
-            </a:r>
-            <a:r>
-              <a:rPr lang="de-DE" sz="1400" dirty="0">
-                <a:solidFill>
-                  <a:srgbClr val="572E2D"/>
-                </a:solidFill>
-                <a:latin typeface="Noteworthy Bold" charset="0"/>
-                <a:ea typeface="Noteworthy Bold" charset="0"/>
-                <a:cs typeface="Noteworthy Bold" charset="0"/>
-                <a:sym typeface="Noteworthy Bold" charset="0"/>
-              </a:rPr>
-              <a:t>Prozessvorläufer VS0</a:t>
-            </a:r>
-            <a:r>
-              <a:rPr lang="de-DE" sz="1400" dirty="0" smtClean="0">
-                <a:solidFill>
-                  <a:schemeClr val="bg2"/>
-                </a:solidFill>
-                <a:sym typeface="Noteworthy Bold" charset="0"/>
-              </a:rPr>
-              <a:t>)</a:t>
+              <a:t>Phase (Rollout)</a:t>
             </a:r>
             <a:endParaRPr lang="de-DE" sz="1400" dirty="0">
               <a:solidFill>
@@ -7143,14 +8567,14 @@
       </p:sp>
       <p:sp>
         <p:nvSpPr>
-          <p:cNvPr id="24" name="Rechteck 23"/>
+          <p:cNvPr id="21" name="Rechteck 20"/>
           <p:cNvSpPr/>
           <p:nvPr/>
         </p:nvSpPr>
         <p:spPr bwMode="auto">
           <a:xfrm>
-            <a:off x="4782592" y="4092856"/>
-            <a:ext cx="3743856" cy="2160000"/>
+            <a:off x="6572442" y="4196849"/>
+            <a:ext cx="5040000" cy="2160000"/>
           </a:xfrm>
           <a:prstGeom prst="rect">
             <a:avLst/>
@@ -7195,37 +8619,7 @@
                 </a:solidFill>
                 <a:sym typeface="Noteworthy Bold" charset="0"/>
               </a:rPr>
-              <a:t>Phase </a:t>
-            </a:r>
-            <a:r>
-              <a:rPr lang="de-DE" sz="1400" dirty="0" smtClean="0">
-                <a:solidFill>
-                  <a:schemeClr val="bg2"/>
-                </a:solidFill>
-                <a:sym typeface="Noteworthy Bold" charset="0"/>
-              </a:rPr>
-              <a:t>(</a:t>
-            </a:r>
-            <a:r>
-              <a:rPr lang="de-DE" sz="1400" dirty="0">
-                <a:solidFill>
-                  <a:srgbClr val="572E2D"/>
-                </a:solidFill>
-                <a:latin typeface="Noteworthy Bold" charset="0"/>
-                <a:ea typeface="Noteworthy Bold" charset="0"/>
-                <a:cs typeface="Noteworthy Bold" charset="0"/>
-                <a:sym typeface="Noteworthy Bold" charset="0"/>
-              </a:rPr>
-              <a:t>KSP 1</a:t>
-            </a:r>
-            <a:r>
-              <a:rPr lang="de-DE" sz="1400" dirty="0" smtClean="0">
-                <a:solidFill>
-                  <a:schemeClr val="bg2"/>
-                </a:solidFill>
-                <a:sym typeface="Noteworthy Bold" charset="0"/>
-              </a:rPr>
-              <a:t>)</a:t>
+              <a:t>Phase (Entwicklung)</a:t>
             </a:r>
             <a:endParaRPr lang="de-DE" sz="1400" dirty="0">
               <a:solidFill>
@@ -7237,14 +8631,14 @@
       </p:sp>
       <p:sp>
         <p:nvSpPr>
-          <p:cNvPr id="25" name="Rechteck 24"/>
+          <p:cNvPr id="11" name="Rechteck 10"/>
           <p:cNvSpPr/>
           <p:nvPr/>
         </p:nvSpPr>
         <p:spPr bwMode="auto">
           <a:xfrm>
-            <a:off x="8678848" y="4092856"/>
-            <a:ext cx="3743856" cy="2160000"/>
+            <a:off x="849274" y="6604992"/>
+            <a:ext cx="5040000" cy="2160000"/>
           </a:xfrm>
           <a:prstGeom prst="rect">
             <a:avLst/>
@@ -7289,37 +8683,7 @@
                 </a:solidFill>
                 <a:sym typeface="Noteworthy Bold" charset="0"/>
               </a:rPr>
-              <a:t>Phase </a:t>
-            </a:r>
-            <a:r>
-              <a:rPr lang="de-DE" sz="1400" dirty="0" smtClean="0">
-                <a:solidFill>
-                  <a:schemeClr val="bg2"/>
-                </a:solidFill>
-                <a:sym typeface="Noteworthy Bold" charset="0"/>
-              </a:rPr>
-              <a:t>(</a:t>
-            </a:r>
-            <a:r>
-              <a:rPr lang="de-DE" sz="1400" dirty="0">
-                <a:solidFill>
-                  <a:srgbClr val="572E2D"/>
-                </a:solidFill>
-                <a:latin typeface="Noteworthy Bold" charset="0"/>
-                <a:ea typeface="Noteworthy Bold" charset="0"/>
-                <a:cs typeface="Noteworthy Bold" charset="0"/>
-                <a:sym typeface="Noteworthy Bold" charset="0"/>
-              </a:rPr>
-              <a:t>KSP 2</a:t>
-            </a:r>
-            <a:r>
-              <a:rPr lang="de-DE" sz="1400" dirty="0" smtClean="0">
-                <a:solidFill>
-                  <a:schemeClr val="bg2"/>
-                </a:solidFill>
-                <a:sym typeface="Noteworthy Bold" charset="0"/>
-              </a:rPr>
-              <a:t>)</a:t>
+              <a:t>Phase (Test)</a:t>
             </a:r>
             <a:endParaRPr lang="de-DE" sz="1400" dirty="0">
               <a:solidFill>
@@ -7331,14 +8695,14 @@
       </p:sp>
       <p:sp>
         <p:nvSpPr>
-          <p:cNvPr id="26" name="Rechteck 25"/>
+          <p:cNvPr id="12" name="Rechteck 11"/>
           <p:cNvSpPr/>
           <p:nvPr/>
         </p:nvSpPr>
         <p:spPr bwMode="auto">
           <a:xfrm>
-            <a:off x="886336" y="6385919"/>
-            <a:ext cx="3743856" cy="2160000"/>
+            <a:off x="6563540" y="1780456"/>
+            <a:ext cx="5040000" cy="2160000"/>
           </a:xfrm>
           <a:prstGeom prst="rect">
             <a:avLst/>
@@ -7383,37 +8747,7 @@
                 </a:solidFill>
                 <a:sym typeface="Noteworthy Bold" charset="0"/>
               </a:rPr>
-              <a:t>Phase </a:t>
-            </a:r>
-            <a:r>
-              <a:rPr lang="de-DE" sz="1400" dirty="0" smtClean="0">
-                <a:solidFill>
-                  <a:schemeClr val="bg2"/>
-                </a:solidFill>
-                <a:sym typeface="Noteworthy Bold" charset="0"/>
-              </a:rPr>
-              <a:t>(</a:t>
-            </a:r>
-            <a:r>
-              <a:rPr lang="de-DE" sz="1400" dirty="0">
-                <a:solidFill>
-                  <a:srgbClr val="572E2D"/>
-                </a:solidFill>
-                <a:latin typeface="Noteworthy Bold" charset="0"/>
-                <a:ea typeface="Noteworthy Bold" charset="0"/>
-                <a:cs typeface="Noteworthy Bold" charset="0"/>
-                <a:sym typeface="Noteworthy Bold" charset="0"/>
-              </a:rPr>
-              <a:t>KSP 3</a:t>
-            </a:r>
-            <a:r>
-              <a:rPr lang="de-DE" sz="1400" dirty="0" smtClean="0">
-                <a:solidFill>
-                  <a:schemeClr val="bg2"/>
-                </a:solidFill>
-                <a:sym typeface="Noteworthy Bold" charset="0"/>
-              </a:rPr>
-              <a:t>)</a:t>
+              <a:t>Phase (Konzept)</a:t>
             </a:r>
             <a:endParaRPr lang="de-DE" sz="1400" dirty="0">
               <a:solidFill>
@@ -7425,14 +8759,14 @@
       </p:sp>
       <p:sp>
         <p:nvSpPr>
-          <p:cNvPr id="27" name="Rechteck 26"/>
+          <p:cNvPr id="13" name="Rechteck 12"/>
           <p:cNvSpPr/>
           <p:nvPr/>
         </p:nvSpPr>
         <p:spPr bwMode="auto">
           <a:xfrm>
-            <a:off x="4782592" y="6385919"/>
-            <a:ext cx="3743856" cy="2160000"/>
+            <a:off x="886336" y="1780456"/>
+            <a:ext cx="5040000" cy="2160000"/>
           </a:xfrm>
           <a:prstGeom prst="rect">
             <a:avLst/>
@@ -7477,61 +8811,7 @@
                 </a:solidFill>
                 <a:sym typeface="Noteworthy Bold" charset="0"/>
               </a:rPr>
-              <a:t>Phase </a:t>
-            </a:r>
-            <a:r>
-              <a:rPr lang="de-DE" sz="1400" dirty="0" smtClean="0">
-                <a:solidFill>
-                  <a:schemeClr val="bg2"/>
-                </a:solidFill>
-                <a:sym typeface="Noteworthy Bold" charset="0"/>
-              </a:rPr>
-              <a:t>(</a:t>
-            </a:r>
-            <a:r>
-              <a:rPr lang="de-DE" sz="1400" dirty="0" smtClean="0">
-                <a:solidFill>
-                  <a:srgbClr val="572E2D"/>
-                </a:solidFill>
-                <a:latin typeface="Noteworthy Bold" charset="0"/>
-                <a:ea typeface="Noteworthy Bold" charset="0"/>
-                <a:cs typeface="Noteworthy Bold" charset="0"/>
-                <a:sym typeface="Noteworthy Bold" charset="0"/>
-              </a:rPr>
-              <a:t>Montage </a:t>
-            </a:r>
-            <a:r>
-              <a:rPr lang="de-DE" sz="1400" dirty="0">
-                <a:solidFill>
-                  <a:srgbClr val="572E2D"/>
-                </a:solidFill>
-                <a:latin typeface="Noteworthy Bold" charset="0"/>
-                <a:ea typeface="Noteworthy Bold" charset="0"/>
-                <a:cs typeface="Noteworthy Bold" charset="0"/>
-                <a:sym typeface="Noteworthy Bold" charset="0"/>
-              </a:rPr>
-              <a:t>BBG Pulk </a:t>
-            </a:r>
-            <a:r>
-              <a:rPr lang="de-DE" sz="1400" dirty="0" smtClean="0">
-                <a:solidFill>
-                  <a:srgbClr val="572E2D"/>
-                </a:solidFill>
-                <a:latin typeface="Noteworthy Bold" charset="0"/>
-                <a:ea typeface="Noteworthy Bold" charset="0"/>
-                <a:cs typeface="Noteworthy Bold" charset="0"/>
-                <a:sym typeface="Noteworthy Bold" charset="0"/>
-              </a:rPr>
-              <a:t>1</a:t>
-            </a:r>
-            <a:r>
-              <a:rPr lang="de-DE" sz="1400" dirty="0" smtClean="0">
-                <a:solidFill>
-                  <a:schemeClr val="bg2"/>
-                </a:solidFill>
-                <a:sym typeface="Noteworthy Bold" charset="0"/>
-              </a:rPr>
-              <a:t>)</a:t>
+              <a:t>Phase (Business Case)</a:t>
             </a:r>
             <a:endParaRPr lang="de-DE" sz="1400" dirty="0">
               <a:solidFill>
@@ -7543,14 +8823,14 @@
       </p:sp>
       <p:sp>
         <p:nvSpPr>
-          <p:cNvPr id="28" name="Rechteck 27"/>
+          <p:cNvPr id="14" name="Rechteck 13"/>
           <p:cNvSpPr/>
           <p:nvPr/>
         </p:nvSpPr>
         <p:spPr bwMode="auto">
           <a:xfrm>
-            <a:off x="8678848" y="6385919"/>
-            <a:ext cx="3743856" cy="2160000"/>
+            <a:off x="871304" y="4196849"/>
+            <a:ext cx="5040000" cy="2160000"/>
           </a:xfrm>
           <a:prstGeom prst="rect">
             <a:avLst/>
@@ -7589,44 +8869,31 @@
           <a:p>
             <a:pPr marL="342900"/>
             <a:r>
+              <a:rPr lang="de-DE" sz="1400" dirty="0" smtClean="0">
+                <a:solidFill>
+                  <a:schemeClr val="bg2"/>
+                </a:solidFill>
+                <a:sym typeface="Noteworthy Bold" charset="0"/>
+              </a:rPr>
+              <a:t>Phase </a:t>
+            </a:r>
+            <a:r>
               <a:rPr lang="de-DE" sz="1400" dirty="0">
                 <a:solidFill>
                   <a:schemeClr val="bg2"/>
                 </a:solidFill>
                 <a:sym typeface="Noteworthy Bold" charset="0"/>
               </a:rPr>
-              <a:t>Phase </a:t>
-            </a:r>
-            <a:r>
-              <a:rPr lang="de-DE" sz="1400" dirty="0" smtClean="0">
-                <a:solidFill>
-                  <a:schemeClr val="bg2"/>
-                </a:solidFill>
-                <a:sym typeface="Noteworthy Bold" charset="0"/>
-              </a:rPr>
-              <a:t>(</a:t>
-            </a:r>
-            <a:r>
-              <a:rPr lang="de-DE" sz="1400" dirty="0">
-                <a:solidFill>
-                  <a:srgbClr val="572E2D"/>
-                </a:solidFill>
-                <a:latin typeface="Noteworthy Bold" charset="0"/>
-                <a:ea typeface="Noteworthy Bold" charset="0"/>
-                <a:cs typeface="Noteworthy Bold" charset="0"/>
-                <a:sym typeface="Noteworthy Bold" charset="0"/>
-              </a:rPr>
-              <a:t>Montage BBG Pulk 2</a:t>
-            </a:r>
-            <a:r>
-              <a:rPr lang="de-DE" sz="1400" dirty="0" smtClean="0">
-                <a:solidFill>
-                  <a:schemeClr val="bg2"/>
-                </a:solidFill>
-                <a:sym typeface="Noteworthy Bold" charset="0"/>
-              </a:rPr>
-              <a:t>)</a:t>
-            </a:r>
+              <a:t>(Prototyp)</a:t>
+            </a:r>
+            <a:endParaRPr lang="de-DE" sz="1400" dirty="0">
+              <a:solidFill>
+                <a:schemeClr val="bg2"/>
+              </a:solidFill>
+            </a:endParaRPr>
+          </a:p>
+          <a:p>
+            <a:pPr marL="342900"/>
             <a:endParaRPr lang="de-DE" sz="1400" dirty="0">
               <a:solidFill>
                 <a:schemeClr val="bg2"/>
@@ -7639,6 +8906,846 @@
     <p:extLst>
       <p:ext uri="{BB962C8B-B14F-4D97-AF65-F5344CB8AC3E}">
         <p14:creationId xmlns:p14="http://schemas.microsoft.com/office/powerpoint/2010/main" val="2303774407"/>
+      </p:ext>
+    </p:extLst>
+  </p:cSld>
+  <p:clrMapOvr>
+    <a:masterClrMapping/>
+  </p:clrMapOvr>
+  <p:timing>
+    <p:tnLst>
+      <p:par>
+        <p:cTn id="1" dur="indefinite" restart="never" nodeType="tmRoot"/>
+      </p:par>
+    </p:tnLst>
+  </p:timing>
+</p:sld>
+</file>
+
+<file path=ppt/slides/slide8.xml><?xml version="1.0" encoding="utf-8"?>
+<p:sld xmlns:a="http://schemas.openxmlformats.org/drawingml/2006/main" xmlns:r="http://schemas.openxmlformats.org/officeDocument/2006/relationships" xmlns:p="http://schemas.openxmlformats.org/presentationml/2006/main">
+  <p:cSld>
+    <p:spTree>
+      <p:nvGrpSpPr>
+        <p:cNvPr id="1" name=""/>
+        <p:cNvGrpSpPr/>
+        <p:nvPr/>
+      </p:nvGrpSpPr>
+      <p:grpSpPr>
+        <a:xfrm>
+          <a:off x="0" y="0"/>
+          <a:ext cx="0" cy="0"/>
+          <a:chOff x="0" y="0"/>
+          <a:chExt cx="0" cy="0"/>
+        </a:xfrm>
+      </p:grpSpPr>
+      <p:sp>
+        <p:nvSpPr>
+          <p:cNvPr id="2" name="Titel 1"/>
+          <p:cNvSpPr>
+            <a:spLocks noGrp="1"/>
+          </p:cNvSpPr>
+          <p:nvPr>
+            <p:ph type="title"/>
+          </p:nvPr>
+        </p:nvSpPr>
+        <p:spPr>
+          <a:xfrm>
+            <a:off x="650875" y="390525"/>
+            <a:ext cx="11703050" cy="1245915"/>
+          </a:xfrm>
+        </p:spPr>
+        <p:txBody>
+          <a:bodyPr/>
+          <a:lstStyle/>
+          <a:p>
+            <a:r>
+              <a:rPr lang="de-DE" sz="4400" dirty="0" smtClean="0"/>
+              <a:t>Ressourcen Auslastung</a:t>
+            </a:r>
+            <a:endParaRPr lang="de-DE" dirty="0"/>
+          </a:p>
+        </p:txBody>
+      </p:sp>
+      <p:sp>
+        <p:nvSpPr>
+          <p:cNvPr id="10" name="Rechteck 9"/>
+          <p:cNvSpPr/>
+          <p:nvPr/>
+        </p:nvSpPr>
+        <p:spPr bwMode="auto">
+          <a:xfrm>
+            <a:off x="504000" y="9197280"/>
+            <a:ext cx="3478120" cy="340094"/>
+          </a:xfrm>
+          <a:prstGeom prst="rect">
+            <a:avLst/>
+          </a:prstGeom>
+          <a:solidFill>
+            <a:srgbClr val="FFFFFF"/>
+          </a:solidFill>
+          <a:ln w="38100" cap="flat" cmpd="sng" algn="ctr">
+            <a:solidFill>
+              <a:schemeClr val="accent1">
+                <a:lumMod val="75000"/>
+              </a:schemeClr>
+            </a:solidFill>
+            <a:prstDash val="solid"/>
+            <a:miter lim="0"/>
+            <a:headEnd type="none" w="med" len="med"/>
+            <a:tailEnd type="none" w="med" len="med"/>
+          </a:ln>
+          <a:effectLst>
+            <a:innerShdw blurRad="63500" dist="50800" dir="18900000">
+              <a:prstClr val="black">
+                <a:alpha val="50000"/>
+              </a:prstClr>
+            </a:innerShdw>
+            <a:softEdge rad="12700"/>
+          </a:effectLst>
+          <a:extLst/>
+        </p:spPr>
+        <p:txBody>
+          <a:bodyPr vert="horz" wrap="square" lIns="0" tIns="50800" rIns="50800" bIns="50800" numCol="1" rtlCol="0" anchor="ctr" anchorCtr="0" compatLnSpc="1">
+            <a:prstTxWarp prst="textNoShape">
+              <a:avLst/>
+            </a:prstTxWarp>
+          </a:bodyPr>
+          <a:lstStyle/>
+          <a:p>
+            <a:pPr marL="342900" algn="l"/>
+            <a:r>
+              <a:rPr lang="de-DE" sz="1400" dirty="0" smtClean="0">
+                <a:solidFill>
+                  <a:schemeClr val="bg2"/>
+                </a:solidFill>
+              </a:rPr>
+              <a:t>Stand:</a:t>
+            </a:r>
+            <a:endParaRPr lang="de-DE" sz="1400" dirty="0">
+              <a:solidFill>
+                <a:schemeClr val="bg2"/>
+              </a:solidFill>
+            </a:endParaRPr>
+          </a:p>
+        </p:txBody>
+      </p:sp>
+      <p:sp>
+        <p:nvSpPr>
+          <p:cNvPr id="15" name="Rechteck 14"/>
+          <p:cNvSpPr/>
+          <p:nvPr/>
+        </p:nvSpPr>
+        <p:spPr bwMode="auto">
+          <a:xfrm>
+            <a:off x="4824480" y="9197280"/>
+            <a:ext cx="3478120" cy="340094"/>
+          </a:xfrm>
+          <a:prstGeom prst="rect">
+            <a:avLst/>
+          </a:prstGeom>
+          <a:solidFill>
+            <a:srgbClr val="FFFFFF"/>
+          </a:solidFill>
+          <a:ln w="38100" cap="flat" cmpd="sng" algn="ctr">
+            <a:solidFill>
+              <a:schemeClr val="accent1">
+                <a:lumMod val="75000"/>
+              </a:schemeClr>
+            </a:solidFill>
+            <a:prstDash val="solid"/>
+            <a:miter lim="0"/>
+            <a:headEnd type="none" w="med" len="med"/>
+            <a:tailEnd type="none" w="med" len="med"/>
+          </a:ln>
+          <a:effectLst>
+            <a:innerShdw blurRad="63500" dist="50800" dir="18900000">
+              <a:prstClr val="black">
+                <a:alpha val="50000"/>
+              </a:prstClr>
+            </a:innerShdw>
+            <a:softEdge rad="12700"/>
+          </a:effectLst>
+          <a:extLst/>
+        </p:spPr>
+        <p:txBody>
+          <a:bodyPr vert="horz" wrap="square" lIns="0" tIns="50800" rIns="50800" bIns="50800" numCol="1" rtlCol="0" anchor="ctr" anchorCtr="0" compatLnSpc="1">
+            <a:prstTxWarp prst="textNoShape">
+              <a:avLst/>
+            </a:prstTxWarp>
+          </a:bodyPr>
+          <a:lstStyle/>
+          <a:p>
+            <a:pPr marL="342900" algn="l"/>
+            <a:r>
+              <a:rPr lang="de-DE" sz="1400" dirty="0" smtClean="0">
+                <a:solidFill>
+                  <a:schemeClr val="bg2"/>
+                </a:solidFill>
+              </a:rPr>
+              <a:t>Zeitraum:</a:t>
+            </a:r>
+            <a:endParaRPr lang="de-DE" sz="1400" dirty="0">
+              <a:solidFill>
+                <a:schemeClr val="bg2"/>
+              </a:solidFill>
+            </a:endParaRPr>
+          </a:p>
+        </p:txBody>
+      </p:sp>
+      <p:sp>
+        <p:nvSpPr>
+          <p:cNvPr id="23" name="Rechteck 22"/>
+          <p:cNvSpPr/>
+          <p:nvPr/>
+        </p:nvSpPr>
+        <p:spPr bwMode="auto">
+          <a:xfrm>
+            <a:off x="7582519" y="1564432"/>
+            <a:ext cx="4547979" cy="2314201"/>
+          </a:xfrm>
+          <a:prstGeom prst="rect">
+            <a:avLst/>
+          </a:prstGeom>
+          <a:solidFill>
+            <a:srgbClr val="FFFFFF"/>
+          </a:solidFill>
+          <a:ln w="38100" cap="flat" cmpd="sng" algn="ctr">
+            <a:solidFill>
+              <a:schemeClr val="accent1">
+                <a:lumMod val="75000"/>
+              </a:schemeClr>
+            </a:solidFill>
+            <a:prstDash val="solid"/>
+            <a:miter lim="0"/>
+            <a:headEnd type="none" w="med" len="med"/>
+            <a:tailEnd type="none" w="med" len="med"/>
+          </a:ln>
+          <a:effectLst>
+            <a:innerShdw blurRad="63500" dist="50800" dir="18900000">
+              <a:prstClr val="black">
+                <a:alpha val="50000"/>
+              </a:prstClr>
+            </a:innerShdw>
+            <a:softEdge rad="12700"/>
+          </a:effectLst>
+          <a:extLst/>
+        </p:spPr>
+        <p:txBody>
+          <a:bodyPr vert="horz" wrap="square" lIns="50800" tIns="50800" rIns="50800" bIns="50800" numCol="1" rtlCol="0" anchor="ctr" anchorCtr="0" compatLnSpc="1">
+            <a:prstTxWarp prst="textNoShape">
+              <a:avLst/>
+            </a:prstTxWarp>
+          </a:bodyPr>
+          <a:lstStyle/>
+          <a:p>
+            <a:r>
+              <a:rPr lang="de-DE" sz="1200" dirty="0">
+                <a:solidFill>
+                  <a:schemeClr val="bg2"/>
+                </a:solidFill>
+                <a:sym typeface="Noteworthy Bold" charset="0"/>
+              </a:rPr>
+              <a:t>Übersicht</a:t>
+            </a:r>
+            <a:r>
+              <a:rPr lang="de-DE" sz="1400" b="1" dirty="0">
+                <a:solidFill>
+                  <a:schemeClr val="bg2"/>
+                </a:solidFill>
+                <a:latin typeface="Noteworthy Bold" charset="0"/>
+                <a:ea typeface="Noteworthy Bold" charset="0"/>
+                <a:cs typeface="Noteworthy Bold" charset="0"/>
+                <a:sym typeface="Noteworthy Bold" charset="0"/>
+              </a:rPr>
+              <a:t> </a:t>
+            </a:r>
+            <a:r>
+              <a:rPr lang="de-DE" sz="1200" dirty="0">
+                <a:solidFill>
+                  <a:schemeClr val="bg2"/>
+                </a:solidFill>
+                <a:sym typeface="Noteworthy Bold" charset="0"/>
+              </a:rPr>
+              <a:t>Auslastung</a:t>
+            </a:r>
+          </a:p>
+        </p:txBody>
+      </p:sp>
+      <p:sp>
+        <p:nvSpPr>
+          <p:cNvPr id="32" name="Rechteck 31"/>
+          <p:cNvSpPr/>
+          <p:nvPr/>
+        </p:nvSpPr>
+        <p:spPr bwMode="auto">
+          <a:xfrm>
+            <a:off x="7582519" y="4007732"/>
+            <a:ext cx="4547980" cy="2314201"/>
+          </a:xfrm>
+          <a:prstGeom prst="rect">
+            <a:avLst/>
+          </a:prstGeom>
+          <a:solidFill>
+            <a:srgbClr val="FFFFFF"/>
+          </a:solidFill>
+          <a:ln w="38100" cap="flat" cmpd="sng" algn="ctr">
+            <a:solidFill>
+              <a:schemeClr val="accent1">
+                <a:lumMod val="75000"/>
+              </a:schemeClr>
+            </a:solidFill>
+            <a:prstDash val="solid"/>
+            <a:miter lim="0"/>
+            <a:headEnd type="none" w="med" len="med"/>
+            <a:tailEnd type="none" w="med" len="med"/>
+          </a:ln>
+          <a:effectLst>
+            <a:innerShdw blurRad="63500" dist="50800" dir="18900000">
+              <a:prstClr val="black">
+                <a:alpha val="50000"/>
+              </a:prstClr>
+            </a:innerShdw>
+            <a:softEdge rad="12700"/>
+          </a:effectLst>
+          <a:extLst/>
+        </p:spPr>
+        <p:txBody>
+          <a:bodyPr vert="horz" wrap="square" lIns="50800" tIns="50800" rIns="50800" bIns="50800" numCol="1" rtlCol="0" anchor="ctr" anchorCtr="0" compatLnSpc="1">
+            <a:prstTxWarp prst="textNoShape">
+              <a:avLst/>
+            </a:prstTxWarp>
+          </a:bodyPr>
+          <a:lstStyle/>
+          <a:p>
+            <a:r>
+              <a:rPr lang="de-DE" sz="1200" dirty="0">
+                <a:solidFill>
+                  <a:schemeClr val="bg2"/>
+                </a:solidFill>
+                <a:sym typeface="Noteworthy Bold" charset="0"/>
+              </a:rPr>
+              <a:t>Details</a:t>
+            </a:r>
+            <a:r>
+              <a:rPr lang="de-DE" sz="1400" b="1" dirty="0">
+                <a:solidFill>
+                  <a:schemeClr val="bg2"/>
+                </a:solidFill>
+                <a:latin typeface="Noteworthy Bold" charset="0"/>
+                <a:ea typeface="Noteworthy Bold" charset="0"/>
+                <a:cs typeface="Noteworthy Bold" charset="0"/>
+                <a:sym typeface="Noteworthy Bold" charset="0"/>
+              </a:rPr>
+              <a:t> </a:t>
+            </a:r>
+            <a:r>
+              <a:rPr lang="de-DE" sz="1200" dirty="0">
+                <a:solidFill>
+                  <a:schemeClr val="bg2"/>
+                </a:solidFill>
+                <a:sym typeface="Noteworthy Bold" charset="0"/>
+              </a:rPr>
+              <a:t>Überauslastung</a:t>
+            </a:r>
+            <a:endParaRPr lang="de-DE" sz="1200" dirty="0">
+              <a:solidFill>
+                <a:schemeClr val="bg2"/>
+              </a:solidFill>
+            </a:endParaRPr>
+          </a:p>
+        </p:txBody>
+      </p:sp>
+      <p:sp>
+        <p:nvSpPr>
+          <p:cNvPr id="33" name="Rechteck 32"/>
+          <p:cNvSpPr/>
+          <p:nvPr/>
+        </p:nvSpPr>
+        <p:spPr bwMode="auto">
+          <a:xfrm>
+            <a:off x="7582519" y="6451031"/>
+            <a:ext cx="4547980" cy="2314201"/>
+          </a:xfrm>
+          <a:prstGeom prst="rect">
+            <a:avLst/>
+          </a:prstGeom>
+          <a:solidFill>
+            <a:srgbClr val="FFFFFF"/>
+          </a:solidFill>
+          <a:ln w="38100" cap="flat" cmpd="sng" algn="ctr">
+            <a:solidFill>
+              <a:schemeClr val="accent1">
+                <a:lumMod val="75000"/>
+              </a:schemeClr>
+            </a:solidFill>
+            <a:prstDash val="solid"/>
+            <a:miter lim="0"/>
+            <a:headEnd type="none" w="med" len="med"/>
+            <a:tailEnd type="none" w="med" len="med"/>
+          </a:ln>
+          <a:effectLst>
+            <a:innerShdw blurRad="63500" dist="50800" dir="18900000">
+              <a:prstClr val="black">
+                <a:alpha val="50000"/>
+              </a:prstClr>
+            </a:innerShdw>
+            <a:softEdge rad="12700"/>
+          </a:effectLst>
+          <a:extLst/>
+        </p:spPr>
+        <p:txBody>
+          <a:bodyPr vert="horz" wrap="square" lIns="50800" tIns="50800" rIns="50800" bIns="50800" numCol="1" rtlCol="0" anchor="ctr" anchorCtr="0" compatLnSpc="1">
+            <a:prstTxWarp prst="textNoShape">
+              <a:avLst/>
+            </a:prstTxWarp>
+          </a:bodyPr>
+          <a:lstStyle/>
+          <a:p>
+            <a:r>
+              <a:rPr lang="de-DE" sz="1200" dirty="0">
+                <a:solidFill>
+                  <a:schemeClr val="bg2"/>
+                </a:solidFill>
+                <a:sym typeface="Noteworthy Bold" charset="0"/>
+              </a:rPr>
+              <a:t>Details</a:t>
+            </a:r>
+            <a:r>
+              <a:rPr lang="de-DE" sz="1400" b="1" dirty="0">
+                <a:solidFill>
+                  <a:schemeClr val="bg2"/>
+                </a:solidFill>
+                <a:latin typeface="Noteworthy Bold" charset="0"/>
+                <a:ea typeface="Noteworthy Bold" charset="0"/>
+                <a:cs typeface="Noteworthy Bold" charset="0"/>
+                <a:sym typeface="Noteworthy Bold" charset="0"/>
+              </a:rPr>
+              <a:t> </a:t>
+            </a:r>
+            <a:r>
+              <a:rPr lang="de-DE" sz="1200" dirty="0">
+                <a:solidFill>
+                  <a:schemeClr val="bg2"/>
+                </a:solidFill>
+                <a:sym typeface="Noteworthy Bold" charset="0"/>
+              </a:rPr>
+              <a:t>Unterauslastung</a:t>
+            </a:r>
+            <a:endParaRPr lang="de-DE" sz="1200" dirty="0">
+              <a:solidFill>
+                <a:schemeClr val="bg2"/>
+              </a:solidFill>
+            </a:endParaRPr>
+          </a:p>
+        </p:txBody>
+      </p:sp>
+      <p:sp>
+        <p:nvSpPr>
+          <p:cNvPr id="13" name="Rechteck 12"/>
+          <p:cNvSpPr/>
+          <p:nvPr/>
+        </p:nvSpPr>
+        <p:spPr bwMode="auto">
+          <a:xfrm>
+            <a:off x="721284" y="6451032"/>
+            <a:ext cx="3260835" cy="2314200"/>
+          </a:xfrm>
+          <a:prstGeom prst="rect">
+            <a:avLst/>
+          </a:prstGeom>
+          <a:solidFill>
+            <a:srgbClr val="FFFFFF"/>
+          </a:solidFill>
+          <a:ln w="38100" cap="flat" cmpd="sng" algn="ctr">
+            <a:solidFill>
+              <a:schemeClr val="accent1">
+                <a:lumMod val="75000"/>
+              </a:schemeClr>
+            </a:solidFill>
+            <a:prstDash val="solid"/>
+            <a:miter lim="0"/>
+            <a:headEnd type="none" w="med" len="med"/>
+            <a:tailEnd type="none" w="med" len="med"/>
+          </a:ln>
+          <a:effectLst>
+            <a:innerShdw blurRad="63500" dist="50800" dir="18900000">
+              <a:prstClr val="black">
+                <a:alpha val="50000"/>
+              </a:prstClr>
+            </a:innerShdw>
+            <a:softEdge rad="12700"/>
+          </a:effectLst>
+          <a:extLst/>
+        </p:spPr>
+        <p:txBody>
+          <a:bodyPr vert="horz" wrap="square" lIns="50800" tIns="50800" rIns="50800" bIns="50800" numCol="1" rtlCol="0" anchor="ctr" anchorCtr="0" compatLnSpc="1">
+            <a:prstTxWarp prst="textNoShape">
+              <a:avLst/>
+            </a:prstTxWarp>
+          </a:bodyPr>
+          <a:lstStyle/>
+          <a:p>
+            <a:pPr marL="342900"/>
+            <a:r>
+              <a:rPr lang="de-DE" sz="1200" dirty="0">
+                <a:solidFill>
+                  <a:schemeClr val="bg2"/>
+                </a:solidFill>
+                <a:sym typeface="Noteworthy Bold" charset="0"/>
+              </a:rPr>
+              <a:t>Rolle (</a:t>
+            </a:r>
+            <a:r>
+              <a:rPr lang="de-DE" sz="1200" dirty="0" smtClean="0">
+                <a:solidFill>
+                  <a:schemeClr val="bg2"/>
+                </a:solidFill>
+                <a:sym typeface="Noteworthy Bold" charset="0"/>
+              </a:rPr>
+              <a:t>Analyst)</a:t>
+            </a:r>
+            <a:endParaRPr lang="de-DE" sz="1200" dirty="0">
+              <a:solidFill>
+                <a:schemeClr val="bg2"/>
+              </a:solidFill>
+            </a:endParaRPr>
+          </a:p>
+        </p:txBody>
+      </p:sp>
+      <p:sp>
+        <p:nvSpPr>
+          <p:cNvPr id="14" name="Rechteck 13"/>
+          <p:cNvSpPr/>
+          <p:nvPr/>
+        </p:nvSpPr>
+        <p:spPr bwMode="auto">
+          <a:xfrm>
+            <a:off x="4145891" y="4007731"/>
+            <a:ext cx="3260835" cy="2314200"/>
+          </a:xfrm>
+          <a:prstGeom prst="rect">
+            <a:avLst/>
+          </a:prstGeom>
+          <a:solidFill>
+            <a:srgbClr val="FFFFFF"/>
+          </a:solidFill>
+          <a:ln w="38100" cap="flat" cmpd="sng" algn="ctr">
+            <a:solidFill>
+              <a:schemeClr val="accent1">
+                <a:lumMod val="75000"/>
+              </a:schemeClr>
+            </a:solidFill>
+            <a:prstDash val="solid"/>
+            <a:miter lim="0"/>
+            <a:headEnd type="none" w="med" len="med"/>
+            <a:tailEnd type="none" w="med" len="med"/>
+          </a:ln>
+          <a:effectLst>
+            <a:innerShdw blurRad="63500" dist="50800" dir="18900000">
+              <a:prstClr val="black">
+                <a:alpha val="50000"/>
+              </a:prstClr>
+            </a:innerShdw>
+            <a:softEdge rad="12700"/>
+          </a:effectLst>
+          <a:extLst/>
+        </p:spPr>
+        <p:txBody>
+          <a:bodyPr vert="horz" wrap="square" lIns="50800" tIns="50800" rIns="50800" bIns="50800" numCol="1" rtlCol="0" anchor="ctr" anchorCtr="0" compatLnSpc="1">
+            <a:prstTxWarp prst="textNoShape">
+              <a:avLst/>
+            </a:prstTxWarp>
+          </a:bodyPr>
+          <a:lstStyle/>
+          <a:p>
+            <a:pPr marL="342900"/>
+            <a:r>
+              <a:rPr lang="de-DE" sz="1200" dirty="0">
+                <a:solidFill>
+                  <a:schemeClr val="bg2"/>
+                </a:solidFill>
+                <a:sym typeface="Noteworthy Bold" charset="0"/>
+              </a:rPr>
+              <a:t>Rolle (Entwickler)</a:t>
+            </a:r>
+            <a:endParaRPr lang="de-DE" sz="1200" dirty="0">
+              <a:solidFill>
+                <a:schemeClr val="bg2"/>
+              </a:solidFill>
+            </a:endParaRPr>
+          </a:p>
+        </p:txBody>
+      </p:sp>
+      <p:sp>
+        <p:nvSpPr>
+          <p:cNvPr id="16" name="Rechteck 15"/>
+          <p:cNvSpPr/>
+          <p:nvPr/>
+        </p:nvSpPr>
+        <p:spPr bwMode="auto">
+          <a:xfrm>
+            <a:off x="721284" y="4007733"/>
+            <a:ext cx="3260835" cy="2314200"/>
+          </a:xfrm>
+          <a:prstGeom prst="rect">
+            <a:avLst/>
+          </a:prstGeom>
+          <a:solidFill>
+            <a:srgbClr val="FFFFFF"/>
+          </a:solidFill>
+          <a:ln w="38100" cap="flat" cmpd="sng" algn="ctr">
+            <a:solidFill>
+              <a:schemeClr val="accent1">
+                <a:lumMod val="75000"/>
+              </a:schemeClr>
+            </a:solidFill>
+            <a:prstDash val="solid"/>
+            <a:miter lim="0"/>
+            <a:headEnd type="none" w="med" len="med"/>
+            <a:tailEnd type="none" w="med" len="med"/>
+          </a:ln>
+          <a:effectLst>
+            <a:innerShdw blurRad="63500" dist="50800" dir="18900000">
+              <a:prstClr val="black">
+                <a:alpha val="50000"/>
+              </a:prstClr>
+            </a:innerShdw>
+            <a:softEdge rad="12700"/>
+          </a:effectLst>
+          <a:extLst/>
+        </p:spPr>
+        <p:txBody>
+          <a:bodyPr vert="horz" wrap="square" lIns="50800" tIns="50800" rIns="50800" bIns="50800" numCol="1" rtlCol="0" anchor="ctr" anchorCtr="0" compatLnSpc="1">
+            <a:prstTxWarp prst="textNoShape">
+              <a:avLst/>
+            </a:prstTxWarp>
+          </a:bodyPr>
+          <a:lstStyle/>
+          <a:p>
+            <a:pPr marL="342900"/>
+            <a:r>
+              <a:rPr lang="de-DE" sz="1200" dirty="0">
+                <a:solidFill>
+                  <a:schemeClr val="bg2"/>
+                </a:solidFill>
+                <a:sym typeface="Noteworthy Bold" charset="0"/>
+              </a:rPr>
+              <a:t>Rolle (GUI Spezialist)</a:t>
+            </a:r>
+            <a:endParaRPr lang="de-DE" sz="1200" dirty="0">
+              <a:solidFill>
+                <a:schemeClr val="bg2"/>
+              </a:solidFill>
+            </a:endParaRPr>
+          </a:p>
+        </p:txBody>
+      </p:sp>
+      <p:sp>
+        <p:nvSpPr>
+          <p:cNvPr id="17" name="Rechteck 16"/>
+          <p:cNvSpPr/>
+          <p:nvPr/>
+        </p:nvSpPr>
+        <p:spPr bwMode="auto">
+          <a:xfrm>
+            <a:off x="4145891" y="1564432"/>
+            <a:ext cx="3260835" cy="2314200"/>
+          </a:xfrm>
+          <a:prstGeom prst="rect">
+            <a:avLst/>
+          </a:prstGeom>
+          <a:solidFill>
+            <a:srgbClr val="FFFFFF"/>
+          </a:solidFill>
+          <a:ln w="38100" cap="flat" cmpd="sng" algn="ctr">
+            <a:solidFill>
+              <a:schemeClr val="accent1">
+                <a:lumMod val="75000"/>
+              </a:schemeClr>
+            </a:solidFill>
+            <a:prstDash val="solid"/>
+            <a:miter lim="0"/>
+            <a:headEnd type="none" w="med" len="med"/>
+            <a:tailEnd type="none" w="med" len="med"/>
+          </a:ln>
+          <a:effectLst>
+            <a:innerShdw blurRad="63500" dist="50800" dir="18900000">
+              <a:prstClr val="black">
+                <a:alpha val="50000"/>
+              </a:prstClr>
+            </a:innerShdw>
+            <a:softEdge rad="12700"/>
+          </a:effectLst>
+          <a:extLst/>
+        </p:spPr>
+        <p:txBody>
+          <a:bodyPr vert="horz" wrap="square" lIns="50800" tIns="50800" rIns="50800" bIns="50800" numCol="1" rtlCol="0" anchor="ctr" anchorCtr="0" compatLnSpc="1">
+            <a:prstTxWarp prst="textNoShape">
+              <a:avLst/>
+            </a:prstTxWarp>
+          </a:bodyPr>
+          <a:lstStyle/>
+          <a:p>
+            <a:pPr marL="342900"/>
+            <a:r>
+              <a:rPr lang="de-DE" sz="1200" dirty="0">
+                <a:solidFill>
+                  <a:schemeClr val="bg2"/>
+                </a:solidFill>
+                <a:sym typeface="Noteworthy Bold" charset="0"/>
+              </a:rPr>
+              <a:t>Rolle (Architekt)</a:t>
+            </a:r>
+            <a:endParaRPr lang="de-DE" sz="1200" dirty="0">
+              <a:solidFill>
+                <a:schemeClr val="bg2"/>
+              </a:solidFill>
+            </a:endParaRPr>
+          </a:p>
+        </p:txBody>
+      </p:sp>
+      <p:sp>
+        <p:nvSpPr>
+          <p:cNvPr id="18" name="Rechteck 17"/>
+          <p:cNvSpPr/>
+          <p:nvPr/>
+        </p:nvSpPr>
+        <p:spPr bwMode="auto">
+          <a:xfrm>
+            <a:off x="721283" y="1564433"/>
+            <a:ext cx="3260835" cy="2314200"/>
+          </a:xfrm>
+          <a:prstGeom prst="rect">
+            <a:avLst/>
+          </a:prstGeom>
+          <a:solidFill>
+            <a:srgbClr val="FFFFFF"/>
+          </a:solidFill>
+          <a:ln w="38100" cap="flat" cmpd="sng" algn="ctr">
+            <a:solidFill>
+              <a:schemeClr val="accent1">
+                <a:lumMod val="75000"/>
+              </a:schemeClr>
+            </a:solidFill>
+            <a:prstDash val="solid"/>
+            <a:miter lim="0"/>
+            <a:headEnd type="none" w="med" len="med"/>
+            <a:tailEnd type="none" w="med" len="med"/>
+          </a:ln>
+          <a:effectLst>
+            <a:innerShdw blurRad="63500" dist="50800" dir="18900000">
+              <a:prstClr val="black">
+                <a:alpha val="50000"/>
+              </a:prstClr>
+            </a:innerShdw>
+            <a:softEdge rad="12700"/>
+          </a:effectLst>
+          <a:extLst/>
+        </p:spPr>
+        <p:txBody>
+          <a:bodyPr vert="horz" wrap="square" lIns="50800" tIns="50800" rIns="50800" bIns="50800" numCol="1" rtlCol="0" anchor="ctr" anchorCtr="0" compatLnSpc="1">
+            <a:prstTxWarp prst="textNoShape">
+              <a:avLst/>
+            </a:prstTxWarp>
+          </a:bodyPr>
+          <a:lstStyle/>
+          <a:p>
+            <a:pPr marL="342900"/>
+            <a:r>
+              <a:rPr lang="de-DE" sz="1200" dirty="0">
+                <a:solidFill>
+                  <a:schemeClr val="bg2"/>
+                </a:solidFill>
+                <a:sym typeface="Noteworthy Bold" charset="0"/>
+              </a:rPr>
+              <a:t>Rolle (Projektleiter)</a:t>
+            </a:r>
+            <a:endParaRPr lang="de-DE" sz="1200" dirty="0">
+              <a:solidFill>
+                <a:schemeClr val="bg2"/>
+              </a:solidFill>
+            </a:endParaRPr>
+          </a:p>
+        </p:txBody>
+      </p:sp>
+      <p:sp>
+        <p:nvSpPr>
+          <p:cNvPr id="19" name="Rechteck 18"/>
+          <p:cNvSpPr/>
+          <p:nvPr/>
+        </p:nvSpPr>
+        <p:spPr bwMode="auto">
+          <a:xfrm>
+            <a:off x="4154445" y="6444134"/>
+            <a:ext cx="3260835" cy="2314200"/>
+          </a:xfrm>
+          <a:prstGeom prst="rect">
+            <a:avLst/>
+          </a:prstGeom>
+          <a:solidFill>
+            <a:srgbClr val="FFFFFF"/>
+          </a:solidFill>
+          <a:ln w="38100" cap="flat" cmpd="sng" algn="ctr">
+            <a:solidFill>
+              <a:schemeClr val="accent1">
+                <a:lumMod val="75000"/>
+              </a:schemeClr>
+            </a:solidFill>
+            <a:prstDash val="solid"/>
+            <a:miter lim="0"/>
+            <a:headEnd type="none" w="med" len="med"/>
+            <a:tailEnd type="none" w="med" len="med"/>
+          </a:ln>
+          <a:effectLst>
+            <a:innerShdw blurRad="63500" dist="50800" dir="18900000">
+              <a:prstClr val="black">
+                <a:alpha val="50000"/>
+              </a:prstClr>
+            </a:innerShdw>
+            <a:softEdge rad="12700"/>
+          </a:effectLst>
+          <a:extLst/>
+        </p:spPr>
+        <p:txBody>
+          <a:bodyPr vert="horz" wrap="square" lIns="50800" tIns="50800" rIns="50800" bIns="50800" numCol="1" rtlCol="0" anchor="ctr" anchorCtr="0" compatLnSpc="1">
+            <a:prstTxWarp prst="textNoShape">
+              <a:avLst/>
+            </a:prstTxWarp>
+          </a:bodyPr>
+          <a:lstStyle/>
+          <a:p>
+            <a:r>
+              <a:rPr lang="de-DE" sz="1200" dirty="0">
+                <a:solidFill>
+                  <a:schemeClr val="bg2"/>
+                </a:solidFill>
+                <a:sym typeface="Noteworthy Bold" charset="0"/>
+              </a:rPr>
+              <a:t>Rolle </a:t>
+            </a:r>
+            <a:r>
+              <a:rPr lang="de-DE" sz="1200" dirty="0" smtClean="0">
+                <a:solidFill>
+                  <a:schemeClr val="bg2"/>
+                </a:solidFill>
+                <a:sym typeface="Noteworthy Bold" charset="0"/>
+              </a:rPr>
+              <a:t>(Tester)</a:t>
+            </a:r>
+            <a:endParaRPr lang="de-DE" sz="1200" dirty="0">
+              <a:solidFill>
+                <a:schemeClr val="bg2"/>
+              </a:solidFill>
+              <a:sym typeface="Noteworthy Bold" charset="0"/>
+            </a:endParaRPr>
+          </a:p>
+        </p:txBody>
+      </p:sp>
+    </p:spTree>
+    <p:extLst>
+      <p:ext uri="{BB962C8B-B14F-4D97-AF65-F5344CB8AC3E}">
+        <p14:creationId xmlns:p14="http://schemas.microsoft.com/office/powerpoint/2010/main" val="2336604471"/>
       </p:ext>
     </p:extLst>
   </p:cSld>
